--- a/EC311 Final Project Presentation.pptx
+++ b/EC311 Final Project Presentation.pptx
@@ -37,7 +37,6 @@
     <p:sldId id="282" r:id="rId32"/>
     <p:sldId id="283" r:id="rId33"/>
     <p:sldId id="284" r:id="rId34"/>
-    <p:sldId id="285" r:id="rId35"/>
   </p:sldIdLst>
   <p:sldSz cy="5143500" cx="9144000"/>
   <p:notesSz cx="6858000" cy="9144000"/>
@@ -819,7 +818,7 @@
   <p:cSld>
     <p:spTree>
       <p:nvGrpSpPr>
-        <p:cNvPr id="138" name="Shape 138"/>
+        <p:cNvPr id="137" name="Shape 137"/>
         <p:cNvGrpSpPr/>
         <p:nvPr/>
       </p:nvGrpSpPr>
@@ -833,7 +832,7 @@
       </p:grpSpPr>
       <p:sp>
         <p:nvSpPr>
-          <p:cNvPr id="139" name="Google Shape;139;g31954cb2e24_0_15:notes"/>
+          <p:cNvPr id="138" name="Google Shape;138;g31b7ed64cb2_0_0:notes"/>
           <p:cNvSpPr/>
           <p:nvPr>
             <p:ph idx="2" type="sldImg"/>
@@ -868,106 +867,7 @@
       </p:sp>
       <p:sp>
         <p:nvSpPr>
-          <p:cNvPr id="140" name="Google Shape;140;g31954cb2e24_0_15:notes"/>
-          <p:cNvSpPr txBox="1"/>
-          <p:nvPr>
-            <p:ph idx="1" type="body"/>
-          </p:nvPr>
-        </p:nvSpPr>
-        <p:spPr>
-          <a:xfrm>
-            <a:off x="685800" y="4343400"/>
-            <a:ext cx="5486400" cy="4114800"/>
-          </a:xfrm>
-          <a:prstGeom prst="rect">
-            <a:avLst/>
-          </a:prstGeom>
-        </p:spPr>
-        <p:txBody>
-          <a:bodyPr anchorCtr="0" anchor="t" bIns="91425" lIns="91425" spcFirstLastPara="1" rIns="91425" wrap="square" tIns="91425">
-            <a:noAutofit/>
-          </a:bodyPr>
-          <a:lstStyle/>
-          <a:p>
-            <a:pPr indent="0" lvl="0" marL="0" rtl="0" algn="l">
-              <a:spcBef>
-                <a:spcPts val="0"/>
-              </a:spcBef>
-              <a:spcAft>
-                <a:spcPts val="0"/>
-              </a:spcAft>
-              <a:buNone/>
-            </a:pPr>
-            <a:r>
-              <a:t/>
-            </a:r>
-            <a:endParaRPr/>
-          </a:p>
-        </p:txBody>
-      </p:sp>
-    </p:spTree>
-  </p:cSld>
-  <p:clrMapOvr>
-    <a:masterClrMapping/>
-  </p:clrMapOvr>
-</p:notes>
-</file>
-
-<file path=ppt/notesSlides/notesSlide11.xml><?xml version="1.0" encoding="utf-8"?>
-<p:notes xmlns:a="http://schemas.openxmlformats.org/drawingml/2006/main" xmlns:r="http://schemas.openxmlformats.org/officeDocument/2006/relationships" xmlns:mc="http://schemas.openxmlformats.org/markup-compatibility/2006" xmlns:mv="urn:schemas-microsoft-com:mac:vml" xmlns:p="http://schemas.openxmlformats.org/presentationml/2006/main" xmlns:c="http://schemas.openxmlformats.org/drawingml/2006/chart" xmlns:dgm="http://schemas.openxmlformats.org/drawingml/2006/diagram" xmlns:o="urn:schemas-microsoft-com:office:office" xmlns:v="urn:schemas-microsoft-com:vml" xmlns:pvml="urn:schemas-microsoft-com:office:powerpoint" xmlns:com="http://schemas.openxmlformats.org/drawingml/2006/compatibility" xmlns:p14="http://schemas.microsoft.com/office/powerpoint/2010/main" xmlns:p15="http://schemas.microsoft.com/office/powerpoint/2012/main" xmlns:ahyp="http://schemas.microsoft.com/office/drawing/2018/hyperlinkcolor" showMasterPhAnim="0" showMasterSp="0">
-  <p:cSld>
-    <p:spTree>
-      <p:nvGrpSpPr>
-        <p:cNvPr id="143" name="Shape 143"/>
-        <p:cNvGrpSpPr/>
-        <p:nvPr/>
-      </p:nvGrpSpPr>
-      <p:grpSpPr>
-        <a:xfrm>
-          <a:off x="0" y="0"/>
-          <a:ext cx="0" cy="0"/>
-          <a:chOff x="0" y="0"/>
-          <a:chExt cx="0" cy="0"/>
-        </a:xfrm>
-      </p:grpSpPr>
-      <p:sp>
-        <p:nvSpPr>
-          <p:cNvPr id="144" name="Google Shape;144;g31b7ed64cb2_0_0:notes"/>
-          <p:cNvSpPr/>
-          <p:nvPr>
-            <p:ph idx="2" type="sldImg"/>
-          </p:nvPr>
-        </p:nvSpPr>
-        <p:spPr>
-          <a:xfrm>
-            <a:off x="381300" y="685800"/>
-            <a:ext cx="6096000" cy="3429000"/>
-          </a:xfrm>
-          <a:custGeom>
-            <a:rect b="b" l="l" r="r" t="t"/>
-            <a:pathLst>
-              <a:path extrusionOk="0" h="120000" w="120000">
-                <a:moveTo>
-                  <a:pt x="0" y="0"/>
-                </a:moveTo>
-                <a:lnTo>
-                  <a:pt x="120000" y="0"/>
-                </a:lnTo>
-                <a:lnTo>
-                  <a:pt x="120000" y="120000"/>
-                </a:lnTo>
-                <a:lnTo>
-                  <a:pt x="0" y="120000"/>
-                </a:lnTo>
-                <a:close/>
-              </a:path>
-            </a:pathLst>
-          </a:custGeom>
-        </p:spPr>
-      </p:sp>
-      <p:sp>
-        <p:nvSpPr>
-          <p:cNvPr id="145" name="Google Shape;145;g31b7ed64cb2_0_0:notes"/>
+          <p:cNvPr id="139" name="Google Shape;139;g31b7ed64cb2_0_0:notes"/>
           <p:cNvSpPr txBox="1"/>
           <p:nvPr>
             <p:ph idx="1" type="body"/>
@@ -1137,12 +1037,12 @@
 </p:notes>
 </file>
 
-<file path=ppt/notesSlides/notesSlide12.xml><?xml version="1.0" encoding="utf-8"?>
+<file path=ppt/notesSlides/notesSlide11.xml><?xml version="1.0" encoding="utf-8"?>
 <p:notes xmlns:a="http://schemas.openxmlformats.org/drawingml/2006/main" xmlns:r="http://schemas.openxmlformats.org/officeDocument/2006/relationships" xmlns:mc="http://schemas.openxmlformats.org/markup-compatibility/2006" xmlns:mv="urn:schemas-microsoft-com:mac:vml" xmlns:p="http://schemas.openxmlformats.org/presentationml/2006/main" xmlns:c="http://schemas.openxmlformats.org/drawingml/2006/chart" xmlns:dgm="http://schemas.openxmlformats.org/drawingml/2006/diagram" xmlns:o="urn:schemas-microsoft-com:office:office" xmlns:v="urn:schemas-microsoft-com:vml" xmlns:pvml="urn:schemas-microsoft-com:office:powerpoint" xmlns:com="http://schemas.openxmlformats.org/drawingml/2006/compatibility" xmlns:p14="http://schemas.microsoft.com/office/powerpoint/2010/main" xmlns:p15="http://schemas.microsoft.com/office/powerpoint/2012/main" xmlns:ahyp="http://schemas.microsoft.com/office/drawing/2018/hyperlinkcolor" showMasterPhAnim="0" showMasterSp="0">
   <p:cSld>
     <p:spTree>
       <p:nvGrpSpPr>
-        <p:cNvPr id="156" name="Shape 156"/>
+        <p:cNvPr id="150" name="Shape 150"/>
         <p:cNvGrpSpPr/>
         <p:nvPr/>
       </p:nvGrpSpPr>
@@ -1156,7 +1056,7 @@
       </p:grpSpPr>
       <p:sp>
         <p:nvSpPr>
-          <p:cNvPr id="157" name="Google Shape;157;g319adfc34d0_0_0:notes"/>
+          <p:cNvPr id="151" name="Google Shape;151;g319adfc34d0_0_0:notes"/>
           <p:cNvSpPr/>
           <p:nvPr>
             <p:ph idx="2" type="sldImg"/>
@@ -1191,7 +1091,7 @@
       </p:sp>
       <p:sp>
         <p:nvSpPr>
-          <p:cNvPr id="158" name="Google Shape;158;g319adfc34d0_0_0:notes"/>
+          <p:cNvPr id="152" name="Google Shape;152;g319adfc34d0_0_0:notes"/>
           <p:cNvSpPr txBox="1"/>
           <p:nvPr>
             <p:ph idx="1" type="body"/>
@@ -1240,6 +1140,105 @@
             <a:r>
               <a:rPr lang="en"/>
               <a:t>Deb ounces for reset, random number generator for the mole timer, accelerometer for game tilt, game logic and vga for graphics</a:t>
+            </a:r>
+            <a:endParaRPr/>
+          </a:p>
+        </p:txBody>
+      </p:sp>
+    </p:spTree>
+  </p:cSld>
+  <p:clrMapOvr>
+    <a:masterClrMapping/>
+  </p:clrMapOvr>
+</p:notes>
+</file>
+
+<file path=ppt/notesSlides/notesSlide12.xml><?xml version="1.0" encoding="utf-8"?>
+<p:notes xmlns:a="http://schemas.openxmlformats.org/drawingml/2006/main" xmlns:r="http://schemas.openxmlformats.org/officeDocument/2006/relationships" xmlns:mc="http://schemas.openxmlformats.org/markup-compatibility/2006" xmlns:mv="urn:schemas-microsoft-com:mac:vml" xmlns:p="http://schemas.openxmlformats.org/presentationml/2006/main" xmlns:c="http://schemas.openxmlformats.org/drawingml/2006/chart" xmlns:dgm="http://schemas.openxmlformats.org/drawingml/2006/diagram" xmlns:o="urn:schemas-microsoft-com:office:office" xmlns:v="urn:schemas-microsoft-com:vml" xmlns:pvml="urn:schemas-microsoft-com:office:powerpoint" xmlns:com="http://schemas.openxmlformats.org/drawingml/2006/compatibility" xmlns:p14="http://schemas.microsoft.com/office/powerpoint/2010/main" xmlns:p15="http://schemas.microsoft.com/office/powerpoint/2012/main" xmlns:ahyp="http://schemas.microsoft.com/office/drawing/2018/hyperlinkcolor" showMasterPhAnim="0" showMasterSp="0">
+  <p:cSld>
+    <p:spTree>
+      <p:nvGrpSpPr>
+        <p:cNvPr id="156" name="Shape 156"/>
+        <p:cNvGrpSpPr/>
+        <p:nvPr/>
+      </p:nvGrpSpPr>
+      <p:grpSpPr>
+        <a:xfrm>
+          <a:off x="0" y="0"/>
+          <a:ext cx="0" cy="0"/>
+          <a:chOff x="0" y="0"/>
+          <a:chExt cx="0" cy="0"/>
+        </a:xfrm>
+      </p:grpSpPr>
+      <p:sp>
+        <p:nvSpPr>
+          <p:cNvPr id="157" name="Google Shape;157;g319b150b69f_0_1:notes"/>
+          <p:cNvSpPr/>
+          <p:nvPr>
+            <p:ph idx="2" type="sldImg"/>
+          </p:nvPr>
+        </p:nvSpPr>
+        <p:spPr>
+          <a:xfrm>
+            <a:off x="381300" y="685800"/>
+            <a:ext cx="6096000" cy="3429000"/>
+          </a:xfrm>
+          <a:custGeom>
+            <a:rect b="b" l="l" r="r" t="t"/>
+            <a:pathLst>
+              <a:path extrusionOk="0" h="120000" w="120000">
+                <a:moveTo>
+                  <a:pt x="0" y="0"/>
+                </a:moveTo>
+                <a:lnTo>
+                  <a:pt x="120000" y="0"/>
+                </a:lnTo>
+                <a:lnTo>
+                  <a:pt x="120000" y="120000"/>
+                </a:lnTo>
+                <a:lnTo>
+                  <a:pt x="0" y="120000"/>
+                </a:lnTo>
+                <a:close/>
+              </a:path>
+            </a:pathLst>
+          </a:custGeom>
+        </p:spPr>
+      </p:sp>
+      <p:sp>
+        <p:nvSpPr>
+          <p:cNvPr id="158" name="Google Shape;158;g319b150b69f_0_1:notes"/>
+          <p:cNvSpPr txBox="1"/>
+          <p:nvPr>
+            <p:ph idx="1" type="body"/>
+          </p:nvPr>
+        </p:nvSpPr>
+        <p:spPr>
+          <a:xfrm>
+            <a:off x="685800" y="4343400"/>
+            <a:ext cx="5486400" cy="4114800"/>
+          </a:xfrm>
+          <a:prstGeom prst="rect">
+            <a:avLst/>
+          </a:prstGeom>
+        </p:spPr>
+        <p:txBody>
+          <a:bodyPr anchorCtr="0" anchor="t" bIns="91425" lIns="91425" spcFirstLastPara="1" rIns="91425" wrap="square" tIns="91425">
+            <a:noAutofit/>
+          </a:bodyPr>
+          <a:lstStyle/>
+          <a:p>
+            <a:pPr indent="0" lvl="0" marL="0" rtl="0" algn="l">
+              <a:spcBef>
+                <a:spcPts val="0"/>
+              </a:spcBef>
+              <a:spcAft>
+                <a:spcPts val="0"/>
+              </a:spcAft>
+              <a:buNone/>
+            </a:pPr>
+            <a:r>
+              <a:t/>
             </a:r>
             <a:endParaRPr/>
           </a:p>
@@ -1272,7 +1271,7 @@
       </p:grpSpPr>
       <p:sp>
         <p:nvSpPr>
-          <p:cNvPr id="163" name="Google Shape;163;g319b150b69f_0_1:notes"/>
+          <p:cNvPr id="163" name="Google Shape;163;g31b666d9246_0_30:notes"/>
           <p:cNvSpPr/>
           <p:nvPr>
             <p:ph idx="2" type="sldImg"/>
@@ -1307,7 +1306,7 @@
       </p:sp>
       <p:sp>
         <p:nvSpPr>
-          <p:cNvPr id="164" name="Google Shape;164;g319b150b69f_0_1:notes"/>
+          <p:cNvPr id="164" name="Google Shape;164;g31b666d9246_0_30:notes"/>
           <p:cNvSpPr txBox="1"/>
           <p:nvPr>
             <p:ph idx="1" type="body"/>
@@ -1357,7 +1356,7 @@
   <p:cSld>
     <p:spTree>
       <p:nvGrpSpPr>
-        <p:cNvPr id="168" name="Shape 168"/>
+        <p:cNvPr id="167" name="Shape 167"/>
         <p:cNvGrpSpPr/>
         <p:nvPr/>
       </p:nvGrpSpPr>
@@ -1371,7 +1370,7 @@
       </p:grpSpPr>
       <p:sp>
         <p:nvSpPr>
-          <p:cNvPr id="169" name="Google Shape;169;g31b666d9246_0_30:notes"/>
+          <p:cNvPr id="168" name="Google Shape;168;g31b666d9246_0_36:notes"/>
           <p:cNvSpPr/>
           <p:nvPr>
             <p:ph idx="2" type="sldImg"/>
@@ -1406,7 +1405,7 @@
       </p:sp>
       <p:sp>
         <p:nvSpPr>
-          <p:cNvPr id="170" name="Google Shape;170;g31b666d9246_0_30:notes"/>
+          <p:cNvPr id="169" name="Google Shape;169;g31b666d9246_0_36:notes"/>
           <p:cNvSpPr txBox="1"/>
           <p:nvPr>
             <p:ph idx="1" type="body"/>
@@ -1470,7 +1469,7 @@
       </p:grpSpPr>
       <p:sp>
         <p:nvSpPr>
-          <p:cNvPr id="174" name="Google Shape;174;g31b666d9246_0_36:notes"/>
+          <p:cNvPr id="174" name="Google Shape;174;g2d659c4110d_0_1:notes"/>
           <p:cNvSpPr/>
           <p:nvPr>
             <p:ph idx="2" type="sldImg"/>
@@ -1505,7 +1504,7 @@
       </p:sp>
       <p:sp>
         <p:nvSpPr>
-          <p:cNvPr id="175" name="Google Shape;175;g31b666d9246_0_36:notes"/>
+          <p:cNvPr id="175" name="Google Shape;175;g2d659c4110d_0_1:notes"/>
           <p:cNvSpPr txBox="1"/>
           <p:nvPr>
             <p:ph idx="1" type="body"/>
@@ -1555,7 +1554,7 @@
   <p:cSld>
     <p:spTree>
       <p:nvGrpSpPr>
-        <p:cNvPr id="179" name="Shape 179"/>
+        <p:cNvPr id="189" name="Shape 189"/>
         <p:cNvGrpSpPr/>
         <p:nvPr/>
       </p:nvGrpSpPr>
@@ -1569,7 +1568,7 @@
       </p:grpSpPr>
       <p:sp>
         <p:nvSpPr>
-          <p:cNvPr id="180" name="Google Shape;180;g2d659c4110d_0_1:notes"/>
+          <p:cNvPr id="190" name="Google Shape;190;g31be6099c61_2_11:notes"/>
           <p:cNvSpPr/>
           <p:nvPr>
             <p:ph idx="2" type="sldImg"/>
@@ -1604,7 +1603,7 @@
       </p:sp>
       <p:sp>
         <p:nvSpPr>
-          <p:cNvPr id="181" name="Google Shape;181;g2d659c4110d_0_1:notes"/>
+          <p:cNvPr id="191" name="Google Shape;191;g31be6099c61_2_11:notes"/>
           <p:cNvSpPr txBox="1"/>
           <p:nvPr>
             <p:ph idx="1" type="body"/>
@@ -1654,7 +1653,7 @@
   <p:cSld>
     <p:spTree>
       <p:nvGrpSpPr>
-        <p:cNvPr id="195" name="Shape 195"/>
+        <p:cNvPr id="204" name="Shape 204"/>
         <p:cNvGrpSpPr/>
         <p:nvPr/>
       </p:nvGrpSpPr>
@@ -1668,7 +1667,7 @@
       </p:grpSpPr>
       <p:sp>
         <p:nvSpPr>
-          <p:cNvPr id="196" name="Google Shape;196;g31be6099c61_2_11:notes"/>
+          <p:cNvPr id="205" name="Google Shape;205;g31be6099c61_2_21:notes"/>
           <p:cNvSpPr/>
           <p:nvPr>
             <p:ph idx="2" type="sldImg"/>
@@ -1703,7 +1702,7 @@
       </p:sp>
       <p:sp>
         <p:nvSpPr>
-          <p:cNvPr id="197" name="Google Shape;197;g31be6099c61_2_11:notes"/>
+          <p:cNvPr id="206" name="Google Shape;206;g31be6099c61_2_21:notes"/>
           <p:cNvSpPr txBox="1"/>
           <p:nvPr>
             <p:ph idx="1" type="body"/>
@@ -1753,7 +1752,7 @@
   <p:cSld>
     <p:spTree>
       <p:nvGrpSpPr>
-        <p:cNvPr id="210" name="Shape 210"/>
+        <p:cNvPr id="217" name="Shape 217"/>
         <p:cNvGrpSpPr/>
         <p:nvPr/>
       </p:nvGrpSpPr>
@@ -1767,7 +1766,7 @@
       </p:grpSpPr>
       <p:sp>
         <p:nvSpPr>
-          <p:cNvPr id="211" name="Google Shape;211;g31be6099c61_2_21:notes"/>
+          <p:cNvPr id="218" name="Google Shape;218;g31bf9e6710b_0_96:notes"/>
           <p:cNvSpPr/>
           <p:nvPr>
             <p:ph idx="2" type="sldImg"/>
@@ -1802,7 +1801,7 @@
       </p:sp>
       <p:sp>
         <p:nvSpPr>
-          <p:cNvPr id="212" name="Google Shape;212;g31be6099c61_2_21:notes"/>
+          <p:cNvPr id="219" name="Google Shape;219;g31bf9e6710b_0_96:notes"/>
           <p:cNvSpPr txBox="1"/>
           <p:nvPr>
             <p:ph idx="1" type="body"/>
@@ -1852,7 +1851,7 @@
   <p:cSld>
     <p:spTree>
       <p:nvGrpSpPr>
-        <p:cNvPr id="223" name="Shape 223"/>
+        <p:cNvPr id="222" name="Shape 222"/>
         <p:cNvGrpSpPr/>
         <p:nvPr/>
       </p:nvGrpSpPr>
@@ -1866,7 +1865,7 @@
       </p:grpSpPr>
       <p:sp>
         <p:nvSpPr>
-          <p:cNvPr id="224" name="Google Shape;224;g31bf9e6710b_0_96:notes"/>
+          <p:cNvPr id="223" name="Google Shape;223;g31c0c1c028a_1_14:notes"/>
           <p:cNvSpPr/>
           <p:nvPr>
             <p:ph idx="2" type="sldImg"/>
@@ -1901,7 +1900,7 @@
       </p:sp>
       <p:sp>
         <p:nvSpPr>
-          <p:cNvPr id="225" name="Google Shape;225;g31bf9e6710b_0_96:notes"/>
+          <p:cNvPr id="224" name="Google Shape;224;g31c0c1c028a_1_14:notes"/>
           <p:cNvSpPr txBox="1"/>
           <p:nvPr>
             <p:ph idx="1" type="body"/>
@@ -1965,7 +1964,7 @@
       </p:grpSpPr>
       <p:sp>
         <p:nvSpPr>
-          <p:cNvPr id="92" name="Google Shape;92;g314e29ce40a_0_0:notes"/>
+          <p:cNvPr id="92" name="Google Shape;92;g31954cb2e24_0_0:notes"/>
           <p:cNvSpPr/>
           <p:nvPr>
             <p:ph idx="2" type="sldImg"/>
@@ -2000,7 +1999,7 @@
       </p:sp>
       <p:sp>
         <p:nvSpPr>
-          <p:cNvPr id="93" name="Google Shape;93;g314e29ce40a_0_0:notes"/>
+          <p:cNvPr id="93" name="Google Shape;93;g31954cb2e24_0_0:notes"/>
           <p:cNvSpPr txBox="1"/>
           <p:nvPr>
             <p:ph idx="1" type="body"/>
@@ -2050,7 +2049,7 @@
   <p:cSld>
     <p:spTree>
       <p:nvGrpSpPr>
-        <p:cNvPr id="228" name="Shape 228"/>
+        <p:cNvPr id="230" name="Shape 230"/>
         <p:cNvGrpSpPr/>
         <p:nvPr/>
       </p:nvGrpSpPr>
@@ -2064,7 +2063,7 @@
       </p:grpSpPr>
       <p:sp>
         <p:nvSpPr>
-          <p:cNvPr id="229" name="Google Shape;229;g31c0c1c028a_1_14:notes"/>
+          <p:cNvPr id="231" name="Google Shape;231;g31bf9e6710b_0_80:notes"/>
           <p:cNvSpPr/>
           <p:nvPr>
             <p:ph idx="2" type="sldImg"/>
@@ -2099,7 +2098,7 @@
       </p:sp>
       <p:sp>
         <p:nvSpPr>
-          <p:cNvPr id="230" name="Google Shape;230;g31c0c1c028a_1_14:notes"/>
+          <p:cNvPr id="232" name="Google Shape;232;g31bf9e6710b_0_80:notes"/>
           <p:cNvSpPr txBox="1"/>
           <p:nvPr>
             <p:ph idx="1" type="body"/>
@@ -2149,7 +2148,7 @@
   <p:cSld>
     <p:spTree>
       <p:nvGrpSpPr>
-        <p:cNvPr id="236" name="Shape 236"/>
+        <p:cNvPr id="237" name="Shape 237"/>
         <p:cNvGrpSpPr/>
         <p:nvPr/>
       </p:nvGrpSpPr>
@@ -2163,7 +2162,7 @@
       </p:grpSpPr>
       <p:sp>
         <p:nvSpPr>
-          <p:cNvPr id="237" name="Google Shape;237;g31bf9e6710b_0_80:notes"/>
+          <p:cNvPr id="238" name="Google Shape;238;g31c0c1c028a_1_2:notes"/>
           <p:cNvSpPr/>
           <p:nvPr>
             <p:ph idx="2" type="sldImg"/>
@@ -2198,7 +2197,7 @@
       </p:sp>
       <p:sp>
         <p:nvSpPr>
-          <p:cNvPr id="238" name="Google Shape;238;g31bf9e6710b_0_80:notes"/>
+          <p:cNvPr id="239" name="Google Shape;239;g31c0c1c028a_1_2:notes"/>
           <p:cNvSpPr txBox="1"/>
           <p:nvPr>
             <p:ph idx="1" type="body"/>
@@ -2248,7 +2247,7 @@
   <p:cSld>
     <p:spTree>
       <p:nvGrpSpPr>
-        <p:cNvPr id="243" name="Shape 243"/>
+        <p:cNvPr id="249" name="Shape 249"/>
         <p:cNvGrpSpPr/>
         <p:nvPr/>
       </p:nvGrpSpPr>
@@ -2262,7 +2261,7 @@
       </p:grpSpPr>
       <p:sp>
         <p:nvSpPr>
-          <p:cNvPr id="244" name="Google Shape;244;g31c0c1c028a_1_2:notes"/>
+          <p:cNvPr id="250" name="Google Shape;250;g31b7ed64cb2_0_10:notes"/>
           <p:cNvSpPr/>
           <p:nvPr>
             <p:ph idx="2" type="sldImg"/>
@@ -2297,7 +2296,7 @@
       </p:sp>
       <p:sp>
         <p:nvSpPr>
-          <p:cNvPr id="245" name="Google Shape;245;g31c0c1c028a_1_2:notes"/>
+          <p:cNvPr id="251" name="Google Shape;251;g31b7ed64cb2_0_10:notes"/>
           <p:cNvSpPr txBox="1"/>
           <p:nvPr>
             <p:ph idx="1" type="body"/>
@@ -2347,7 +2346,7 @@
   <p:cSld>
     <p:spTree>
       <p:nvGrpSpPr>
-        <p:cNvPr id="255" name="Shape 255"/>
+        <p:cNvPr id="261" name="Shape 261"/>
         <p:cNvGrpSpPr/>
         <p:nvPr/>
       </p:nvGrpSpPr>
@@ -2361,7 +2360,7 @@
       </p:grpSpPr>
       <p:sp>
         <p:nvSpPr>
-          <p:cNvPr id="256" name="Google Shape;256;g31b7ed64cb2_0_10:notes"/>
+          <p:cNvPr id="262" name="Google Shape;262;g31b919f68b1_2_10:notes"/>
           <p:cNvSpPr/>
           <p:nvPr>
             <p:ph idx="2" type="sldImg"/>
@@ -2396,7 +2395,7 @@
       </p:sp>
       <p:sp>
         <p:nvSpPr>
-          <p:cNvPr id="257" name="Google Shape;257;g31b7ed64cb2_0_10:notes"/>
+          <p:cNvPr id="263" name="Google Shape;263;g31b919f68b1_2_10:notes"/>
           <p:cNvSpPr txBox="1"/>
           <p:nvPr>
             <p:ph idx="1" type="body"/>
@@ -2427,7 +2426,107 @@
               <a:buNone/>
             </a:pPr>
             <a:r>
+              <a:rPr lang="en"/>
+              <a:t> -How does the fpga </a:t>
+            </a:r>
+            <a:r>
+              <a:rPr lang="en"/>
+              <a:t>communicate with accelerometer? SPI;</a:t>
+            </a:r>
+            <a:endParaRPr/>
+          </a:p>
+          <a:p>
+            <a:pPr indent="0" lvl="0" marL="0" rtl="0" algn="l">
+              <a:spcBef>
+                <a:spcPts val="0"/>
+              </a:spcBef>
+              <a:spcAft>
+                <a:spcPts val="0"/>
+              </a:spcAft>
+              <a:buNone/>
+            </a:pPr>
+            <a:r>
+              <a:rPr lang="en"/>
+              <a:t>- SPI module: setup and burst read (sourced from YouTube video)</a:t>
+            </a:r>
+            <a:endParaRPr/>
+          </a:p>
+          <a:p>
+            <a:pPr indent="0" lvl="0" marL="0" rtl="0" algn="l">
+              <a:spcBef>
+                <a:spcPts val="0"/>
+              </a:spcBef>
+              <a:spcAft>
+                <a:spcPts val="0"/>
+              </a:spcAft>
+              <a:buNone/>
+            </a:pPr>
+            <a:r>
+              <a:rPr lang="en"/>
+              <a:t>- setup allows us to change sensor to measurement mode from standby and start reading data </a:t>
+            </a:r>
+            <a:endParaRPr/>
+          </a:p>
+          <a:p>
+            <a:pPr indent="0" lvl="0" marL="0" rtl="0" algn="l">
+              <a:spcBef>
+                <a:spcPts val="0"/>
+              </a:spcBef>
+              <a:spcAft>
+                <a:spcPts val="0"/>
+              </a:spcAft>
+              <a:buNone/>
+            </a:pPr>
+            <a:r>
+              <a:rPr lang="en"/>
+              <a:t>- 40 ms kind of transition state to wait data to be ready</a:t>
+            </a:r>
+            <a:endParaRPr/>
+          </a:p>
+          <a:p>
+            <a:pPr indent="0" lvl="0" marL="0" rtl="0" algn="l">
+              <a:spcBef>
+                <a:spcPts val="0"/>
+              </a:spcBef>
+              <a:spcAft>
+                <a:spcPts val="0"/>
+              </a:spcAft>
+              <a:buNone/>
+            </a:pPr>
+            <a:r>
+              <a:rPr lang="en"/>
+              <a:t>- rest of instructions let us read xyz from data in a continuous loop</a:t>
+            </a:r>
+            <a:endParaRPr/>
+          </a:p>
+          <a:p>
+            <a:pPr indent="0" lvl="0" marL="0" rtl="0" algn="l">
+              <a:spcBef>
+                <a:spcPts val="0"/>
+              </a:spcBef>
+              <a:spcAft>
+                <a:spcPts val="0"/>
+              </a:spcAft>
+              <a:buNone/>
+            </a:pPr>
+            <a:r>
               <a:t/>
+            </a:r>
+            <a:endParaRPr/>
+          </a:p>
+          <a:p>
+            <a:pPr indent="0" lvl="0" marL="0" rtl="0" algn="l">
+              <a:spcBef>
+                <a:spcPts val="0"/>
+              </a:spcBef>
+              <a:spcAft>
+                <a:spcPts val="0"/>
+              </a:spcAft>
+              <a:buNone/>
+            </a:pPr>
+            <a:r>
+              <a:rPr lang="en"/>
+              <a:t>Aside from this: need to implement so much more of the code</a:t>
             </a:r>
             <a:endParaRPr/>
           </a:p>
@@ -2446,7 +2545,7 @@
   <p:cSld>
     <p:spTree>
       <p:nvGrpSpPr>
-        <p:cNvPr id="267" name="Shape 267"/>
+        <p:cNvPr id="268" name="Shape 268"/>
         <p:cNvGrpSpPr/>
         <p:nvPr/>
       </p:nvGrpSpPr>
@@ -2460,7 +2559,7 @@
       </p:grpSpPr>
       <p:sp>
         <p:nvSpPr>
-          <p:cNvPr id="268" name="Google Shape;268;g31b919f68b1_2_10:notes"/>
+          <p:cNvPr id="269" name="Google Shape;269;g6368fc21163e8e1c_5:notes"/>
           <p:cNvSpPr/>
           <p:nvPr>
             <p:ph idx="2" type="sldImg"/>
@@ -2495,7 +2594,7 @@
       </p:sp>
       <p:sp>
         <p:nvSpPr>
-          <p:cNvPr id="269" name="Google Shape;269;g31b919f68b1_2_10:notes"/>
+          <p:cNvPr id="270" name="Google Shape;270;g6368fc21163e8e1c_5:notes"/>
           <p:cNvSpPr txBox="1"/>
           <p:nvPr>
             <p:ph idx="1" type="body"/>
@@ -2526,107 +2625,7 @@
               <a:buNone/>
             </a:pPr>
             <a:r>
-              <a:rPr lang="en"/>
-              <a:t> -How does the fpga </a:t>
-            </a:r>
-            <a:r>
-              <a:rPr lang="en"/>
-              <a:t>communicate with accelerometer? SPI;</a:t>
-            </a:r>
-            <a:endParaRPr/>
-          </a:p>
-          <a:p>
-            <a:pPr indent="0" lvl="0" marL="0" rtl="0" algn="l">
-              <a:spcBef>
-                <a:spcPts val="0"/>
-              </a:spcBef>
-              <a:spcAft>
-                <a:spcPts val="0"/>
-              </a:spcAft>
-              <a:buNone/>
-            </a:pPr>
-            <a:r>
-              <a:rPr lang="en"/>
-              <a:t>- SPI module: setup and burst read (sourced from YouTube video)</a:t>
-            </a:r>
-            <a:endParaRPr/>
-          </a:p>
-          <a:p>
-            <a:pPr indent="0" lvl="0" marL="0" rtl="0" algn="l">
-              <a:spcBef>
-                <a:spcPts val="0"/>
-              </a:spcBef>
-              <a:spcAft>
-                <a:spcPts val="0"/>
-              </a:spcAft>
-              <a:buNone/>
-            </a:pPr>
-            <a:r>
-              <a:rPr lang="en"/>
-              <a:t>- setup allows us to change sensor to measurement mode from standby and start reading data </a:t>
-            </a:r>
-            <a:endParaRPr/>
-          </a:p>
-          <a:p>
-            <a:pPr indent="0" lvl="0" marL="0" rtl="0" algn="l">
-              <a:spcBef>
-                <a:spcPts val="0"/>
-              </a:spcBef>
-              <a:spcAft>
-                <a:spcPts val="0"/>
-              </a:spcAft>
-              <a:buNone/>
-            </a:pPr>
-            <a:r>
-              <a:rPr lang="en"/>
-              <a:t>- 40 ms kind of transition state to wait data to be ready</a:t>
-            </a:r>
-            <a:endParaRPr/>
-          </a:p>
-          <a:p>
-            <a:pPr indent="0" lvl="0" marL="0" rtl="0" algn="l">
-              <a:spcBef>
-                <a:spcPts val="0"/>
-              </a:spcBef>
-              <a:spcAft>
-                <a:spcPts val="0"/>
-              </a:spcAft>
-              <a:buNone/>
-            </a:pPr>
-            <a:r>
-              <a:rPr lang="en"/>
-              <a:t>- rest of instructions let us read xyz from data in a continuous loop</a:t>
-            </a:r>
-            <a:endParaRPr/>
-          </a:p>
-          <a:p>
-            <a:pPr indent="0" lvl="0" marL="0" rtl="0" algn="l">
-              <a:spcBef>
-                <a:spcPts val="0"/>
-              </a:spcBef>
-              <a:spcAft>
-                <a:spcPts val="0"/>
-              </a:spcAft>
-              <a:buNone/>
-            </a:pPr>
-            <a:r>
               <a:t/>
-            </a:r>
-            <a:endParaRPr/>
-          </a:p>
-          <a:p>
-            <a:pPr indent="0" lvl="0" marL="0" rtl="0" algn="l">
-              <a:spcBef>
-                <a:spcPts val="0"/>
-              </a:spcBef>
-              <a:spcAft>
-                <a:spcPts val="0"/>
-              </a:spcAft>
-              <a:buNone/>
-            </a:pPr>
-            <a:r>
-              <a:rPr lang="en"/>
-              <a:t>Aside from this: need to implement so much more of the code</a:t>
             </a:r>
             <a:endParaRPr/>
           </a:p>
@@ -2659,7 +2658,7 @@
       </p:grpSpPr>
       <p:sp>
         <p:nvSpPr>
-          <p:cNvPr id="275" name="Google Shape;275;g6368fc21163e8e1c_5:notes"/>
+          <p:cNvPr id="275" name="Google Shape;275;g31b666d9246_0_0:notes"/>
           <p:cNvSpPr/>
           <p:nvPr>
             <p:ph idx="2" type="sldImg"/>
@@ -2694,7 +2693,7 @@
       </p:sp>
       <p:sp>
         <p:nvSpPr>
-          <p:cNvPr id="276" name="Google Shape;276;g6368fc21163e8e1c_5:notes"/>
+          <p:cNvPr id="276" name="Google Shape;276;g31b666d9246_0_0:notes"/>
           <p:cNvSpPr txBox="1"/>
           <p:nvPr>
             <p:ph idx="1" type="body"/>
@@ -2744,7 +2743,7 @@
   <p:cSld>
     <p:spTree>
       <p:nvGrpSpPr>
-        <p:cNvPr id="280" name="Shape 280"/>
+        <p:cNvPr id="279" name="Shape 279"/>
         <p:cNvGrpSpPr/>
         <p:nvPr/>
       </p:nvGrpSpPr>
@@ -2758,7 +2757,7 @@
       </p:grpSpPr>
       <p:sp>
         <p:nvSpPr>
-          <p:cNvPr id="281" name="Google Shape;281;g31b666d9246_0_0:notes"/>
+          <p:cNvPr id="280" name="Google Shape;280;g31954cb2e24_0_25:notes"/>
           <p:cNvSpPr/>
           <p:nvPr>
             <p:ph idx="2" type="sldImg"/>
@@ -2793,7 +2792,7 @@
       </p:sp>
       <p:sp>
         <p:nvSpPr>
-          <p:cNvPr id="282" name="Google Shape;282;g31b666d9246_0_0:notes"/>
+          <p:cNvPr id="281" name="Google Shape;281;g31954cb2e24_0_25:notes"/>
           <p:cNvSpPr txBox="1"/>
           <p:nvPr>
             <p:ph idx="1" type="body"/>
@@ -2843,7 +2842,7 @@
   <p:cSld>
     <p:spTree>
       <p:nvGrpSpPr>
-        <p:cNvPr id="285" name="Shape 285"/>
+        <p:cNvPr id="286" name="Shape 286"/>
         <p:cNvGrpSpPr/>
         <p:nvPr/>
       </p:nvGrpSpPr>
@@ -2857,7 +2856,7 @@
       </p:grpSpPr>
       <p:sp>
         <p:nvSpPr>
-          <p:cNvPr id="286" name="Google Shape;286;g31954cb2e24_0_25:notes"/>
+          <p:cNvPr id="287" name="Google Shape;287;g31b666d9246_0_23:notes"/>
           <p:cNvSpPr/>
           <p:nvPr>
             <p:ph idx="2" type="sldImg"/>
@@ -2892,7 +2891,7 @@
       </p:sp>
       <p:sp>
         <p:nvSpPr>
-          <p:cNvPr id="287" name="Google Shape;287;g31954cb2e24_0_25:notes"/>
+          <p:cNvPr id="288" name="Google Shape;288;g31b666d9246_0_23:notes"/>
           <p:cNvSpPr txBox="1"/>
           <p:nvPr>
             <p:ph idx="1" type="body"/>
@@ -2942,7 +2941,7 @@
   <p:cSld>
     <p:spTree>
       <p:nvGrpSpPr>
-        <p:cNvPr id="292" name="Shape 292"/>
+        <p:cNvPr id="291" name="Shape 291"/>
         <p:cNvGrpSpPr/>
         <p:nvPr/>
       </p:nvGrpSpPr>
@@ -2956,7 +2955,7 @@
       </p:grpSpPr>
       <p:sp>
         <p:nvSpPr>
-          <p:cNvPr id="293" name="Google Shape;293;g31b666d9246_0_23:notes"/>
+          <p:cNvPr id="292" name="Google Shape;292;g31b919f68b1_2_0:notes"/>
           <p:cNvSpPr/>
           <p:nvPr>
             <p:ph idx="2" type="sldImg"/>
@@ -2991,7 +2990,7 @@
       </p:sp>
       <p:sp>
         <p:nvSpPr>
-          <p:cNvPr id="294" name="Google Shape;294;g31b666d9246_0_23:notes"/>
+          <p:cNvPr id="293" name="Google Shape;293;g31b919f68b1_2_0:notes"/>
           <p:cNvSpPr txBox="1"/>
           <p:nvPr>
             <p:ph idx="1" type="body"/>
@@ -3055,7 +3054,7 @@
       </p:grpSpPr>
       <p:sp>
         <p:nvSpPr>
-          <p:cNvPr id="298" name="Google Shape;298;g31b919f68b1_2_0:notes"/>
+          <p:cNvPr id="298" name="Google Shape;298;g31954cb2e24_0_30:notes"/>
           <p:cNvSpPr/>
           <p:nvPr>
             <p:ph idx="2" type="sldImg"/>
@@ -3090,7 +3089,7 @@
       </p:sp>
       <p:sp>
         <p:nvSpPr>
-          <p:cNvPr id="299" name="Google Shape;299;g31b919f68b1_2_0:notes"/>
+          <p:cNvPr id="299" name="Google Shape;299;g31954cb2e24_0_30:notes"/>
           <p:cNvSpPr txBox="1"/>
           <p:nvPr>
             <p:ph idx="1" type="body"/>
@@ -3140,7 +3139,7 @@
   <p:cSld>
     <p:spTree>
       <p:nvGrpSpPr>
-        <p:cNvPr id="97" name="Shape 97"/>
+        <p:cNvPr id="98" name="Shape 98"/>
         <p:cNvGrpSpPr/>
         <p:nvPr/>
       </p:nvGrpSpPr>
@@ -3154,7 +3153,7 @@
       </p:grpSpPr>
       <p:sp>
         <p:nvSpPr>
-          <p:cNvPr id="98" name="Google Shape;98;g31954cb2e24_0_0:notes"/>
+          <p:cNvPr id="99" name="Google Shape;99;g31954cb2e24_0_5:notes"/>
           <p:cNvSpPr/>
           <p:nvPr>
             <p:ph idx="2" type="sldImg"/>
@@ -3189,106 +3188,7 @@
       </p:sp>
       <p:sp>
         <p:nvSpPr>
-          <p:cNvPr id="99" name="Google Shape;99;g31954cb2e24_0_0:notes"/>
-          <p:cNvSpPr txBox="1"/>
-          <p:nvPr>
-            <p:ph idx="1" type="body"/>
-          </p:nvPr>
-        </p:nvSpPr>
-        <p:spPr>
-          <a:xfrm>
-            <a:off x="685800" y="4343400"/>
-            <a:ext cx="5486400" cy="4114800"/>
-          </a:xfrm>
-          <a:prstGeom prst="rect">
-            <a:avLst/>
-          </a:prstGeom>
-        </p:spPr>
-        <p:txBody>
-          <a:bodyPr anchorCtr="0" anchor="t" bIns="91425" lIns="91425" spcFirstLastPara="1" rIns="91425" wrap="square" tIns="91425">
-            <a:noAutofit/>
-          </a:bodyPr>
-          <a:lstStyle/>
-          <a:p>
-            <a:pPr indent="0" lvl="0" marL="0" rtl="0" algn="l">
-              <a:spcBef>
-                <a:spcPts val="0"/>
-              </a:spcBef>
-              <a:spcAft>
-                <a:spcPts val="0"/>
-              </a:spcAft>
-              <a:buNone/>
-            </a:pPr>
-            <a:r>
-              <a:t/>
-            </a:r>
-            <a:endParaRPr/>
-          </a:p>
-        </p:txBody>
-      </p:sp>
-    </p:spTree>
-  </p:cSld>
-  <p:clrMapOvr>
-    <a:masterClrMapping/>
-  </p:clrMapOvr>
-</p:notes>
-</file>
-
-<file path=ppt/notesSlides/notesSlide30.xml><?xml version="1.0" encoding="utf-8"?>
-<p:notes xmlns:a="http://schemas.openxmlformats.org/drawingml/2006/main" xmlns:r="http://schemas.openxmlformats.org/officeDocument/2006/relationships" xmlns:mc="http://schemas.openxmlformats.org/markup-compatibility/2006" xmlns:mv="urn:schemas-microsoft-com:mac:vml" xmlns:p="http://schemas.openxmlformats.org/presentationml/2006/main" xmlns:c="http://schemas.openxmlformats.org/drawingml/2006/chart" xmlns:dgm="http://schemas.openxmlformats.org/drawingml/2006/diagram" xmlns:o="urn:schemas-microsoft-com:office:office" xmlns:v="urn:schemas-microsoft-com:vml" xmlns:pvml="urn:schemas-microsoft-com:office:powerpoint" xmlns:com="http://schemas.openxmlformats.org/drawingml/2006/compatibility" xmlns:p14="http://schemas.microsoft.com/office/powerpoint/2010/main" xmlns:p15="http://schemas.microsoft.com/office/powerpoint/2012/main" xmlns:ahyp="http://schemas.microsoft.com/office/drawing/2018/hyperlinkcolor" showMasterPhAnim="0" showMasterSp="0">
-  <p:cSld>
-    <p:spTree>
-      <p:nvGrpSpPr>
-        <p:cNvPr id="303" name="Shape 303"/>
-        <p:cNvGrpSpPr/>
-        <p:nvPr/>
-      </p:nvGrpSpPr>
-      <p:grpSpPr>
-        <a:xfrm>
-          <a:off x="0" y="0"/>
-          <a:ext cx="0" cy="0"/>
-          <a:chOff x="0" y="0"/>
-          <a:chExt cx="0" cy="0"/>
-        </a:xfrm>
-      </p:grpSpPr>
-      <p:sp>
-        <p:nvSpPr>
-          <p:cNvPr id="304" name="Google Shape;304;g31954cb2e24_0_30:notes"/>
-          <p:cNvSpPr/>
-          <p:nvPr>
-            <p:ph idx="2" type="sldImg"/>
-          </p:nvPr>
-        </p:nvSpPr>
-        <p:spPr>
-          <a:xfrm>
-            <a:off x="381300" y="685800"/>
-            <a:ext cx="6096000" cy="3429000"/>
-          </a:xfrm>
-          <a:custGeom>
-            <a:rect b="b" l="l" r="r" t="t"/>
-            <a:pathLst>
-              <a:path extrusionOk="0" h="120000" w="120000">
-                <a:moveTo>
-                  <a:pt x="0" y="0"/>
-                </a:moveTo>
-                <a:lnTo>
-                  <a:pt x="120000" y="0"/>
-                </a:lnTo>
-                <a:lnTo>
-                  <a:pt x="120000" y="120000"/>
-                </a:lnTo>
-                <a:lnTo>
-                  <a:pt x="0" y="120000"/>
-                </a:lnTo>
-                <a:close/>
-              </a:path>
-            </a:pathLst>
-          </a:custGeom>
-        </p:spPr>
-      </p:sp>
-      <p:sp>
-        <p:nvSpPr>
-          <p:cNvPr id="305" name="Google Shape;305;g31954cb2e24_0_30:notes"/>
+          <p:cNvPr id="100" name="Google Shape;100;g31954cb2e24_0_5:notes"/>
           <p:cNvSpPr txBox="1"/>
           <p:nvPr>
             <p:ph idx="1" type="body"/>
@@ -3338,7 +3238,7 @@
   <p:cSld>
     <p:spTree>
       <p:nvGrpSpPr>
-        <p:cNvPr id="104" name="Shape 104"/>
+        <p:cNvPr id="105" name="Shape 105"/>
         <p:cNvGrpSpPr/>
         <p:nvPr/>
       </p:nvGrpSpPr>
@@ -3352,7 +3252,7 @@
       </p:grpSpPr>
       <p:sp>
         <p:nvSpPr>
-          <p:cNvPr id="105" name="Google Shape;105;g31954cb2e24_0_5:notes"/>
+          <p:cNvPr id="106" name="Google Shape;106;g31b666d9246_0_6:notes"/>
           <p:cNvSpPr/>
           <p:nvPr>
             <p:ph idx="2" type="sldImg"/>
@@ -3387,7 +3287,7 @@
       </p:sp>
       <p:sp>
         <p:nvSpPr>
-          <p:cNvPr id="106" name="Google Shape;106;g31954cb2e24_0_5:notes"/>
+          <p:cNvPr id="107" name="Google Shape;107;g31b666d9246_0_6:notes"/>
           <p:cNvSpPr txBox="1"/>
           <p:nvPr>
             <p:ph idx="1" type="body"/>
@@ -3437,7 +3337,7 @@
   <p:cSld>
     <p:spTree>
       <p:nvGrpSpPr>
-        <p:cNvPr id="111" name="Shape 111"/>
+        <p:cNvPr id="110" name="Shape 110"/>
         <p:cNvGrpSpPr/>
         <p:nvPr/>
       </p:nvGrpSpPr>
@@ -3451,7 +3351,7 @@
       </p:grpSpPr>
       <p:sp>
         <p:nvSpPr>
-          <p:cNvPr id="112" name="Google Shape;112;g31b666d9246_0_6:notes"/>
+          <p:cNvPr id="111" name="Google Shape;111;g319ddc0e5e0_1_0:notes"/>
           <p:cNvSpPr/>
           <p:nvPr>
             <p:ph idx="2" type="sldImg"/>
@@ -3486,7 +3386,7 @@
       </p:sp>
       <p:sp>
         <p:nvSpPr>
-          <p:cNvPr id="113" name="Google Shape;113;g31b666d9246_0_6:notes"/>
+          <p:cNvPr id="112" name="Google Shape;112;g319ddc0e5e0_1_0:notes"/>
           <p:cNvSpPr txBox="1"/>
           <p:nvPr>
             <p:ph idx="1" type="body"/>
@@ -3536,7 +3436,7 @@
   <p:cSld>
     <p:spTree>
       <p:nvGrpSpPr>
-        <p:cNvPr id="116" name="Shape 116"/>
+        <p:cNvPr id="115" name="Shape 115"/>
         <p:cNvGrpSpPr/>
         <p:nvPr/>
       </p:nvGrpSpPr>
@@ -3550,7 +3450,7 @@
       </p:grpSpPr>
       <p:sp>
         <p:nvSpPr>
-          <p:cNvPr id="117" name="Google Shape;117;g319ddc0e5e0_1_0:notes"/>
+          <p:cNvPr id="116" name="Google Shape;116;g31b666d9246_0_12:notes"/>
           <p:cNvSpPr/>
           <p:nvPr>
             <p:ph idx="2" type="sldImg"/>
@@ -3585,7 +3485,7 @@
       </p:sp>
       <p:sp>
         <p:nvSpPr>
-          <p:cNvPr id="118" name="Google Shape;118;g319ddc0e5e0_1_0:notes"/>
+          <p:cNvPr id="117" name="Google Shape;117;g31b666d9246_0_12:notes"/>
           <p:cNvSpPr txBox="1"/>
           <p:nvPr>
             <p:ph idx="1" type="body"/>
@@ -3635,7 +3535,7 @@
   <p:cSld>
     <p:spTree>
       <p:nvGrpSpPr>
-        <p:cNvPr id="121" name="Shape 121"/>
+        <p:cNvPr id="120" name="Shape 120"/>
         <p:cNvGrpSpPr/>
         <p:nvPr/>
       </p:nvGrpSpPr>
@@ -3649,7 +3549,7 @@
       </p:grpSpPr>
       <p:sp>
         <p:nvSpPr>
-          <p:cNvPr id="122" name="Google Shape;122;g31b666d9246_0_12:notes"/>
+          <p:cNvPr id="121" name="Google Shape;121;g31b666d9246_0_18:notes"/>
           <p:cNvSpPr/>
           <p:nvPr>
             <p:ph idx="2" type="sldImg"/>
@@ -3684,7 +3584,7 @@
       </p:sp>
       <p:sp>
         <p:nvSpPr>
-          <p:cNvPr id="123" name="Google Shape;123;g31b666d9246_0_12:notes"/>
+          <p:cNvPr id="122" name="Google Shape;122;g31b666d9246_0_18:notes"/>
           <p:cNvSpPr txBox="1"/>
           <p:nvPr>
             <p:ph idx="1" type="body"/>
@@ -3748,7 +3648,7 @@
       </p:grpSpPr>
       <p:sp>
         <p:nvSpPr>
-          <p:cNvPr id="127" name="Google Shape;127;g31b666d9246_0_18:notes"/>
+          <p:cNvPr id="127" name="Google Shape;127;g31954cb2e24_0_10:notes"/>
           <p:cNvSpPr/>
           <p:nvPr>
             <p:ph idx="2" type="sldImg"/>
@@ -3783,7 +3683,7 @@
       </p:sp>
       <p:sp>
         <p:nvSpPr>
-          <p:cNvPr id="128" name="Google Shape;128;g31b666d9246_0_18:notes"/>
+          <p:cNvPr id="128" name="Google Shape;128;g31954cb2e24_0_10:notes"/>
           <p:cNvSpPr txBox="1"/>
           <p:nvPr>
             <p:ph idx="1" type="body"/>
@@ -3847,7 +3747,7 @@
       </p:grpSpPr>
       <p:sp>
         <p:nvSpPr>
-          <p:cNvPr id="133" name="Google Shape;133;g31954cb2e24_0_10:notes"/>
+          <p:cNvPr id="133" name="Google Shape;133;g31954cb2e24_0_15:notes"/>
           <p:cNvSpPr/>
           <p:nvPr>
             <p:ph idx="2" type="sldImg"/>
@@ -3882,7 +3782,7 @@
       </p:sp>
       <p:sp>
         <p:nvSpPr>
-          <p:cNvPr id="134" name="Google Shape;134;g31954cb2e24_0_10:notes"/>
+          <p:cNvPr id="134" name="Google Shape;134;g31954cb2e24_0_15:notes"/>
           <p:cNvSpPr txBox="1"/>
           <p:nvPr>
             <p:ph idx="1" type="body"/>
@@ -14033,72 +13933,7 @@
   <p:cSld>
     <p:spTree>
       <p:nvGrpSpPr>
-        <p:cNvPr id="141" name="Shape 141"/>
-        <p:cNvGrpSpPr/>
-        <p:nvPr/>
-      </p:nvGrpSpPr>
-      <p:grpSpPr>
-        <a:xfrm>
-          <a:off x="0" y="0"/>
-          <a:ext cx="0" cy="0"/>
-          <a:chOff x="0" y="0"/>
-          <a:chExt cx="0" cy="0"/>
-        </a:xfrm>
-      </p:grpSpPr>
-      <p:sp>
-        <p:nvSpPr>
-          <p:cNvPr id="142" name="Google Shape;142;p23"/>
-          <p:cNvSpPr txBox="1"/>
-          <p:nvPr>
-            <p:ph idx="1" type="body"/>
-          </p:nvPr>
-        </p:nvSpPr>
-        <p:spPr>
-          <a:xfrm>
-            <a:off x="311700" y="2142150"/>
-            <a:ext cx="8520600" cy="859200"/>
-          </a:xfrm>
-          <a:prstGeom prst="rect">
-            <a:avLst/>
-          </a:prstGeom>
-        </p:spPr>
-        <p:txBody>
-          <a:bodyPr anchorCtr="0" anchor="t" bIns="22850" lIns="45725" spcFirstLastPara="1" rIns="45725" wrap="square" tIns="22850">
-            <a:normAutofit/>
-          </a:bodyPr>
-          <a:lstStyle/>
-          <a:p>
-            <a:pPr indent="0" lvl="0" marL="0" rtl="0" algn="ctr">
-              <a:spcBef>
-                <a:spcPts val="300"/>
-              </a:spcBef>
-              <a:spcAft>
-                <a:spcPts val="0"/>
-              </a:spcAft>
-              <a:buNone/>
-            </a:pPr>
-            <a:r>
-              <a:rPr lang="en" sz="4600"/>
-              <a:t>Block Diagram &amp; Game Logic</a:t>
-            </a:r>
-            <a:endParaRPr b="1" sz="4600"/>
-          </a:p>
-        </p:txBody>
-      </p:sp>
-    </p:spTree>
-  </p:cSld>
-  <p:clrMapOvr>
-    <a:masterClrMapping/>
-  </p:clrMapOvr>
-</p:sld>
-</file>
-
-<file path=ppt/slides/slide11.xml><?xml version="1.0" encoding="utf-8"?>
-<p:sld xmlns:a="http://schemas.openxmlformats.org/drawingml/2006/main" xmlns:r="http://schemas.openxmlformats.org/officeDocument/2006/relationships" xmlns:mc="http://schemas.openxmlformats.org/markup-compatibility/2006" xmlns:mv="urn:schemas-microsoft-com:mac:vml" xmlns:p="http://schemas.openxmlformats.org/presentationml/2006/main" xmlns:c="http://schemas.openxmlformats.org/drawingml/2006/chart" xmlns:dgm="http://schemas.openxmlformats.org/drawingml/2006/diagram" xmlns:o="urn:schemas-microsoft-com:office:office" xmlns:v="urn:schemas-microsoft-com:vml" xmlns:pvml="urn:schemas-microsoft-com:office:powerpoint" xmlns:com="http://schemas.openxmlformats.org/drawingml/2006/compatibility" xmlns:p14="http://schemas.microsoft.com/office/powerpoint/2010/main" xmlns:p15="http://schemas.microsoft.com/office/powerpoint/2012/main" xmlns:ahyp="http://schemas.microsoft.com/office/drawing/2018/hyperlinkcolor">
-  <p:cSld>
-    <p:spTree>
-      <p:nvGrpSpPr>
-        <p:cNvPr id="146" name="Shape 146"/>
+        <p:cNvPr id="140" name="Shape 140"/>
         <p:cNvGrpSpPr/>
         <p:nvPr/>
       </p:nvGrpSpPr>
@@ -14112,7 +13947,7 @@
       </p:grpSpPr>
       <p:pic>
         <p:nvPicPr>
-          <p:cNvPr id="147" name="Google Shape;147;p24"/>
+          <p:cNvPr id="141" name="Google Shape;141;p23"/>
           <p:cNvPicPr preferRelativeResize="0"/>
           <p:nvPr/>
         </p:nvPicPr>
@@ -14140,7 +13975,7 @@
       </p:pic>
       <p:sp>
         <p:nvSpPr>
-          <p:cNvPr id="148" name="Google Shape;148;p24"/>
+          <p:cNvPr id="142" name="Google Shape;142;p23"/>
           <p:cNvSpPr/>
           <p:nvPr/>
         </p:nvSpPr>
@@ -14185,7 +14020,7 @@
       </p:sp>
       <p:sp>
         <p:nvSpPr>
-          <p:cNvPr id="149" name="Google Shape;149;p24"/>
+          <p:cNvPr id="143" name="Google Shape;143;p23"/>
           <p:cNvSpPr/>
           <p:nvPr/>
         </p:nvSpPr>
@@ -14230,7 +14065,7 @@
       </p:sp>
       <p:sp>
         <p:nvSpPr>
-          <p:cNvPr id="150" name="Google Shape;150;p24"/>
+          <p:cNvPr id="144" name="Google Shape;144;p23"/>
           <p:cNvSpPr/>
           <p:nvPr/>
         </p:nvSpPr>
@@ -14275,7 +14110,7 @@
       </p:sp>
       <p:sp>
         <p:nvSpPr>
-          <p:cNvPr id="151" name="Google Shape;151;p24"/>
+          <p:cNvPr id="145" name="Google Shape;145;p23"/>
           <p:cNvSpPr/>
           <p:nvPr/>
         </p:nvSpPr>
@@ -14320,7 +14155,7 @@
       </p:sp>
       <p:sp>
         <p:nvSpPr>
-          <p:cNvPr id="152" name="Google Shape;152;p24"/>
+          <p:cNvPr id="146" name="Google Shape;146;p23"/>
           <p:cNvSpPr/>
           <p:nvPr/>
         </p:nvSpPr>
@@ -14365,7 +14200,7 @@
       </p:sp>
       <p:sp>
         <p:nvSpPr>
-          <p:cNvPr id="153" name="Google Shape;153;p24"/>
+          <p:cNvPr id="147" name="Google Shape;147;p23"/>
           <p:cNvSpPr txBox="1"/>
           <p:nvPr/>
         </p:nvSpPr>
@@ -14410,7 +14245,7 @@
       </p:sp>
       <p:sp>
         <p:nvSpPr>
-          <p:cNvPr id="154" name="Google Shape;154;p24"/>
+          <p:cNvPr id="148" name="Google Shape;148;p23"/>
           <p:cNvSpPr txBox="1"/>
           <p:nvPr/>
         </p:nvSpPr>
@@ -14455,7 +14290,7 @@
       </p:sp>
       <p:sp>
         <p:nvSpPr>
-          <p:cNvPr id="155" name="Google Shape;155;p24"/>
+          <p:cNvPr id="149" name="Google Shape;149;p23"/>
           <p:cNvSpPr txBox="1"/>
           <p:nvPr/>
         </p:nvSpPr>
@@ -14709,6 +14544,108 @@
                 </a:solidFill>
               </a:rPr>
               <a:t>Yellow: Unknowns</a:t>
+            </a:r>
+            <a:endParaRPr sz="2000">
+              <a:solidFill>
+                <a:schemeClr val="dk2"/>
+              </a:solidFill>
+            </a:endParaRPr>
+          </a:p>
+        </p:txBody>
+      </p:sp>
+    </p:spTree>
+  </p:cSld>
+  <p:clrMapOvr>
+    <a:masterClrMapping/>
+  </p:clrMapOvr>
+</p:sld>
+</file>
+
+<file path=ppt/slides/slide11.xml><?xml version="1.0" encoding="utf-8"?>
+<p:sld xmlns:a="http://schemas.openxmlformats.org/drawingml/2006/main" xmlns:r="http://schemas.openxmlformats.org/officeDocument/2006/relationships" xmlns:mc="http://schemas.openxmlformats.org/markup-compatibility/2006" xmlns:mv="urn:schemas-microsoft-com:mac:vml" xmlns:p="http://schemas.openxmlformats.org/presentationml/2006/main" xmlns:c="http://schemas.openxmlformats.org/drawingml/2006/chart" xmlns:dgm="http://schemas.openxmlformats.org/drawingml/2006/diagram" xmlns:o="urn:schemas-microsoft-com:office:office" xmlns:v="urn:schemas-microsoft-com:vml" xmlns:pvml="urn:schemas-microsoft-com:office:powerpoint" xmlns:com="http://schemas.openxmlformats.org/drawingml/2006/compatibility" xmlns:p14="http://schemas.microsoft.com/office/powerpoint/2010/main" xmlns:p15="http://schemas.microsoft.com/office/powerpoint/2012/main" xmlns:ahyp="http://schemas.microsoft.com/office/drawing/2018/hyperlinkcolor">
+  <p:cSld>
+    <p:spTree>
+      <p:nvGrpSpPr>
+        <p:cNvPr id="153" name="Shape 153"/>
+        <p:cNvGrpSpPr/>
+        <p:nvPr/>
+      </p:nvGrpSpPr>
+      <p:grpSpPr>
+        <a:xfrm>
+          <a:off x="0" y="0"/>
+          <a:ext cx="0" cy="0"/>
+          <a:chOff x="0" y="0"/>
+          <a:chExt cx="0" cy="0"/>
+        </a:xfrm>
+      </p:grpSpPr>
+      <p:pic>
+        <p:nvPicPr>
+          <p:cNvPr id="154" name="Google Shape;154;p24"/>
+          <p:cNvPicPr preferRelativeResize="0"/>
+          <p:nvPr/>
+        </p:nvPicPr>
+        <p:blipFill rotWithShape="1">
+          <a:blip r:embed="rId3">
+            <a:alphaModFix/>
+          </a:blip>
+          <a:srcRect b="46578" l="17686" r="13304" t="10939"/>
+          <a:stretch/>
+        </p:blipFill>
+        <p:spPr>
+          <a:xfrm>
+            <a:off x="202625" y="478975"/>
+            <a:ext cx="9071048" cy="4185542"/>
+          </a:xfrm>
+          <a:prstGeom prst="rect">
+            <a:avLst/>
+          </a:prstGeom>
+          <a:noFill/>
+          <a:ln>
+            <a:noFill/>
+          </a:ln>
+        </p:spPr>
+      </p:pic>
+      <p:sp>
+        <p:nvSpPr>
+          <p:cNvPr id="155" name="Google Shape;155;p24"/>
+          <p:cNvSpPr txBox="1"/>
+          <p:nvPr/>
+        </p:nvSpPr>
+        <p:spPr>
+          <a:xfrm>
+            <a:off x="5990775" y="899050"/>
+            <a:ext cx="2642400" cy="819600"/>
+          </a:xfrm>
+          <a:prstGeom prst="rect">
+            <a:avLst/>
+          </a:prstGeom>
+          <a:noFill/>
+          <a:ln>
+            <a:noFill/>
+          </a:ln>
+        </p:spPr>
+        <p:txBody>
+          <a:bodyPr anchorCtr="0" anchor="t" bIns="91425" lIns="91425" spcFirstLastPara="1" rIns="91425" wrap="square" tIns="91425">
+            <a:noAutofit/>
+          </a:bodyPr>
+          <a:lstStyle/>
+          <a:p>
+            <a:pPr indent="0" lvl="0" marL="0" rtl="0" algn="l">
+              <a:spcBef>
+                <a:spcPts val="0"/>
+              </a:spcBef>
+              <a:spcAft>
+                <a:spcPts val="0"/>
+              </a:spcAft>
+              <a:buNone/>
+            </a:pPr>
+            <a:r>
+              <a:rPr lang="en" sz="2600">
+                <a:solidFill>
+                  <a:schemeClr val="dk2"/>
+                </a:solidFill>
+              </a:rPr>
+              <a:t>Block Diagram</a:t>
             </a:r>
             <a:endParaRPr sz="2000">
               <a:solidFill>
@@ -14749,17 +14686,18 @@
           <p:cNvPicPr preferRelativeResize="0"/>
           <p:nvPr/>
         </p:nvPicPr>
-        <p:blipFill rotWithShape="1">
+        <p:blipFill>
           <a:blip r:embed="rId3">
             <a:alphaModFix/>
           </a:blip>
-          <a:srcRect b="46578" l="17686" r="13304" t="10939"/>
-          <a:stretch/>
+          <a:stretch>
+            <a:fillRect/>
+          </a:stretch>
         </p:blipFill>
         <p:spPr>
           <a:xfrm>
-            <a:off x="202625" y="478975"/>
-            <a:ext cx="9071048" cy="4185542"/>
+            <a:off x="1886575" y="0"/>
+            <a:ext cx="6862459" cy="5143501"/>
           </a:xfrm>
           <a:prstGeom prst="rect">
             <a:avLst/>
@@ -14778,7 +14716,7 @@
         </p:nvSpPr>
         <p:spPr>
           <a:xfrm>
-            <a:off x="5990775" y="899050"/>
+            <a:off x="73125" y="323500"/>
             <a:ext cx="2642400" cy="819600"/>
           </a:xfrm>
           <a:prstGeom prst="rect">
@@ -14795,7 +14733,7 @@
           </a:bodyPr>
           <a:lstStyle/>
           <a:p>
-            <a:pPr indent="0" lvl="0" marL="0" rtl="0" algn="l">
+            <a:pPr indent="0" lvl="0" marL="0" rtl="0" algn="ctr">
               <a:spcBef>
                 <a:spcPts val="0"/>
               </a:spcBef>
@@ -14810,7 +14748,15 @@
                   <a:schemeClr val="dk2"/>
                 </a:solidFill>
               </a:rPr>
-              <a:t>Block Diagram</a:t>
+              <a:t>Game Logic</a:t>
+            </a:r>
+            <a:r>
+              <a:rPr lang="en" sz="2600">
+                <a:solidFill>
+                  <a:schemeClr val="dk2"/>
+                </a:solidFill>
+              </a:rPr>
+              <a:t> Diagram</a:t>
             </a:r>
             <a:endParaRPr sz="2000">
               <a:solidFill>
@@ -14845,120 +14791,9 @@
           <a:chExt cx="0" cy="0"/>
         </a:xfrm>
       </p:grpSpPr>
-      <p:pic>
-        <p:nvPicPr>
-          <p:cNvPr id="166" name="Google Shape;166;p26"/>
-          <p:cNvPicPr preferRelativeResize="0"/>
-          <p:nvPr/>
-        </p:nvPicPr>
-        <p:blipFill>
-          <a:blip r:embed="rId3">
-            <a:alphaModFix/>
-          </a:blip>
-          <a:stretch>
-            <a:fillRect/>
-          </a:stretch>
-        </p:blipFill>
-        <p:spPr>
-          <a:xfrm>
-            <a:off x="1886575" y="0"/>
-            <a:ext cx="6862459" cy="5143501"/>
-          </a:xfrm>
-          <a:prstGeom prst="rect">
-            <a:avLst/>
-          </a:prstGeom>
-          <a:noFill/>
-          <a:ln>
-            <a:noFill/>
-          </a:ln>
-        </p:spPr>
-      </p:pic>
       <p:sp>
         <p:nvSpPr>
-          <p:cNvPr id="167" name="Google Shape;167;p26"/>
-          <p:cNvSpPr txBox="1"/>
-          <p:nvPr/>
-        </p:nvSpPr>
-        <p:spPr>
-          <a:xfrm>
-            <a:off x="73125" y="323500"/>
-            <a:ext cx="2642400" cy="819600"/>
-          </a:xfrm>
-          <a:prstGeom prst="rect">
-            <a:avLst/>
-          </a:prstGeom>
-          <a:noFill/>
-          <a:ln>
-            <a:noFill/>
-          </a:ln>
-        </p:spPr>
-        <p:txBody>
-          <a:bodyPr anchorCtr="0" anchor="t" bIns="91425" lIns="91425" spcFirstLastPara="1" rIns="91425" wrap="square" tIns="91425">
-            <a:noAutofit/>
-          </a:bodyPr>
-          <a:lstStyle/>
-          <a:p>
-            <a:pPr indent="0" lvl="0" marL="0" rtl="0" algn="ctr">
-              <a:spcBef>
-                <a:spcPts val="0"/>
-              </a:spcBef>
-              <a:spcAft>
-                <a:spcPts val="0"/>
-              </a:spcAft>
-              <a:buNone/>
-            </a:pPr>
-            <a:r>
-              <a:rPr lang="en" sz="2600">
-                <a:solidFill>
-                  <a:schemeClr val="dk2"/>
-                </a:solidFill>
-              </a:rPr>
-              <a:t>Game Logic</a:t>
-            </a:r>
-            <a:r>
-              <a:rPr lang="en" sz="2600">
-                <a:solidFill>
-                  <a:schemeClr val="dk2"/>
-                </a:solidFill>
-              </a:rPr>
-              <a:t> Diagram</a:t>
-            </a:r>
-            <a:endParaRPr sz="2000">
-              <a:solidFill>
-                <a:schemeClr val="dk2"/>
-              </a:solidFill>
-            </a:endParaRPr>
-          </a:p>
-        </p:txBody>
-      </p:sp>
-    </p:spTree>
-  </p:cSld>
-  <p:clrMapOvr>
-    <a:masterClrMapping/>
-  </p:clrMapOvr>
-</p:sld>
-</file>
-
-<file path=ppt/slides/slide14.xml><?xml version="1.0" encoding="utf-8"?>
-<p:sld xmlns:a="http://schemas.openxmlformats.org/drawingml/2006/main" xmlns:r="http://schemas.openxmlformats.org/officeDocument/2006/relationships" xmlns:mc="http://schemas.openxmlformats.org/markup-compatibility/2006" xmlns:mv="urn:schemas-microsoft-com:mac:vml" xmlns:p="http://schemas.openxmlformats.org/presentationml/2006/main" xmlns:c="http://schemas.openxmlformats.org/drawingml/2006/chart" xmlns:dgm="http://schemas.openxmlformats.org/drawingml/2006/diagram" xmlns:o="urn:schemas-microsoft-com:office:office" xmlns:v="urn:schemas-microsoft-com:vml" xmlns:pvml="urn:schemas-microsoft-com:office:powerpoint" xmlns:com="http://schemas.openxmlformats.org/drawingml/2006/compatibility" xmlns:p14="http://schemas.microsoft.com/office/powerpoint/2010/main" xmlns:p15="http://schemas.microsoft.com/office/powerpoint/2012/main" xmlns:ahyp="http://schemas.microsoft.com/office/drawing/2018/hyperlinkcolor">
-  <p:cSld>
-    <p:spTree>
-      <p:nvGrpSpPr>
-        <p:cNvPr id="171" name="Shape 171"/>
-        <p:cNvGrpSpPr/>
-        <p:nvPr/>
-      </p:nvGrpSpPr>
-      <p:grpSpPr>
-        <a:xfrm>
-          <a:off x="0" y="0"/>
-          <a:ext cx="0" cy="0"/>
-          <a:chOff x="0" y="0"/>
-          <a:chExt cx="0" cy="0"/>
-        </a:xfrm>
-      </p:grpSpPr>
-      <p:sp>
-        <p:nvSpPr>
-          <p:cNvPr id="172" name="Google Shape;172;p27"/>
+          <p:cNvPr id="166" name="Google Shape;166;p26"/>
           <p:cNvSpPr txBox="1"/>
           <p:nvPr>
             <p:ph idx="1" type="body"/>
@@ -15004,12 +14839,12 @@
 </p:sld>
 </file>
 
-<file path=ppt/slides/slide15.xml><?xml version="1.0" encoding="utf-8"?>
+<file path=ppt/slides/slide14.xml><?xml version="1.0" encoding="utf-8"?>
 <p:sld xmlns:a="http://schemas.openxmlformats.org/drawingml/2006/main" xmlns:r="http://schemas.openxmlformats.org/officeDocument/2006/relationships" xmlns:mc="http://schemas.openxmlformats.org/markup-compatibility/2006" xmlns:mv="urn:schemas-microsoft-com:mac:vml" xmlns:p="http://schemas.openxmlformats.org/presentationml/2006/main" xmlns:c="http://schemas.openxmlformats.org/drawingml/2006/chart" xmlns:dgm="http://schemas.openxmlformats.org/drawingml/2006/diagram" xmlns:o="urn:schemas-microsoft-com:office:office" xmlns:v="urn:schemas-microsoft-com:vml" xmlns:pvml="urn:schemas-microsoft-com:office:powerpoint" xmlns:com="http://schemas.openxmlformats.org/drawingml/2006/compatibility" xmlns:p14="http://schemas.microsoft.com/office/powerpoint/2010/main" xmlns:p15="http://schemas.microsoft.com/office/powerpoint/2012/main" xmlns:ahyp="http://schemas.microsoft.com/office/drawing/2018/hyperlinkcolor">
   <p:cSld>
     <p:spTree>
       <p:nvGrpSpPr>
-        <p:cNvPr id="176" name="Shape 176"/>
+        <p:cNvPr id="170" name="Shape 170"/>
         <p:cNvGrpSpPr/>
         <p:nvPr/>
       </p:nvGrpSpPr>
@@ -15023,7 +14858,7 @@
       </p:grpSpPr>
       <p:pic>
         <p:nvPicPr>
-          <p:cNvPr id="177" name="Google Shape;177;p28"/>
+          <p:cNvPr id="171" name="Google Shape;171;p27"/>
           <p:cNvPicPr preferRelativeResize="0"/>
           <p:nvPr/>
         </p:nvPicPr>
@@ -15050,7 +14885,7 @@
       </p:pic>
       <p:sp>
         <p:nvSpPr>
-          <p:cNvPr id="178" name="Google Shape;178;p28"/>
+          <p:cNvPr id="172" name="Google Shape;172;p27"/>
           <p:cNvSpPr txBox="1"/>
           <p:nvPr/>
         </p:nvSpPr>
@@ -15169,12 +15004,12 @@
 </p:sld>
 </file>
 
-<file path=ppt/slides/slide16.xml><?xml version="1.0" encoding="utf-8"?>
+<file path=ppt/slides/slide15.xml><?xml version="1.0" encoding="utf-8"?>
 <p:sld xmlns:a="http://schemas.openxmlformats.org/drawingml/2006/main" xmlns:r="http://schemas.openxmlformats.org/officeDocument/2006/relationships" xmlns:mc="http://schemas.openxmlformats.org/markup-compatibility/2006" xmlns:mv="urn:schemas-microsoft-com:mac:vml" xmlns:p="http://schemas.openxmlformats.org/presentationml/2006/main" xmlns:c="http://schemas.openxmlformats.org/drawingml/2006/chart" xmlns:dgm="http://schemas.openxmlformats.org/drawingml/2006/diagram" xmlns:o="urn:schemas-microsoft-com:office:office" xmlns:v="urn:schemas-microsoft-com:vml" xmlns:pvml="urn:schemas-microsoft-com:office:powerpoint" xmlns:com="http://schemas.openxmlformats.org/drawingml/2006/compatibility" xmlns:p14="http://schemas.microsoft.com/office/powerpoint/2010/main" xmlns:p15="http://schemas.microsoft.com/office/powerpoint/2012/main" xmlns:ahyp="http://schemas.microsoft.com/office/drawing/2018/hyperlinkcolor">
   <p:cSld>
     <p:spTree>
       <p:nvGrpSpPr>
-        <p:cNvPr id="182" name="Shape 182"/>
+        <p:cNvPr id="176" name="Shape 176"/>
         <p:cNvGrpSpPr/>
         <p:nvPr/>
       </p:nvGrpSpPr>
@@ -15188,7 +15023,7 @@
       </p:grpSpPr>
       <p:pic>
         <p:nvPicPr>
-          <p:cNvPr id="183" name="Google Shape;183;p29"/>
+          <p:cNvPr id="177" name="Google Shape;177;p28"/>
           <p:cNvPicPr preferRelativeResize="0"/>
           <p:nvPr/>
         </p:nvPicPr>
@@ -15215,7 +15050,7 @@
       </p:pic>
       <p:sp>
         <p:nvSpPr>
-          <p:cNvPr id="184" name="Google Shape;184;p29"/>
+          <p:cNvPr id="178" name="Google Shape;178;p28"/>
           <p:cNvSpPr/>
           <p:nvPr/>
         </p:nvSpPr>
@@ -15258,7 +15093,7 @@
       </p:sp>
       <p:sp>
         <p:nvSpPr>
-          <p:cNvPr id="185" name="Google Shape;185;p29"/>
+          <p:cNvPr id="179" name="Google Shape;179;p28"/>
           <p:cNvSpPr/>
           <p:nvPr/>
         </p:nvSpPr>
@@ -15301,7 +15136,7 @@
       </p:sp>
       <p:sp>
         <p:nvSpPr>
-          <p:cNvPr id="186" name="Google Shape;186;p29"/>
+          <p:cNvPr id="180" name="Google Shape;180;p28"/>
           <p:cNvSpPr/>
           <p:nvPr/>
         </p:nvSpPr>
@@ -15344,7 +15179,7 @@
       </p:sp>
       <p:sp>
         <p:nvSpPr>
-          <p:cNvPr id="187" name="Google Shape;187;p29"/>
+          <p:cNvPr id="181" name="Google Shape;181;p28"/>
           <p:cNvSpPr/>
           <p:nvPr/>
         </p:nvSpPr>
@@ -15387,7 +15222,7 @@
       </p:sp>
       <p:sp>
         <p:nvSpPr>
-          <p:cNvPr id="188" name="Google Shape;188;p29"/>
+          <p:cNvPr id="182" name="Google Shape;182;p28"/>
           <p:cNvSpPr/>
           <p:nvPr/>
         </p:nvSpPr>
@@ -15430,7 +15265,7 @@
       </p:sp>
       <p:pic>
         <p:nvPicPr>
-          <p:cNvPr id="189" name="Google Shape;189;p29"/>
+          <p:cNvPr id="183" name="Google Shape;183;p28"/>
           <p:cNvPicPr preferRelativeResize="0"/>
           <p:nvPr/>
         </p:nvPicPr>
@@ -15457,7 +15292,7 @@
       </p:pic>
       <p:sp>
         <p:nvSpPr>
-          <p:cNvPr id="190" name="Google Shape;190;p29"/>
+          <p:cNvPr id="184" name="Google Shape;184;p28"/>
           <p:cNvSpPr/>
           <p:nvPr/>
         </p:nvSpPr>
@@ -15502,7 +15337,7 @@
       </p:sp>
       <p:sp>
         <p:nvSpPr>
-          <p:cNvPr id="191" name="Google Shape;191;p29"/>
+          <p:cNvPr id="185" name="Google Shape;185;p28"/>
           <p:cNvSpPr/>
           <p:nvPr/>
         </p:nvSpPr>
@@ -15547,7 +15382,7 @@
       </p:sp>
       <p:sp>
         <p:nvSpPr>
-          <p:cNvPr id="192" name="Google Shape;192;p29"/>
+          <p:cNvPr id="186" name="Google Shape;186;p28"/>
           <p:cNvSpPr/>
           <p:nvPr/>
         </p:nvSpPr>
@@ -15592,7 +15427,7 @@
       </p:sp>
       <p:sp>
         <p:nvSpPr>
-          <p:cNvPr id="193" name="Google Shape;193;p29"/>
+          <p:cNvPr id="187" name="Google Shape;187;p28"/>
           <p:cNvSpPr/>
           <p:nvPr/>
         </p:nvSpPr>
@@ -15637,7 +15472,7 @@
       </p:sp>
       <p:sp>
         <p:nvSpPr>
-          <p:cNvPr id="194" name="Google Shape;194;p29"/>
+          <p:cNvPr id="188" name="Google Shape;188;p28"/>
           <p:cNvSpPr/>
           <p:nvPr/>
         </p:nvSpPr>
@@ -15651,6 +15486,480 @@
           </a:prstGeom>
           <a:solidFill>
             <a:srgbClr val="00E3FF">
+              <a:alpha val="22730"/>
+            </a:srgbClr>
+          </a:solidFill>
+          <a:ln>
+            <a:noFill/>
+          </a:ln>
+        </p:spPr>
+        <p:txBody>
+          <a:bodyPr anchorCtr="0" anchor="ctr" bIns="91425" lIns="91425" spcFirstLastPara="1" rIns="91425" wrap="square" tIns="91425">
+            <a:noAutofit/>
+          </a:bodyPr>
+          <a:lstStyle/>
+          <a:p>
+            <a:pPr indent="0" lvl="0" marL="0" rtl="0" algn="ctr">
+              <a:spcBef>
+                <a:spcPts val="0"/>
+              </a:spcBef>
+              <a:spcAft>
+                <a:spcPts val="0"/>
+              </a:spcAft>
+              <a:buNone/>
+            </a:pPr>
+            <a:r>
+              <a:t/>
+            </a:r>
+            <a:endParaRPr/>
+          </a:p>
+        </p:txBody>
+      </p:sp>
+    </p:spTree>
+  </p:cSld>
+  <p:clrMapOvr>
+    <a:masterClrMapping/>
+  </p:clrMapOvr>
+</p:sld>
+</file>
+
+<file path=ppt/slides/slide16.xml><?xml version="1.0" encoding="utf-8"?>
+<p:sld xmlns:a="http://schemas.openxmlformats.org/drawingml/2006/main" xmlns:r="http://schemas.openxmlformats.org/officeDocument/2006/relationships" xmlns:mc="http://schemas.openxmlformats.org/markup-compatibility/2006" xmlns:mv="urn:schemas-microsoft-com:mac:vml" xmlns:p="http://schemas.openxmlformats.org/presentationml/2006/main" xmlns:c="http://schemas.openxmlformats.org/drawingml/2006/chart" xmlns:dgm="http://schemas.openxmlformats.org/drawingml/2006/diagram" xmlns:o="urn:schemas-microsoft-com:office:office" xmlns:v="urn:schemas-microsoft-com:vml" xmlns:pvml="urn:schemas-microsoft-com:office:powerpoint" xmlns:com="http://schemas.openxmlformats.org/drawingml/2006/compatibility" xmlns:p14="http://schemas.microsoft.com/office/powerpoint/2010/main" xmlns:p15="http://schemas.microsoft.com/office/powerpoint/2012/main" xmlns:ahyp="http://schemas.microsoft.com/office/drawing/2018/hyperlinkcolor">
+  <p:cSld>
+    <p:spTree>
+      <p:nvGrpSpPr>
+        <p:cNvPr id="192" name="Shape 192"/>
+        <p:cNvGrpSpPr/>
+        <p:nvPr/>
+      </p:nvGrpSpPr>
+      <p:grpSpPr>
+        <a:xfrm>
+          <a:off x="0" y="0"/>
+          <a:ext cx="0" cy="0"/>
+          <a:chOff x="0" y="0"/>
+          <a:chExt cx="0" cy="0"/>
+        </a:xfrm>
+      </p:grpSpPr>
+      <p:pic>
+        <p:nvPicPr>
+          <p:cNvPr id="193" name="Google Shape;193;p29"/>
+          <p:cNvPicPr preferRelativeResize="0"/>
+          <p:nvPr/>
+        </p:nvPicPr>
+        <p:blipFill rotWithShape="1">
+          <a:blip r:embed="rId3">
+            <a:alphaModFix/>
+          </a:blip>
+          <a:srcRect b="2283" l="25076" r="29796" t="28526"/>
+          <a:stretch/>
+        </p:blipFill>
+        <p:spPr>
+          <a:xfrm>
+            <a:off x="5344916" y="411124"/>
+            <a:ext cx="3362980" cy="3877153"/>
+          </a:xfrm>
+          <a:prstGeom prst="rect">
+            <a:avLst/>
+          </a:prstGeom>
+          <a:noFill/>
+          <a:ln>
+            <a:noFill/>
+          </a:ln>
+        </p:spPr>
+      </p:pic>
+      <p:sp>
+        <p:nvSpPr>
+          <p:cNvPr id="194" name="Google Shape;194;p29"/>
+          <p:cNvSpPr/>
+          <p:nvPr/>
+        </p:nvSpPr>
+        <p:spPr>
+          <a:xfrm>
+            <a:off x="5318526" y="369151"/>
+            <a:ext cx="1047900" cy="944700"/>
+          </a:xfrm>
+          <a:prstGeom prst="rect">
+            <a:avLst/>
+          </a:prstGeom>
+          <a:solidFill>
+            <a:srgbClr val="FFFFFF"/>
+          </a:solidFill>
+          <a:ln>
+            <a:noFill/>
+          </a:ln>
+        </p:spPr>
+        <p:txBody>
+          <a:bodyPr anchorCtr="0" anchor="ctr" bIns="91425" lIns="91425" spcFirstLastPara="1" rIns="91425" wrap="square" tIns="91425">
+            <a:noAutofit/>
+          </a:bodyPr>
+          <a:lstStyle/>
+          <a:p>
+            <a:pPr indent="0" lvl="0" marL="0" rtl="0" algn="ctr">
+              <a:spcBef>
+                <a:spcPts val="0"/>
+              </a:spcBef>
+              <a:spcAft>
+                <a:spcPts val="0"/>
+              </a:spcAft>
+              <a:buNone/>
+            </a:pPr>
+            <a:r>
+              <a:t/>
+            </a:r>
+            <a:endParaRPr/>
+          </a:p>
+        </p:txBody>
+      </p:sp>
+      <p:sp>
+        <p:nvSpPr>
+          <p:cNvPr id="195" name="Google Shape;195;p29"/>
+          <p:cNvSpPr/>
+          <p:nvPr/>
+        </p:nvSpPr>
+        <p:spPr>
+          <a:xfrm>
+            <a:off x="7799389" y="217250"/>
+            <a:ext cx="1047900" cy="944700"/>
+          </a:xfrm>
+          <a:prstGeom prst="rect">
+            <a:avLst/>
+          </a:prstGeom>
+          <a:solidFill>
+            <a:srgbClr val="FFFFFF"/>
+          </a:solidFill>
+          <a:ln>
+            <a:noFill/>
+          </a:ln>
+        </p:spPr>
+        <p:txBody>
+          <a:bodyPr anchorCtr="0" anchor="ctr" bIns="91425" lIns="91425" spcFirstLastPara="1" rIns="91425" wrap="square" tIns="91425">
+            <a:noAutofit/>
+          </a:bodyPr>
+          <a:lstStyle/>
+          <a:p>
+            <a:pPr indent="0" lvl="0" marL="0" rtl="0" algn="ctr">
+              <a:spcBef>
+                <a:spcPts val="0"/>
+              </a:spcBef>
+              <a:spcAft>
+                <a:spcPts val="0"/>
+              </a:spcAft>
+              <a:buNone/>
+            </a:pPr>
+            <a:r>
+              <a:t/>
+            </a:r>
+            <a:endParaRPr/>
+          </a:p>
+        </p:txBody>
+      </p:sp>
+      <p:sp>
+        <p:nvSpPr>
+          <p:cNvPr id="196" name="Google Shape;196;p29"/>
+          <p:cNvSpPr/>
+          <p:nvPr/>
+        </p:nvSpPr>
+        <p:spPr>
+          <a:xfrm>
+            <a:off x="8229016" y="780704"/>
+            <a:ext cx="1047900" cy="944700"/>
+          </a:xfrm>
+          <a:prstGeom prst="rect">
+            <a:avLst/>
+          </a:prstGeom>
+          <a:solidFill>
+            <a:srgbClr val="FFFFFF"/>
+          </a:solidFill>
+          <a:ln>
+            <a:noFill/>
+          </a:ln>
+        </p:spPr>
+        <p:txBody>
+          <a:bodyPr anchorCtr="0" anchor="ctr" bIns="91425" lIns="91425" spcFirstLastPara="1" rIns="91425" wrap="square" tIns="91425">
+            <a:noAutofit/>
+          </a:bodyPr>
+          <a:lstStyle/>
+          <a:p>
+            <a:pPr indent="0" lvl="0" marL="0" rtl="0" algn="ctr">
+              <a:spcBef>
+                <a:spcPts val="0"/>
+              </a:spcBef>
+              <a:spcAft>
+                <a:spcPts val="0"/>
+              </a:spcAft>
+              <a:buNone/>
+            </a:pPr>
+            <a:r>
+              <a:t/>
+            </a:r>
+            <a:endParaRPr/>
+          </a:p>
+        </p:txBody>
+      </p:sp>
+      <p:sp>
+        <p:nvSpPr>
+          <p:cNvPr id="197" name="Google Shape;197;p29"/>
+          <p:cNvSpPr/>
+          <p:nvPr/>
+        </p:nvSpPr>
+        <p:spPr>
+          <a:xfrm>
+            <a:off x="4837856" y="780704"/>
+            <a:ext cx="1047900" cy="944700"/>
+          </a:xfrm>
+          <a:prstGeom prst="rect">
+            <a:avLst/>
+          </a:prstGeom>
+          <a:solidFill>
+            <a:srgbClr val="FFFFFF"/>
+          </a:solidFill>
+          <a:ln>
+            <a:noFill/>
+          </a:ln>
+        </p:spPr>
+        <p:txBody>
+          <a:bodyPr anchorCtr="0" anchor="ctr" bIns="91425" lIns="91425" spcFirstLastPara="1" rIns="91425" wrap="square" tIns="91425">
+            <a:noAutofit/>
+          </a:bodyPr>
+          <a:lstStyle/>
+          <a:p>
+            <a:pPr indent="0" lvl="0" marL="0" rtl="0" algn="ctr">
+              <a:spcBef>
+                <a:spcPts val="0"/>
+              </a:spcBef>
+              <a:spcAft>
+                <a:spcPts val="0"/>
+              </a:spcAft>
+              <a:buNone/>
+            </a:pPr>
+            <a:r>
+              <a:t/>
+            </a:r>
+            <a:endParaRPr/>
+          </a:p>
+        </p:txBody>
+      </p:sp>
+      <p:sp>
+        <p:nvSpPr>
+          <p:cNvPr id="198" name="Google Shape;198;p29"/>
+          <p:cNvSpPr/>
+          <p:nvPr/>
+        </p:nvSpPr>
+        <p:spPr>
+          <a:xfrm>
+            <a:off x="4572000" y="3343363"/>
+            <a:ext cx="1047900" cy="944700"/>
+          </a:xfrm>
+          <a:prstGeom prst="rect">
+            <a:avLst/>
+          </a:prstGeom>
+          <a:solidFill>
+            <a:srgbClr val="FFFFFF"/>
+          </a:solidFill>
+          <a:ln>
+            <a:noFill/>
+          </a:ln>
+        </p:spPr>
+        <p:txBody>
+          <a:bodyPr anchorCtr="0" anchor="ctr" bIns="91425" lIns="91425" spcFirstLastPara="1" rIns="91425" wrap="square" tIns="91425">
+            <a:noAutofit/>
+          </a:bodyPr>
+          <a:lstStyle/>
+          <a:p>
+            <a:pPr indent="0" lvl="0" marL="0" rtl="0" algn="ctr">
+              <a:spcBef>
+                <a:spcPts val="0"/>
+              </a:spcBef>
+              <a:spcAft>
+                <a:spcPts val="0"/>
+              </a:spcAft>
+              <a:buNone/>
+            </a:pPr>
+            <a:r>
+              <a:t/>
+            </a:r>
+            <a:endParaRPr/>
+          </a:p>
+        </p:txBody>
+      </p:sp>
+      <p:pic>
+        <p:nvPicPr>
+          <p:cNvPr id="199" name="Google Shape;199;p29"/>
+          <p:cNvPicPr preferRelativeResize="0"/>
+          <p:nvPr/>
+        </p:nvPicPr>
+        <p:blipFill rotWithShape="1">
+          <a:blip r:embed="rId4">
+            <a:alphaModFix/>
+          </a:blip>
+          <a:srcRect b="28712" l="24512" r="15643" t="41711"/>
+          <a:stretch/>
+        </p:blipFill>
+        <p:spPr>
+          <a:xfrm>
+            <a:off x="86000" y="1799625"/>
+            <a:ext cx="4704876" cy="1742874"/>
+          </a:xfrm>
+          <a:prstGeom prst="rect">
+            <a:avLst/>
+          </a:prstGeom>
+          <a:noFill/>
+          <a:ln>
+            <a:noFill/>
+          </a:ln>
+        </p:spPr>
+      </p:pic>
+      <p:sp>
+        <p:nvSpPr>
+          <p:cNvPr id="200" name="Google Shape;200;p29"/>
+          <p:cNvSpPr/>
+          <p:nvPr/>
+        </p:nvSpPr>
+        <p:spPr>
+          <a:xfrm>
+            <a:off x="316150" y="1856350"/>
+            <a:ext cx="4521600" cy="608100"/>
+          </a:xfrm>
+          <a:prstGeom prst="rect">
+            <a:avLst/>
+          </a:prstGeom>
+          <a:solidFill>
+            <a:srgbClr val="09FF00">
+              <a:alpha val="22730"/>
+            </a:srgbClr>
+          </a:solidFill>
+          <a:ln>
+            <a:noFill/>
+          </a:ln>
+        </p:spPr>
+        <p:txBody>
+          <a:bodyPr anchorCtr="0" anchor="ctr" bIns="91425" lIns="91425" spcFirstLastPara="1" rIns="91425" wrap="square" tIns="91425">
+            <a:noAutofit/>
+          </a:bodyPr>
+          <a:lstStyle/>
+          <a:p>
+            <a:pPr indent="0" lvl="0" marL="0" rtl="0" algn="ctr">
+              <a:spcBef>
+                <a:spcPts val="0"/>
+              </a:spcBef>
+              <a:spcAft>
+                <a:spcPts val="0"/>
+              </a:spcAft>
+              <a:buNone/>
+            </a:pPr>
+            <a:r>
+              <a:t/>
+            </a:r>
+            <a:endParaRPr/>
+          </a:p>
+        </p:txBody>
+      </p:sp>
+      <p:sp>
+        <p:nvSpPr>
+          <p:cNvPr id="201" name="Google Shape;201;p29"/>
+          <p:cNvSpPr/>
+          <p:nvPr/>
+        </p:nvSpPr>
+        <p:spPr>
+          <a:xfrm>
+            <a:off x="6687775" y="2407600"/>
+            <a:ext cx="810600" cy="681000"/>
+          </a:xfrm>
+          <a:prstGeom prst="rect">
+            <a:avLst/>
+          </a:prstGeom>
+          <a:solidFill>
+            <a:srgbClr val="09FF00">
+              <a:alpha val="22730"/>
+            </a:srgbClr>
+          </a:solidFill>
+          <a:ln>
+            <a:noFill/>
+          </a:ln>
+        </p:spPr>
+        <p:txBody>
+          <a:bodyPr anchorCtr="0" anchor="ctr" bIns="91425" lIns="91425" spcFirstLastPara="1" rIns="91425" wrap="square" tIns="91425">
+            <a:noAutofit/>
+          </a:bodyPr>
+          <a:lstStyle/>
+          <a:p>
+            <a:pPr indent="0" lvl="0" marL="0" rtl="0" algn="ctr">
+              <a:spcBef>
+                <a:spcPts val="0"/>
+              </a:spcBef>
+              <a:spcAft>
+                <a:spcPts val="0"/>
+              </a:spcAft>
+              <a:buNone/>
+            </a:pPr>
+            <a:r>
+              <a:t/>
+            </a:r>
+            <a:endParaRPr/>
+          </a:p>
+        </p:txBody>
+      </p:sp>
+      <p:sp>
+        <p:nvSpPr>
+          <p:cNvPr id="202" name="Google Shape;202;p29"/>
+          <p:cNvSpPr/>
+          <p:nvPr/>
+        </p:nvSpPr>
+        <p:spPr>
+          <a:xfrm>
+            <a:off x="316150" y="2597800"/>
+            <a:ext cx="4458600" cy="944700"/>
+          </a:xfrm>
+          <a:prstGeom prst="rect">
+            <a:avLst/>
+          </a:prstGeom>
+          <a:solidFill>
+            <a:srgbClr val="FF00D1">
+              <a:alpha val="22730"/>
+            </a:srgbClr>
+          </a:solidFill>
+          <a:ln>
+            <a:noFill/>
+          </a:ln>
+        </p:spPr>
+        <p:txBody>
+          <a:bodyPr anchorCtr="0" anchor="ctr" bIns="91425" lIns="91425" spcFirstLastPara="1" rIns="91425" wrap="square" tIns="91425">
+            <a:noAutofit/>
+          </a:bodyPr>
+          <a:lstStyle/>
+          <a:p>
+            <a:pPr indent="0" lvl="0" marL="0" rtl="0" algn="ctr">
+              <a:spcBef>
+                <a:spcPts val="0"/>
+              </a:spcBef>
+              <a:spcAft>
+                <a:spcPts val="0"/>
+              </a:spcAft>
+              <a:buNone/>
+            </a:pPr>
+            <a:r>
+              <a:t/>
+            </a:r>
+            <a:endParaRPr/>
+          </a:p>
+        </p:txBody>
+      </p:sp>
+      <p:sp>
+        <p:nvSpPr>
+          <p:cNvPr id="203" name="Google Shape;203;p29"/>
+          <p:cNvSpPr/>
+          <p:nvPr/>
+        </p:nvSpPr>
+        <p:spPr>
+          <a:xfrm>
+            <a:off x="6687825" y="3728925"/>
+            <a:ext cx="810600" cy="608100"/>
+          </a:xfrm>
+          <a:prstGeom prst="rect">
+            <a:avLst/>
+          </a:prstGeom>
+          <a:solidFill>
+            <a:srgbClr val="FF00D1">
               <a:alpha val="22730"/>
             </a:srgbClr>
           </a:solidFill>
@@ -15693,7 +16002,7 @@
   <p:cSld>
     <p:spTree>
       <p:nvGrpSpPr>
-        <p:cNvPr id="198" name="Shape 198"/>
+        <p:cNvPr id="207" name="Shape 207"/>
         <p:cNvGrpSpPr/>
         <p:nvPr/>
       </p:nvGrpSpPr>
@@ -15707,7 +16016,7 @@
       </p:grpSpPr>
       <p:pic>
         <p:nvPicPr>
-          <p:cNvPr id="199" name="Google Shape;199;p30"/>
+          <p:cNvPr id="208" name="Google Shape;208;p30"/>
           <p:cNvPicPr preferRelativeResize="0"/>
           <p:nvPr/>
         </p:nvPicPr>
@@ -15734,7 +16043,7 @@
       </p:pic>
       <p:sp>
         <p:nvSpPr>
-          <p:cNvPr id="200" name="Google Shape;200;p30"/>
+          <p:cNvPr id="209" name="Google Shape;209;p30"/>
           <p:cNvSpPr/>
           <p:nvPr/>
         </p:nvSpPr>
@@ -15777,7 +16086,7 @@
       </p:sp>
       <p:sp>
         <p:nvSpPr>
-          <p:cNvPr id="201" name="Google Shape;201;p30"/>
+          <p:cNvPr id="210" name="Google Shape;210;p30"/>
           <p:cNvSpPr/>
           <p:nvPr/>
         </p:nvSpPr>
@@ -15820,7 +16129,7 @@
       </p:sp>
       <p:sp>
         <p:nvSpPr>
-          <p:cNvPr id="202" name="Google Shape;202;p30"/>
+          <p:cNvPr id="211" name="Google Shape;211;p30"/>
           <p:cNvSpPr/>
           <p:nvPr/>
         </p:nvSpPr>
@@ -15863,7 +16172,7 @@
       </p:sp>
       <p:sp>
         <p:nvSpPr>
-          <p:cNvPr id="203" name="Google Shape;203;p30"/>
+          <p:cNvPr id="212" name="Google Shape;212;p30"/>
           <p:cNvSpPr/>
           <p:nvPr/>
         </p:nvSpPr>
@@ -15906,7 +16215,7 @@
       </p:sp>
       <p:sp>
         <p:nvSpPr>
-          <p:cNvPr id="204" name="Google Shape;204;p30"/>
+          <p:cNvPr id="213" name="Google Shape;213;p30"/>
           <p:cNvSpPr/>
           <p:nvPr/>
         </p:nvSpPr>
@@ -15949,7 +16258,7 @@
       </p:sp>
       <p:pic>
         <p:nvPicPr>
-          <p:cNvPr id="205" name="Google Shape;205;p30"/>
+          <p:cNvPr id="214" name="Google Shape;214;p30"/>
           <p:cNvPicPr preferRelativeResize="0"/>
           <p:nvPr/>
         </p:nvPicPr>
@@ -15957,13 +16266,13 @@
           <a:blip r:embed="rId4">
             <a:alphaModFix/>
           </a:blip>
-          <a:srcRect b="28712" l="24512" r="15643" t="41711"/>
+          <a:srcRect b="3945" l="24512" r="15643" t="72254"/>
           <a:stretch/>
         </p:blipFill>
         <p:spPr>
           <a:xfrm>
-            <a:off x="86000" y="1799625"/>
-            <a:ext cx="4704876" cy="1742874"/>
+            <a:off x="86000" y="3599225"/>
+            <a:ext cx="4704876" cy="1402426"/>
           </a:xfrm>
           <a:prstGeom prst="rect">
             <a:avLst/>
@@ -15976,20 +16285,20 @@
       </p:pic>
       <p:sp>
         <p:nvSpPr>
-          <p:cNvPr id="206" name="Google Shape;206;p30"/>
+          <p:cNvPr id="215" name="Google Shape;215;p30"/>
           <p:cNvSpPr/>
           <p:nvPr/>
         </p:nvSpPr>
         <p:spPr>
           <a:xfrm>
-            <a:off x="316150" y="1856350"/>
-            <a:ext cx="4521600" cy="608100"/>
+            <a:off x="322500" y="3853500"/>
+            <a:ext cx="4630800" cy="1107900"/>
           </a:xfrm>
           <a:prstGeom prst="rect">
             <a:avLst/>
           </a:prstGeom>
           <a:solidFill>
-            <a:srgbClr val="09FF00">
+            <a:srgbClr val="FFF300">
               <a:alpha val="22730"/>
             </a:srgbClr>
           </a:solidFill>
@@ -16021,110 +16330,20 @@
       </p:sp>
       <p:sp>
         <p:nvSpPr>
-          <p:cNvPr id="207" name="Google Shape;207;p30"/>
+          <p:cNvPr id="216" name="Google Shape;216;p30"/>
           <p:cNvSpPr/>
           <p:nvPr/>
         </p:nvSpPr>
         <p:spPr>
           <a:xfrm>
-            <a:off x="6687775" y="2407600"/>
-            <a:ext cx="810600" cy="681000"/>
+            <a:off x="7740050" y="3112850"/>
+            <a:ext cx="926400" cy="1038600"/>
           </a:xfrm>
           <a:prstGeom prst="rect">
             <a:avLst/>
           </a:prstGeom>
           <a:solidFill>
-            <a:srgbClr val="09FF00">
-              <a:alpha val="22730"/>
-            </a:srgbClr>
-          </a:solidFill>
-          <a:ln>
-            <a:noFill/>
-          </a:ln>
-        </p:spPr>
-        <p:txBody>
-          <a:bodyPr anchorCtr="0" anchor="ctr" bIns="91425" lIns="91425" spcFirstLastPara="1" rIns="91425" wrap="square" tIns="91425">
-            <a:noAutofit/>
-          </a:bodyPr>
-          <a:lstStyle/>
-          <a:p>
-            <a:pPr indent="0" lvl="0" marL="0" rtl="0" algn="ctr">
-              <a:spcBef>
-                <a:spcPts val="0"/>
-              </a:spcBef>
-              <a:spcAft>
-                <a:spcPts val="0"/>
-              </a:spcAft>
-              <a:buNone/>
-            </a:pPr>
-            <a:r>
-              <a:t/>
-            </a:r>
-            <a:endParaRPr/>
-          </a:p>
-        </p:txBody>
-      </p:sp>
-      <p:sp>
-        <p:nvSpPr>
-          <p:cNvPr id="208" name="Google Shape;208;p30"/>
-          <p:cNvSpPr/>
-          <p:nvPr/>
-        </p:nvSpPr>
-        <p:spPr>
-          <a:xfrm>
-            <a:off x="316150" y="2597800"/>
-            <a:ext cx="4458600" cy="944700"/>
-          </a:xfrm>
-          <a:prstGeom prst="rect">
-            <a:avLst/>
-          </a:prstGeom>
-          <a:solidFill>
-            <a:srgbClr val="FF00D1">
-              <a:alpha val="22730"/>
-            </a:srgbClr>
-          </a:solidFill>
-          <a:ln>
-            <a:noFill/>
-          </a:ln>
-        </p:spPr>
-        <p:txBody>
-          <a:bodyPr anchorCtr="0" anchor="ctr" bIns="91425" lIns="91425" spcFirstLastPara="1" rIns="91425" wrap="square" tIns="91425">
-            <a:noAutofit/>
-          </a:bodyPr>
-          <a:lstStyle/>
-          <a:p>
-            <a:pPr indent="0" lvl="0" marL="0" rtl="0" algn="ctr">
-              <a:spcBef>
-                <a:spcPts val="0"/>
-              </a:spcBef>
-              <a:spcAft>
-                <a:spcPts val="0"/>
-              </a:spcAft>
-              <a:buNone/>
-            </a:pPr>
-            <a:r>
-              <a:t/>
-            </a:r>
-            <a:endParaRPr/>
-          </a:p>
-        </p:txBody>
-      </p:sp>
-      <p:sp>
-        <p:nvSpPr>
-          <p:cNvPr id="209" name="Google Shape;209;p30"/>
-          <p:cNvSpPr/>
-          <p:nvPr/>
-        </p:nvSpPr>
-        <p:spPr>
-          <a:xfrm>
-            <a:off x="6687825" y="3728925"/>
-            <a:ext cx="810600" cy="608100"/>
-          </a:xfrm>
-          <a:prstGeom prst="rect">
-            <a:avLst/>
-          </a:prstGeom>
-          <a:solidFill>
-            <a:srgbClr val="FF00D1">
+            <a:srgbClr val="FFF300">
               <a:alpha val="22730"/>
             </a:srgbClr>
           </a:solidFill>
@@ -16167,7 +16386,7 @@
   <p:cSld>
     <p:spTree>
       <p:nvGrpSpPr>
-        <p:cNvPr id="213" name="Shape 213"/>
+        <p:cNvPr id="220" name="Shape 220"/>
         <p:cNvGrpSpPr/>
         <p:nvPr/>
       </p:nvGrpSpPr>
@@ -16179,63 +16398,32 @@
           <a:chExt cx="0" cy="0"/>
         </a:xfrm>
       </p:grpSpPr>
-      <p:pic>
-        <p:nvPicPr>
-          <p:cNvPr id="214" name="Google Shape;214;p31"/>
-          <p:cNvPicPr preferRelativeResize="0"/>
-          <p:nvPr/>
-        </p:nvPicPr>
-        <p:blipFill rotWithShape="1">
-          <a:blip r:embed="rId3">
-            <a:alphaModFix/>
-          </a:blip>
-          <a:srcRect b="2283" l="25076" r="29796" t="28526"/>
-          <a:stretch/>
-        </p:blipFill>
-        <p:spPr>
-          <a:xfrm>
-            <a:off x="5344916" y="411124"/>
-            <a:ext cx="3362980" cy="3877153"/>
+      <p:sp>
+        <p:nvSpPr>
+          <p:cNvPr id="221" name="Google Shape;221;p31"/>
+          <p:cNvSpPr txBox="1"/>
+          <p:nvPr>
+            <p:ph idx="1" type="body"/>
+          </p:nvPr>
+        </p:nvSpPr>
+        <p:spPr>
+          <a:xfrm>
+            <a:off x="311700" y="2205450"/>
+            <a:ext cx="8520600" cy="732600"/>
           </a:xfrm>
           <a:prstGeom prst="rect">
             <a:avLst/>
           </a:prstGeom>
-          <a:noFill/>
-          <a:ln>
-            <a:noFill/>
-          </a:ln>
-        </p:spPr>
-      </p:pic>
-      <p:sp>
-        <p:nvSpPr>
-          <p:cNvPr id="215" name="Google Shape;215;p31"/>
-          <p:cNvSpPr/>
-          <p:nvPr/>
-        </p:nvSpPr>
-        <p:spPr>
-          <a:xfrm>
-            <a:off x="5318526" y="369151"/>
-            <a:ext cx="1047900" cy="944700"/>
-          </a:xfrm>
-          <a:prstGeom prst="rect">
-            <a:avLst/>
-          </a:prstGeom>
-          <a:solidFill>
-            <a:srgbClr val="FFFFFF"/>
-          </a:solidFill>
-          <a:ln>
-            <a:noFill/>
-          </a:ln>
         </p:spPr>
         <p:txBody>
-          <a:bodyPr anchorCtr="0" anchor="ctr" bIns="91425" lIns="91425" spcFirstLastPara="1" rIns="91425" wrap="square" tIns="91425">
-            <a:noAutofit/>
+          <a:bodyPr anchorCtr="0" anchor="t" bIns="22850" lIns="45725" spcFirstLastPara="1" rIns="45725" wrap="square" tIns="22850">
+            <a:normAutofit lnSpcReduction="10000"/>
           </a:bodyPr>
           <a:lstStyle/>
           <a:p>
             <a:pPr indent="0" lvl="0" marL="0" rtl="0" algn="ctr">
               <a:spcBef>
-                <a:spcPts val="0"/>
+                <a:spcPts val="300"/>
               </a:spcBef>
               <a:spcAft>
                 <a:spcPts val="0"/>
@@ -16243,298 +16431,10 @@
               <a:buNone/>
             </a:pPr>
             <a:r>
-              <a:t/>
+              <a:rPr lang="en" sz="4600"/>
+              <a:t>Two Notable Design Features</a:t>
             </a:r>
-            <a:endParaRPr/>
-          </a:p>
-        </p:txBody>
-      </p:sp>
-      <p:sp>
-        <p:nvSpPr>
-          <p:cNvPr id="216" name="Google Shape;216;p31"/>
-          <p:cNvSpPr/>
-          <p:nvPr/>
-        </p:nvSpPr>
-        <p:spPr>
-          <a:xfrm>
-            <a:off x="7799389" y="217250"/>
-            <a:ext cx="1047900" cy="944700"/>
-          </a:xfrm>
-          <a:prstGeom prst="rect">
-            <a:avLst/>
-          </a:prstGeom>
-          <a:solidFill>
-            <a:srgbClr val="FFFFFF"/>
-          </a:solidFill>
-          <a:ln>
-            <a:noFill/>
-          </a:ln>
-        </p:spPr>
-        <p:txBody>
-          <a:bodyPr anchorCtr="0" anchor="ctr" bIns="91425" lIns="91425" spcFirstLastPara="1" rIns="91425" wrap="square" tIns="91425">
-            <a:noAutofit/>
-          </a:bodyPr>
-          <a:lstStyle/>
-          <a:p>
-            <a:pPr indent="0" lvl="0" marL="0" rtl="0" algn="ctr">
-              <a:spcBef>
-                <a:spcPts val="0"/>
-              </a:spcBef>
-              <a:spcAft>
-                <a:spcPts val="0"/>
-              </a:spcAft>
-              <a:buNone/>
-            </a:pPr>
-            <a:r>
-              <a:t/>
-            </a:r>
-            <a:endParaRPr/>
-          </a:p>
-        </p:txBody>
-      </p:sp>
-      <p:sp>
-        <p:nvSpPr>
-          <p:cNvPr id="217" name="Google Shape;217;p31"/>
-          <p:cNvSpPr/>
-          <p:nvPr/>
-        </p:nvSpPr>
-        <p:spPr>
-          <a:xfrm>
-            <a:off x="8229016" y="780704"/>
-            <a:ext cx="1047900" cy="944700"/>
-          </a:xfrm>
-          <a:prstGeom prst="rect">
-            <a:avLst/>
-          </a:prstGeom>
-          <a:solidFill>
-            <a:srgbClr val="FFFFFF"/>
-          </a:solidFill>
-          <a:ln>
-            <a:noFill/>
-          </a:ln>
-        </p:spPr>
-        <p:txBody>
-          <a:bodyPr anchorCtr="0" anchor="ctr" bIns="91425" lIns="91425" spcFirstLastPara="1" rIns="91425" wrap="square" tIns="91425">
-            <a:noAutofit/>
-          </a:bodyPr>
-          <a:lstStyle/>
-          <a:p>
-            <a:pPr indent="0" lvl="0" marL="0" rtl="0" algn="ctr">
-              <a:spcBef>
-                <a:spcPts val="0"/>
-              </a:spcBef>
-              <a:spcAft>
-                <a:spcPts val="0"/>
-              </a:spcAft>
-              <a:buNone/>
-            </a:pPr>
-            <a:r>
-              <a:t/>
-            </a:r>
-            <a:endParaRPr/>
-          </a:p>
-        </p:txBody>
-      </p:sp>
-      <p:sp>
-        <p:nvSpPr>
-          <p:cNvPr id="218" name="Google Shape;218;p31"/>
-          <p:cNvSpPr/>
-          <p:nvPr/>
-        </p:nvSpPr>
-        <p:spPr>
-          <a:xfrm>
-            <a:off x="4837856" y="780704"/>
-            <a:ext cx="1047900" cy="944700"/>
-          </a:xfrm>
-          <a:prstGeom prst="rect">
-            <a:avLst/>
-          </a:prstGeom>
-          <a:solidFill>
-            <a:srgbClr val="FFFFFF"/>
-          </a:solidFill>
-          <a:ln>
-            <a:noFill/>
-          </a:ln>
-        </p:spPr>
-        <p:txBody>
-          <a:bodyPr anchorCtr="0" anchor="ctr" bIns="91425" lIns="91425" spcFirstLastPara="1" rIns="91425" wrap="square" tIns="91425">
-            <a:noAutofit/>
-          </a:bodyPr>
-          <a:lstStyle/>
-          <a:p>
-            <a:pPr indent="0" lvl="0" marL="0" rtl="0" algn="ctr">
-              <a:spcBef>
-                <a:spcPts val="0"/>
-              </a:spcBef>
-              <a:spcAft>
-                <a:spcPts val="0"/>
-              </a:spcAft>
-              <a:buNone/>
-            </a:pPr>
-            <a:r>
-              <a:t/>
-            </a:r>
-            <a:endParaRPr/>
-          </a:p>
-        </p:txBody>
-      </p:sp>
-      <p:sp>
-        <p:nvSpPr>
-          <p:cNvPr id="219" name="Google Shape;219;p31"/>
-          <p:cNvSpPr/>
-          <p:nvPr/>
-        </p:nvSpPr>
-        <p:spPr>
-          <a:xfrm>
-            <a:off x="4572000" y="3343363"/>
-            <a:ext cx="1047900" cy="944700"/>
-          </a:xfrm>
-          <a:prstGeom prst="rect">
-            <a:avLst/>
-          </a:prstGeom>
-          <a:solidFill>
-            <a:srgbClr val="FFFFFF"/>
-          </a:solidFill>
-          <a:ln>
-            <a:noFill/>
-          </a:ln>
-        </p:spPr>
-        <p:txBody>
-          <a:bodyPr anchorCtr="0" anchor="ctr" bIns="91425" lIns="91425" spcFirstLastPara="1" rIns="91425" wrap="square" tIns="91425">
-            <a:noAutofit/>
-          </a:bodyPr>
-          <a:lstStyle/>
-          <a:p>
-            <a:pPr indent="0" lvl="0" marL="0" rtl="0" algn="ctr">
-              <a:spcBef>
-                <a:spcPts val="0"/>
-              </a:spcBef>
-              <a:spcAft>
-                <a:spcPts val="0"/>
-              </a:spcAft>
-              <a:buNone/>
-            </a:pPr>
-            <a:r>
-              <a:t/>
-            </a:r>
-            <a:endParaRPr/>
-          </a:p>
-        </p:txBody>
-      </p:sp>
-      <p:pic>
-        <p:nvPicPr>
-          <p:cNvPr id="220" name="Google Shape;220;p31"/>
-          <p:cNvPicPr preferRelativeResize="0"/>
-          <p:nvPr/>
-        </p:nvPicPr>
-        <p:blipFill rotWithShape="1">
-          <a:blip r:embed="rId4">
-            <a:alphaModFix/>
-          </a:blip>
-          <a:srcRect b="3945" l="24512" r="15643" t="72254"/>
-          <a:stretch/>
-        </p:blipFill>
-        <p:spPr>
-          <a:xfrm>
-            <a:off x="86000" y="3599225"/>
-            <a:ext cx="4704876" cy="1402426"/>
-          </a:xfrm>
-          <a:prstGeom prst="rect">
-            <a:avLst/>
-          </a:prstGeom>
-          <a:noFill/>
-          <a:ln>
-            <a:noFill/>
-          </a:ln>
-        </p:spPr>
-      </p:pic>
-      <p:sp>
-        <p:nvSpPr>
-          <p:cNvPr id="221" name="Google Shape;221;p31"/>
-          <p:cNvSpPr/>
-          <p:nvPr/>
-        </p:nvSpPr>
-        <p:spPr>
-          <a:xfrm>
-            <a:off x="322500" y="3853500"/>
-            <a:ext cx="4630800" cy="1107900"/>
-          </a:xfrm>
-          <a:prstGeom prst="rect">
-            <a:avLst/>
-          </a:prstGeom>
-          <a:solidFill>
-            <a:srgbClr val="FFF300">
-              <a:alpha val="22730"/>
-            </a:srgbClr>
-          </a:solidFill>
-          <a:ln>
-            <a:noFill/>
-          </a:ln>
-        </p:spPr>
-        <p:txBody>
-          <a:bodyPr anchorCtr="0" anchor="ctr" bIns="91425" lIns="91425" spcFirstLastPara="1" rIns="91425" wrap="square" tIns="91425">
-            <a:noAutofit/>
-          </a:bodyPr>
-          <a:lstStyle/>
-          <a:p>
-            <a:pPr indent="0" lvl="0" marL="0" rtl="0" algn="ctr">
-              <a:spcBef>
-                <a:spcPts val="0"/>
-              </a:spcBef>
-              <a:spcAft>
-                <a:spcPts val="0"/>
-              </a:spcAft>
-              <a:buNone/>
-            </a:pPr>
-            <a:r>
-              <a:t/>
-            </a:r>
-            <a:endParaRPr/>
-          </a:p>
-        </p:txBody>
-      </p:sp>
-      <p:sp>
-        <p:nvSpPr>
-          <p:cNvPr id="222" name="Google Shape;222;p31"/>
-          <p:cNvSpPr/>
-          <p:nvPr/>
-        </p:nvSpPr>
-        <p:spPr>
-          <a:xfrm>
-            <a:off x="7740050" y="3112850"/>
-            <a:ext cx="926400" cy="1038600"/>
-          </a:xfrm>
-          <a:prstGeom prst="rect">
-            <a:avLst/>
-          </a:prstGeom>
-          <a:solidFill>
-            <a:srgbClr val="FFF300">
-              <a:alpha val="22730"/>
-            </a:srgbClr>
-          </a:solidFill>
-          <a:ln>
-            <a:noFill/>
-          </a:ln>
-        </p:spPr>
-        <p:txBody>
-          <a:bodyPr anchorCtr="0" anchor="ctr" bIns="91425" lIns="91425" spcFirstLastPara="1" rIns="91425" wrap="square" tIns="91425">
-            <a:noAutofit/>
-          </a:bodyPr>
-          <a:lstStyle/>
-          <a:p>
-            <a:pPr indent="0" lvl="0" marL="0" rtl="0" algn="ctr">
-              <a:spcBef>
-                <a:spcPts val="0"/>
-              </a:spcBef>
-              <a:spcAft>
-                <a:spcPts val="0"/>
-              </a:spcAft>
-              <a:buNone/>
-            </a:pPr>
-            <a:r>
-              <a:t/>
-            </a:r>
-            <a:endParaRPr/>
+            <a:endParaRPr b="1" sz="4600"/>
           </a:p>
         </p:txBody>
       </p:sp>
@@ -16551,7 +16451,7 @@
   <p:cSld>
     <p:spTree>
       <p:nvGrpSpPr>
-        <p:cNvPr id="226" name="Shape 226"/>
+        <p:cNvPr id="225" name="Shape 225"/>
         <p:cNvGrpSpPr/>
         <p:nvPr/>
       </p:nvGrpSpPr>
@@ -16565,6 +16465,46 @@
       </p:grpSpPr>
       <p:sp>
         <p:nvSpPr>
+          <p:cNvPr id="226" name="Google Shape;226;p32"/>
+          <p:cNvSpPr txBox="1"/>
+          <p:nvPr>
+            <p:ph type="title"/>
+          </p:nvPr>
+        </p:nvSpPr>
+        <p:spPr>
+          <a:xfrm>
+            <a:off x="311700" y="445025"/>
+            <a:ext cx="8520600" cy="572700"/>
+          </a:xfrm>
+          <a:prstGeom prst="rect">
+            <a:avLst/>
+          </a:prstGeom>
+        </p:spPr>
+        <p:txBody>
+          <a:bodyPr anchorCtr="0" anchor="ctr" bIns="22850" lIns="45725" spcFirstLastPara="1" rIns="45725" wrap="square" tIns="22850">
+            <a:normAutofit/>
+          </a:bodyPr>
+          <a:lstStyle/>
+          <a:p>
+            <a:pPr indent="0" lvl="0" marL="0" rtl="0" algn="ctr">
+              <a:spcBef>
+                <a:spcPts val="0"/>
+              </a:spcBef>
+              <a:spcAft>
+                <a:spcPts val="0"/>
+              </a:spcAft>
+              <a:buNone/>
+            </a:pPr>
+            <a:r>
+              <a:rPr lang="en"/>
+              <a:t>RNG Module</a:t>
+            </a:r>
+            <a:endParaRPr/>
+          </a:p>
+        </p:txBody>
+      </p:sp>
+      <p:sp>
+        <p:nvSpPr>
           <p:cNvPr id="227" name="Google Shape;227;p32"/>
           <p:cNvSpPr txBox="1"/>
           <p:nvPr>
@@ -16573,8 +16513,8 @@
         </p:nvSpPr>
         <p:spPr>
           <a:xfrm>
-            <a:off x="311700" y="2205450"/>
-            <a:ext cx="8520600" cy="732600"/>
+            <a:off x="311700" y="1152475"/>
+            <a:ext cx="8520600" cy="3416400"/>
           </a:xfrm>
           <a:prstGeom prst="rect">
             <a:avLst/>
@@ -16582,11 +16522,11 @@
         </p:spPr>
         <p:txBody>
           <a:bodyPr anchorCtr="0" anchor="t" bIns="22850" lIns="45725" spcFirstLastPara="1" rIns="45725" wrap="square" tIns="22850">
-            <a:normAutofit lnSpcReduction="10000"/>
+            <a:normAutofit/>
           </a:bodyPr>
           <a:lstStyle/>
           <a:p>
-            <a:pPr indent="0" lvl="0" marL="0" rtl="0" algn="ctr">
+            <a:pPr indent="0" lvl="0" marL="0" rtl="0" algn="l">
               <a:spcBef>
                 <a:spcPts val="300"/>
               </a:spcBef>
@@ -16596,10 +16536,95 @@
               <a:buNone/>
             </a:pPr>
             <a:r>
-              <a:rPr lang="en" sz="4600"/>
-              <a:t>Two Notable Design Features</a:t>
+              <a:t/>
             </a:r>
-            <a:endParaRPr b="1" sz="4600"/>
+            <a:endParaRPr/>
+          </a:p>
+        </p:txBody>
+      </p:sp>
+      <p:pic>
+        <p:nvPicPr>
+          <p:cNvPr id="228" name="Google Shape;228;p32"/>
+          <p:cNvPicPr preferRelativeResize="0"/>
+          <p:nvPr/>
+        </p:nvPicPr>
+        <p:blipFill>
+          <a:blip r:embed="rId3">
+            <a:alphaModFix/>
+          </a:blip>
+          <a:stretch>
+            <a:fillRect/>
+          </a:stretch>
+        </p:blipFill>
+        <p:spPr>
+          <a:xfrm>
+            <a:off x="4156675" y="1017725"/>
+            <a:ext cx="4347074" cy="3971025"/>
+          </a:xfrm>
+          <a:prstGeom prst="rect">
+            <a:avLst/>
+          </a:prstGeom>
+          <a:noFill/>
+          <a:ln>
+            <a:noFill/>
+          </a:ln>
+        </p:spPr>
+      </p:pic>
+      <p:sp>
+        <p:nvSpPr>
+          <p:cNvPr id="229" name="Google Shape;229;p32"/>
+          <p:cNvSpPr txBox="1"/>
+          <p:nvPr/>
+        </p:nvSpPr>
+        <p:spPr>
+          <a:xfrm>
+            <a:off x="350025" y="1281425"/>
+            <a:ext cx="2800200" cy="830700"/>
+          </a:xfrm>
+          <a:prstGeom prst="rect">
+            <a:avLst/>
+          </a:prstGeom>
+          <a:noFill/>
+          <a:ln>
+            <a:noFill/>
+          </a:ln>
+        </p:spPr>
+        <p:txBody>
+          <a:bodyPr anchorCtr="0" anchor="t" bIns="91425" lIns="91425" spcFirstLastPara="1" rIns="91425" wrap="square" tIns="91425">
+            <a:noAutofit/>
+          </a:bodyPr>
+          <a:lstStyle/>
+          <a:p>
+            <a:pPr indent="0" lvl="0" marL="0" rtl="0" algn="l">
+              <a:spcBef>
+                <a:spcPts val="0"/>
+              </a:spcBef>
+              <a:spcAft>
+                <a:spcPts val="0"/>
+              </a:spcAft>
+              <a:buNone/>
+            </a:pPr>
+            <a:r>
+              <a:rPr lang="en" sz="1600">
+                <a:solidFill>
+                  <a:schemeClr val="dk1"/>
+                </a:solidFill>
+                <a:latin typeface="Calibri"/>
+                <a:ea typeface="Calibri"/>
+                <a:cs typeface="Calibri"/>
+                <a:sym typeface="Calibri"/>
+              </a:rPr>
+              <a:t>Responsible for random show up of mole</a:t>
+            </a:r>
+            <a:endParaRPr sz="1600">
+              <a:solidFill>
+                <a:schemeClr val="dk1"/>
+              </a:solidFill>
+              <a:latin typeface="Calibri"/>
+              <a:ea typeface="Calibri"/>
+              <a:cs typeface="Calibri"/>
+              <a:sym typeface="Calibri"/>
+            </a:endParaRPr>
           </a:p>
         </p:txBody>
       </p:sp>
@@ -16633,27 +16658,27 @@
           <p:cNvPr id="95" name="Google Shape;95;p15"/>
           <p:cNvSpPr txBox="1"/>
           <p:nvPr>
-            <p:ph type="title"/>
+            <p:ph idx="1" type="body"/>
           </p:nvPr>
         </p:nvSpPr>
         <p:spPr>
           <a:xfrm>
-            <a:off x="311700" y="445025"/>
-            <a:ext cx="8520600" cy="572700"/>
+            <a:off x="311700" y="276175"/>
+            <a:ext cx="8520600" cy="3416400"/>
           </a:xfrm>
           <a:prstGeom prst="rect">
             <a:avLst/>
           </a:prstGeom>
         </p:spPr>
         <p:txBody>
-          <a:bodyPr anchorCtr="0" anchor="ctr" bIns="22850" lIns="45725" spcFirstLastPara="1" rIns="45725" wrap="square" tIns="22850">
+          <a:bodyPr anchorCtr="0" anchor="t" bIns="22850" lIns="45725" spcFirstLastPara="1" rIns="45725" wrap="square" tIns="22850">
             <a:normAutofit/>
           </a:bodyPr>
           <a:lstStyle/>
           <a:p>
             <a:pPr indent="0" lvl="0" marL="0" rtl="0" algn="ctr">
               <a:spcBef>
-                <a:spcPts val="0"/>
+                <a:spcPts val="300"/>
               </a:spcBef>
               <a:spcAft>
                 <a:spcPts val="0"/>
@@ -16661,239 +16686,68 @@
               <a:buNone/>
             </a:pPr>
             <a:r>
-              <a:rPr lang="en"/>
-              <a:t>Rubric Reference (Delete this Slide)</a:t>
+              <a:rPr b="1" lang="en" sz="3000"/>
+              <a:t>We made Whack-a-Mole on an FPGA. Someone could use this as entertainment…</a:t>
             </a:r>
-            <a:endParaRPr/>
+            <a:endParaRPr b="1" sz="3000"/>
           </a:p>
         </p:txBody>
       </p:sp>
-      <p:sp>
-        <p:nvSpPr>
+      <p:pic>
+        <p:nvPicPr>
           <p:cNvPr id="96" name="Google Shape;96;p15"/>
-          <p:cNvSpPr txBox="1"/>
-          <p:nvPr>
-            <p:ph idx="1" type="body"/>
-          </p:nvPr>
-        </p:nvSpPr>
-        <p:spPr>
-          <a:xfrm>
-            <a:off x="311700" y="1152475"/>
-            <a:ext cx="8520600" cy="3416400"/>
+          <p:cNvPicPr preferRelativeResize="0"/>
+          <p:nvPr/>
+        </p:nvPicPr>
+        <p:blipFill>
+          <a:blip r:embed="rId3">
+            <a:alphaModFix/>
+          </a:blip>
+          <a:stretch>
+            <a:fillRect/>
+          </a:stretch>
+        </p:blipFill>
+        <p:spPr>
+          <a:xfrm>
+            <a:off x="311700" y="1773025"/>
+            <a:ext cx="4914900" cy="2894225"/>
           </a:xfrm>
           <a:prstGeom prst="rect">
             <a:avLst/>
           </a:prstGeom>
-        </p:spPr>
-        <p:txBody>
-          <a:bodyPr anchorCtr="0" anchor="t" bIns="22850" lIns="45725" spcFirstLastPara="1" rIns="45725" wrap="square" tIns="22850">
-            <a:normAutofit lnSpcReduction="20000"/>
-          </a:bodyPr>
-          <a:lstStyle/>
-          <a:p>
-            <a:pPr indent="-330200" lvl="0" marL="457200" rtl="0" algn="l">
-              <a:spcBef>
-                <a:spcPts val="300"/>
-              </a:spcBef>
-              <a:spcAft>
-                <a:spcPts val="0"/>
-              </a:spcAft>
-              <a:buSzPts val="1600"/>
-              <a:buAutoNum type="arabicPeriod"/>
-            </a:pPr>
-            <a:r>
-              <a:rPr lang="en"/>
-              <a:t>✅ </a:t>
-            </a:r>
-            <a:r>
-              <a:rPr lang="en"/>
-              <a:t>Project title, project members – this should be a single slide </a:t>
-            </a:r>
-            <a:endParaRPr/>
-          </a:p>
-          <a:p>
-            <a:pPr indent="-330200" lvl="0" marL="457200" rtl="0" algn="l">
-              <a:spcBef>
-                <a:spcPts val="300"/>
-              </a:spcBef>
-              <a:spcAft>
-                <a:spcPts val="0"/>
-              </a:spcAft>
-              <a:buSzPts val="1600"/>
-              <a:buAutoNum type="arabicPeriod"/>
-            </a:pPr>
-            <a:r>
-              <a:rPr lang="en"/>
-              <a:t>✅ </a:t>
-            </a:r>
-            <a:r>
-              <a:rPr lang="en"/>
-              <a:t>Goal/Motivation –what you are doing and why. This slide should include 1 concrete example </a:t>
-            </a:r>
-            <a:br>
-              <a:rPr lang="en"/>
-            </a:br>
-            <a:r>
-              <a:rPr lang="en"/>
-              <a:t>of how someone could actually use your design in real life.</a:t>
-            </a:r>
-            <a:endParaRPr/>
-          </a:p>
-          <a:p>
-            <a:pPr indent="-330200" lvl="0" marL="457200" rtl="0" algn="l">
-              <a:spcBef>
-                <a:spcPts val="300"/>
-              </a:spcBef>
-              <a:spcAft>
-                <a:spcPts val="0"/>
-              </a:spcAft>
-              <a:buSzPts val="1600"/>
-              <a:buAutoNum type="arabicPeriod"/>
-            </a:pPr>
-            <a:r>
-              <a:rPr lang="en"/>
-              <a:t>✅ </a:t>
-            </a:r>
-            <a:r>
-              <a:rPr lang="en"/>
-              <a:t>Short Functionality – one slide max recapping what you are doing. What was your design</a:t>
-            </a:r>
-            <a:br>
-              <a:rPr lang="en"/>
-            </a:br>
-            <a:r>
-              <a:rPr lang="en"/>
-              <a:t>supposed to do? </a:t>
-            </a:r>
-            <a:endParaRPr/>
-          </a:p>
-          <a:p>
-            <a:pPr indent="-330200" lvl="0" marL="457200" rtl="0" algn="l">
-              <a:spcBef>
-                <a:spcPts val="300"/>
-              </a:spcBef>
-              <a:spcAft>
-                <a:spcPts val="0"/>
-              </a:spcAft>
-              <a:buSzPts val="1600"/>
-              <a:buAutoNum type="arabicPeriod"/>
-            </a:pPr>
-            <a:r>
-              <a:rPr lang="en"/>
-              <a:t>✅ Short Specification – one slide max recapping the specification of the design. What were the</a:t>
-            </a:r>
-            <a:br>
-              <a:rPr lang="en"/>
-            </a:br>
-            <a:r>
-              <a:rPr lang="en"/>
-              <a:t>requirements? Constraints?</a:t>
-            </a:r>
-            <a:endParaRPr/>
-          </a:p>
-          <a:p>
-            <a:pPr indent="-330200" lvl="0" marL="457200" rtl="0" algn="l">
-              <a:spcBef>
-                <a:spcPts val="300"/>
-              </a:spcBef>
-              <a:spcAft>
-                <a:spcPts val="0"/>
-              </a:spcAft>
-              <a:buSzPts val="1600"/>
-              <a:buAutoNum type="arabicPeriod"/>
-            </a:pPr>
-            <a:r>
-              <a:rPr lang="en"/>
-              <a:t>✅ </a:t>
-            </a:r>
-            <a:r>
-              <a:rPr lang="en"/>
-              <a:t>Detailed Block Diagrams – provide the real block diagrams for your design. </a:t>
-            </a:r>
-            <a:endParaRPr/>
-          </a:p>
-          <a:p>
-            <a:pPr indent="-330200" lvl="0" marL="457200" rtl="0" algn="l">
-              <a:spcBef>
-                <a:spcPts val="300"/>
-              </a:spcBef>
-              <a:spcAft>
-                <a:spcPts val="0"/>
-              </a:spcAft>
-              <a:buSzPts val="1600"/>
-              <a:buAutoNum type="arabicPeriod"/>
-            </a:pPr>
-            <a:r>
-              <a:rPr lang="en"/>
-              <a:t>Code Snippet – provide 1 or 2 of your best code snippets and discuss. What was unique</a:t>
-            </a:r>
-            <a:br>
-              <a:rPr lang="en"/>
-            </a:br>
-            <a:r>
-              <a:rPr lang="en"/>
-              <a:t>about it? Challenging? Innovative?</a:t>
-            </a:r>
-            <a:endParaRPr/>
-          </a:p>
-          <a:p>
-            <a:pPr indent="-330200" lvl="0" marL="457200" rtl="0" algn="l">
-              <a:spcBef>
-                <a:spcPts val="300"/>
-              </a:spcBef>
-              <a:spcAft>
-                <a:spcPts val="0"/>
-              </a:spcAft>
-              <a:buSzPts val="1600"/>
-              <a:buAutoNum type="arabicPeriod"/>
-            </a:pPr>
-            <a:r>
-              <a:rPr lang="en"/>
-              <a:t>✅Successes – discuss how your project was successful and why.</a:t>
-            </a:r>
-            <a:endParaRPr/>
-          </a:p>
-          <a:p>
-            <a:pPr indent="-330200" lvl="0" marL="457200" rtl="0" algn="l">
-              <a:spcBef>
-                <a:spcPts val="300"/>
-              </a:spcBef>
-              <a:spcAft>
-                <a:spcPts val="0"/>
-              </a:spcAft>
-              <a:buSzPts val="1600"/>
-              <a:buAutoNum type="arabicPeriod"/>
-            </a:pPr>
-            <a:r>
-              <a:rPr lang="en"/>
-              <a:t>Failures – discuss how your project did not work out as you planned. Provide examples of</a:t>
-            </a:r>
-            <a:br>
-              <a:rPr lang="en"/>
-            </a:br>
-            <a:r>
-              <a:rPr lang="en"/>
-              <a:t>what you would do differently.</a:t>
-            </a:r>
-            <a:endParaRPr/>
-          </a:p>
-          <a:p>
-            <a:pPr indent="0" lvl="0" marL="0" rtl="0" algn="l">
-              <a:spcBef>
-                <a:spcPts val="300"/>
-              </a:spcBef>
-              <a:spcAft>
-                <a:spcPts val="0"/>
-              </a:spcAft>
-              <a:buNone/>
-            </a:pPr>
-            <a:r>
-              <a:t/>
-            </a:r>
-            <a:endParaRPr/>
-          </a:p>
-        </p:txBody>
-      </p:sp>
+          <a:noFill/>
+          <a:ln>
+            <a:noFill/>
+          </a:ln>
+        </p:spPr>
+      </p:pic>
+      <p:pic>
+        <p:nvPicPr>
+          <p:cNvPr id="97" name="Google Shape;97;p15"/>
+          <p:cNvPicPr preferRelativeResize="0"/>
+          <p:nvPr/>
+        </p:nvPicPr>
+        <p:blipFill rotWithShape="1">
+          <a:blip r:embed="rId4">
+            <a:alphaModFix/>
+          </a:blip>
+          <a:srcRect b="0" l="2453" r="2444" t="0"/>
+          <a:stretch/>
+        </p:blipFill>
+        <p:spPr>
+          <a:xfrm>
+            <a:off x="5486425" y="1676400"/>
+            <a:ext cx="3224250" cy="1898650"/>
+          </a:xfrm>
+          <a:prstGeom prst="rect">
+            <a:avLst/>
+          </a:prstGeom>
+          <a:noFill/>
+          <a:ln>
+            <a:noFill/>
+          </a:ln>
+        </p:spPr>
+      </p:pic>
     </p:spTree>
   </p:cSld>
   <p:clrMapOvr>
@@ -16907,7 +16761,7 @@
   <p:cSld>
     <p:spTree>
       <p:nvGrpSpPr>
-        <p:cNvPr id="231" name="Shape 231"/>
+        <p:cNvPr id="233" name="Shape 233"/>
         <p:cNvGrpSpPr/>
         <p:nvPr/>
       </p:nvGrpSpPr>
@@ -16921,7 +16775,7 @@
       </p:grpSpPr>
       <p:sp>
         <p:nvSpPr>
-          <p:cNvPr id="232" name="Google Shape;232;p33"/>
+          <p:cNvPr id="234" name="Google Shape;234;p33"/>
           <p:cNvSpPr txBox="1"/>
           <p:nvPr>
             <p:ph type="title"/>
@@ -16953,7 +16807,7 @@
             </a:pPr>
             <a:r>
               <a:rPr lang="en"/>
-              <a:t>RNG Module</a:t>
+              <a:t>MATLAB Converter</a:t>
             </a:r>
             <a:endParaRPr/>
           </a:p>
@@ -16961,7 +16815,7 @@
       </p:sp>
       <p:sp>
         <p:nvSpPr>
-          <p:cNvPr id="233" name="Google Shape;233;p33"/>
+          <p:cNvPr id="235" name="Google Shape;235;p33"/>
           <p:cNvSpPr txBox="1"/>
           <p:nvPr>
             <p:ph idx="1" type="body"/>
@@ -17000,7 +16854,7 @@
       </p:sp>
       <p:pic>
         <p:nvPicPr>
-          <p:cNvPr id="234" name="Google Shape;234;p33"/>
+          <p:cNvPr id="236" name="Google Shape;236;p33"/>
           <p:cNvPicPr preferRelativeResize="0"/>
           <p:nvPr/>
         </p:nvPicPr>
@@ -17014,8 +16868,8 @@
         </p:blipFill>
         <p:spPr>
           <a:xfrm>
-            <a:off x="4156675" y="1017725"/>
-            <a:ext cx="4347074" cy="3971025"/>
+            <a:off x="6112549" y="1017725"/>
+            <a:ext cx="2521270" cy="4214751"/>
           </a:xfrm>
           <a:prstGeom prst="rect">
             <a:avLst/>
@@ -17026,64 +16880,6 @@
           </a:ln>
         </p:spPr>
       </p:pic>
-      <p:sp>
-        <p:nvSpPr>
-          <p:cNvPr id="235" name="Google Shape;235;p33"/>
-          <p:cNvSpPr txBox="1"/>
-          <p:nvPr/>
-        </p:nvSpPr>
-        <p:spPr>
-          <a:xfrm>
-            <a:off x="350025" y="1281425"/>
-            <a:ext cx="2800200" cy="830700"/>
-          </a:xfrm>
-          <a:prstGeom prst="rect">
-            <a:avLst/>
-          </a:prstGeom>
-          <a:noFill/>
-          <a:ln>
-            <a:noFill/>
-          </a:ln>
-        </p:spPr>
-        <p:txBody>
-          <a:bodyPr anchorCtr="0" anchor="t" bIns="91425" lIns="91425" spcFirstLastPara="1" rIns="91425" wrap="square" tIns="91425">
-            <a:noAutofit/>
-          </a:bodyPr>
-          <a:lstStyle/>
-          <a:p>
-            <a:pPr indent="0" lvl="0" marL="0" rtl="0" algn="l">
-              <a:spcBef>
-                <a:spcPts val="0"/>
-              </a:spcBef>
-              <a:spcAft>
-                <a:spcPts val="0"/>
-              </a:spcAft>
-              <a:buNone/>
-            </a:pPr>
-            <a:r>
-              <a:rPr lang="en" sz="1600">
-                <a:solidFill>
-                  <a:schemeClr val="dk1"/>
-                </a:solidFill>
-                <a:latin typeface="Calibri"/>
-                <a:ea typeface="Calibri"/>
-                <a:cs typeface="Calibri"/>
-                <a:sym typeface="Calibri"/>
-              </a:rPr>
-              <a:t>Responsible for random show up of mole</a:t>
-            </a:r>
-            <a:endParaRPr sz="1600">
-              <a:solidFill>
-                <a:schemeClr val="dk1"/>
-              </a:solidFill>
-              <a:latin typeface="Calibri"/>
-              <a:ea typeface="Calibri"/>
-              <a:cs typeface="Calibri"/>
-              <a:sym typeface="Calibri"/>
-            </a:endParaRPr>
-          </a:p>
-        </p:txBody>
-      </p:sp>
     </p:spTree>
   </p:cSld>
   <p:clrMapOvr>
@@ -17097,7 +16893,7 @@
   <p:cSld>
     <p:spTree>
       <p:nvGrpSpPr>
-        <p:cNvPr id="239" name="Shape 239"/>
+        <p:cNvPr id="240" name="Shape 240"/>
         <p:cNvGrpSpPr/>
         <p:nvPr/>
       </p:nvGrpSpPr>
@@ -17111,7 +16907,7 @@
       </p:grpSpPr>
       <p:sp>
         <p:nvSpPr>
-          <p:cNvPr id="240" name="Google Shape;240;p34"/>
+          <p:cNvPr id="241" name="Google Shape;241;p34"/>
           <p:cNvSpPr txBox="1"/>
           <p:nvPr>
             <p:ph type="title"/>
@@ -17142,8 +16938,7 @@
               <a:buNone/>
             </a:pPr>
             <a:r>
-              <a:rPr lang="en"/>
-              <a:t>MATLAB Converter</a:t>
+              <a:t/>
             </a:r>
             <a:endParaRPr/>
           </a:p>
@@ -17151,7 +16946,7 @@
       </p:sp>
       <p:sp>
         <p:nvSpPr>
-          <p:cNvPr id="241" name="Google Shape;241;p34"/>
+          <p:cNvPr id="242" name="Google Shape;242;p34"/>
           <p:cNvSpPr txBox="1"/>
           <p:nvPr>
             <p:ph idx="1" type="body"/>
@@ -17190,7 +16985,7 @@
       </p:sp>
       <p:pic>
         <p:nvPicPr>
-          <p:cNvPr id="242" name="Google Shape;242;p34"/>
+          <p:cNvPr id="243" name="Google Shape;243;p34"/>
           <p:cNvPicPr preferRelativeResize="0"/>
           <p:nvPr/>
         </p:nvPicPr>
@@ -17204,8 +16999,8 @@
         </p:blipFill>
         <p:spPr>
           <a:xfrm>
-            <a:off x="6112549" y="1017725"/>
-            <a:ext cx="2521270" cy="4214751"/>
+            <a:off x="311698" y="1181575"/>
+            <a:ext cx="3215101" cy="2428350"/>
           </a:xfrm>
           <a:prstGeom prst="rect">
             <a:avLst/>
@@ -17216,140 +17011,9 @@
           </a:ln>
         </p:spPr>
       </p:pic>
-    </p:spTree>
-  </p:cSld>
-  <p:clrMapOvr>
-    <a:masterClrMapping/>
-  </p:clrMapOvr>
-</p:sld>
-</file>
-
-<file path=ppt/slides/slide22.xml><?xml version="1.0" encoding="utf-8"?>
-<p:sld xmlns:a="http://schemas.openxmlformats.org/drawingml/2006/main" xmlns:r="http://schemas.openxmlformats.org/officeDocument/2006/relationships" xmlns:mc="http://schemas.openxmlformats.org/markup-compatibility/2006" xmlns:mv="urn:schemas-microsoft-com:mac:vml" xmlns:p="http://schemas.openxmlformats.org/presentationml/2006/main" xmlns:c="http://schemas.openxmlformats.org/drawingml/2006/chart" xmlns:dgm="http://schemas.openxmlformats.org/drawingml/2006/diagram" xmlns:o="urn:schemas-microsoft-com:office:office" xmlns:v="urn:schemas-microsoft-com:vml" xmlns:pvml="urn:schemas-microsoft-com:office:powerpoint" xmlns:com="http://schemas.openxmlformats.org/drawingml/2006/compatibility" xmlns:p14="http://schemas.microsoft.com/office/powerpoint/2010/main" xmlns:p15="http://schemas.microsoft.com/office/powerpoint/2012/main" xmlns:ahyp="http://schemas.microsoft.com/office/drawing/2018/hyperlinkcolor">
-  <p:cSld>
-    <p:spTree>
-      <p:nvGrpSpPr>
-        <p:cNvPr id="246" name="Shape 246"/>
-        <p:cNvGrpSpPr/>
-        <p:nvPr/>
-      </p:nvGrpSpPr>
-      <p:grpSpPr>
-        <a:xfrm>
-          <a:off x="0" y="0"/>
-          <a:ext cx="0" cy="0"/>
-          <a:chOff x="0" y="0"/>
-          <a:chExt cx="0" cy="0"/>
-        </a:xfrm>
-      </p:grpSpPr>
-      <p:sp>
-        <p:nvSpPr>
-          <p:cNvPr id="247" name="Google Shape;247;p35"/>
-          <p:cNvSpPr txBox="1"/>
-          <p:nvPr>
-            <p:ph type="title"/>
-          </p:nvPr>
-        </p:nvSpPr>
-        <p:spPr>
-          <a:xfrm>
-            <a:off x="311700" y="445025"/>
-            <a:ext cx="8520600" cy="572700"/>
-          </a:xfrm>
-          <a:prstGeom prst="rect">
-            <a:avLst/>
-          </a:prstGeom>
-        </p:spPr>
-        <p:txBody>
-          <a:bodyPr anchorCtr="0" anchor="ctr" bIns="22850" lIns="45725" spcFirstLastPara="1" rIns="45725" wrap="square" tIns="22850">
-            <a:normAutofit/>
-          </a:bodyPr>
-          <a:lstStyle/>
-          <a:p>
-            <a:pPr indent="0" lvl="0" marL="0" rtl="0" algn="ctr">
-              <a:spcBef>
-                <a:spcPts val="0"/>
-              </a:spcBef>
-              <a:spcAft>
-                <a:spcPts val="0"/>
-              </a:spcAft>
-              <a:buNone/>
-            </a:pPr>
-            <a:r>
-              <a:t/>
-            </a:r>
-            <a:endParaRPr/>
-          </a:p>
-        </p:txBody>
-      </p:sp>
-      <p:sp>
-        <p:nvSpPr>
-          <p:cNvPr id="248" name="Google Shape;248;p35"/>
-          <p:cNvSpPr txBox="1"/>
-          <p:nvPr>
-            <p:ph idx="1" type="body"/>
-          </p:nvPr>
-        </p:nvSpPr>
-        <p:spPr>
-          <a:xfrm>
-            <a:off x="311700" y="1152475"/>
-            <a:ext cx="8520600" cy="3416400"/>
-          </a:xfrm>
-          <a:prstGeom prst="rect">
-            <a:avLst/>
-          </a:prstGeom>
-        </p:spPr>
-        <p:txBody>
-          <a:bodyPr anchorCtr="0" anchor="t" bIns="22850" lIns="45725" spcFirstLastPara="1" rIns="45725" wrap="square" tIns="22850">
-            <a:normAutofit/>
-          </a:bodyPr>
-          <a:lstStyle/>
-          <a:p>
-            <a:pPr indent="0" lvl="0" marL="0" rtl="0" algn="l">
-              <a:spcBef>
-                <a:spcPts val="300"/>
-              </a:spcBef>
-              <a:spcAft>
-                <a:spcPts val="0"/>
-              </a:spcAft>
-              <a:buNone/>
-            </a:pPr>
-            <a:r>
-              <a:t/>
-            </a:r>
-            <a:endParaRPr/>
-          </a:p>
-        </p:txBody>
-      </p:sp>
       <p:pic>
         <p:nvPicPr>
-          <p:cNvPr id="249" name="Google Shape;249;p35"/>
-          <p:cNvPicPr preferRelativeResize="0"/>
-          <p:nvPr/>
-        </p:nvPicPr>
-        <p:blipFill>
-          <a:blip r:embed="rId3">
-            <a:alphaModFix/>
-          </a:blip>
-          <a:stretch>
-            <a:fillRect/>
-          </a:stretch>
-        </p:blipFill>
-        <p:spPr>
-          <a:xfrm>
-            <a:off x="311698" y="1181575"/>
-            <a:ext cx="3215101" cy="2428350"/>
-          </a:xfrm>
-          <a:prstGeom prst="rect">
-            <a:avLst/>
-          </a:prstGeom>
-          <a:noFill/>
-          <a:ln>
-            <a:noFill/>
-          </a:ln>
-        </p:spPr>
-      </p:pic>
-      <p:pic>
-        <p:nvPicPr>
-          <p:cNvPr id="250" name="Google Shape;250;p35"/>
+          <p:cNvPr id="244" name="Google Shape;244;p34"/>
           <p:cNvPicPr preferRelativeResize="0"/>
           <p:nvPr/>
         </p:nvPicPr>
@@ -17377,7 +17041,7 @@
       </p:pic>
       <p:pic>
         <p:nvPicPr>
-          <p:cNvPr id="251" name="Google Shape;251;p35"/>
+          <p:cNvPr id="245" name="Google Shape;245;p34"/>
           <p:cNvPicPr preferRelativeResize="0"/>
           <p:nvPr/>
         </p:nvPicPr>
@@ -17405,7 +17069,7 @@
       </p:pic>
       <p:sp>
         <p:nvSpPr>
-          <p:cNvPr id="252" name="Google Shape;252;p35"/>
+          <p:cNvPr id="246" name="Google Shape;246;p34"/>
           <p:cNvSpPr txBox="1"/>
           <p:nvPr/>
         </p:nvSpPr>
@@ -17463,7 +17127,7 @@
       </p:sp>
       <p:sp>
         <p:nvSpPr>
-          <p:cNvPr id="253" name="Google Shape;253;p35"/>
+          <p:cNvPr id="247" name="Google Shape;247;p34"/>
           <p:cNvSpPr txBox="1"/>
           <p:nvPr/>
         </p:nvSpPr>
@@ -17521,7 +17185,7 @@
       </p:sp>
       <p:sp>
         <p:nvSpPr>
-          <p:cNvPr id="254" name="Google Shape;254;p35"/>
+          <p:cNvPr id="248" name="Google Shape;248;p34"/>
           <p:cNvSpPr txBox="1"/>
           <p:nvPr/>
         </p:nvSpPr>
@@ -17608,12 +17272,12 @@
 </p:sld>
 </file>
 
-<file path=ppt/slides/slide23.xml><?xml version="1.0" encoding="utf-8"?>
+<file path=ppt/slides/slide22.xml><?xml version="1.0" encoding="utf-8"?>
 <p:sld xmlns:a="http://schemas.openxmlformats.org/drawingml/2006/main" xmlns:r="http://schemas.openxmlformats.org/officeDocument/2006/relationships" xmlns:mc="http://schemas.openxmlformats.org/markup-compatibility/2006" xmlns:mv="urn:schemas-microsoft-com:mac:vml" xmlns:p="http://schemas.openxmlformats.org/presentationml/2006/main" xmlns:c="http://schemas.openxmlformats.org/drawingml/2006/chart" xmlns:dgm="http://schemas.openxmlformats.org/drawingml/2006/diagram" xmlns:o="urn:schemas-microsoft-com:office:office" xmlns:v="urn:schemas-microsoft-com:vml" xmlns:pvml="urn:schemas-microsoft-com:office:powerpoint" xmlns:com="http://schemas.openxmlformats.org/drawingml/2006/compatibility" xmlns:p14="http://schemas.microsoft.com/office/powerpoint/2010/main" xmlns:p15="http://schemas.microsoft.com/office/powerpoint/2012/main" xmlns:ahyp="http://schemas.microsoft.com/office/drawing/2018/hyperlinkcolor">
   <p:cSld>
     <p:spTree>
       <p:nvGrpSpPr>
-        <p:cNvPr id="258" name="Shape 258"/>
+        <p:cNvPr id="252" name="Shape 252"/>
         <p:cNvGrpSpPr/>
         <p:nvPr/>
       </p:nvGrpSpPr>
@@ -17627,7 +17291,7 @@
       </p:grpSpPr>
       <p:pic>
         <p:nvPicPr>
-          <p:cNvPr id="259" name="Google Shape;259;p36"/>
+          <p:cNvPr id="253" name="Google Shape;253;p35"/>
           <p:cNvPicPr preferRelativeResize="0"/>
           <p:nvPr/>
         </p:nvPicPr>
@@ -17655,7 +17319,7 @@
       </p:pic>
       <p:pic>
         <p:nvPicPr>
-          <p:cNvPr id="260" name="Google Shape;260;p36"/>
+          <p:cNvPr id="254" name="Google Shape;254;p35"/>
           <p:cNvPicPr preferRelativeResize="0"/>
           <p:nvPr/>
         </p:nvPicPr>
@@ -17683,7 +17347,7 @@
       </p:pic>
       <p:pic>
         <p:nvPicPr>
-          <p:cNvPr id="261" name="Google Shape;261;p36"/>
+          <p:cNvPr id="255" name="Google Shape;255;p35"/>
           <p:cNvPicPr preferRelativeResize="0"/>
           <p:nvPr/>
         </p:nvPicPr>
@@ -17711,7 +17375,7 @@
       </p:pic>
       <p:pic>
         <p:nvPicPr>
-          <p:cNvPr id="262" name="Google Shape;262;p36"/>
+          <p:cNvPr id="256" name="Google Shape;256;p35"/>
           <p:cNvPicPr preferRelativeResize="0"/>
           <p:nvPr/>
         </p:nvPicPr>
@@ -17739,7 +17403,7 @@
       </p:pic>
       <p:pic>
         <p:nvPicPr>
-          <p:cNvPr id="263" name="Google Shape;263;p36"/>
+          <p:cNvPr id="257" name="Google Shape;257;p35"/>
           <p:cNvPicPr preferRelativeResize="0"/>
           <p:nvPr/>
         </p:nvPicPr>
@@ -17767,7 +17431,7 @@
       </p:pic>
       <p:pic>
         <p:nvPicPr>
-          <p:cNvPr id="264" name="Google Shape;264;p36"/>
+          <p:cNvPr id="258" name="Google Shape;258;p35"/>
           <p:cNvPicPr preferRelativeResize="0"/>
           <p:nvPr/>
         </p:nvPicPr>
@@ -17795,7 +17459,7 @@
       </p:pic>
       <p:sp>
         <p:nvSpPr>
-          <p:cNvPr id="265" name="Google Shape;265;p36"/>
+          <p:cNvPr id="259" name="Google Shape;259;p35"/>
           <p:cNvSpPr txBox="1"/>
           <p:nvPr/>
         </p:nvSpPr>
@@ -17869,7 +17533,7 @@
       </p:sp>
       <p:sp>
         <p:nvSpPr>
-          <p:cNvPr id="266" name="Google Shape;266;p36"/>
+          <p:cNvPr id="260" name="Google Shape;260;p35"/>
           <p:cNvSpPr txBox="1"/>
           <p:nvPr/>
         </p:nvSpPr>
@@ -17949,12 +17613,12 @@
 </p:sld>
 </file>
 
-<file path=ppt/slides/slide24.xml><?xml version="1.0" encoding="utf-8"?>
+<file path=ppt/slides/slide23.xml><?xml version="1.0" encoding="utf-8"?>
 <p:sld xmlns:a="http://schemas.openxmlformats.org/drawingml/2006/main" xmlns:r="http://schemas.openxmlformats.org/officeDocument/2006/relationships" xmlns:mc="http://schemas.openxmlformats.org/markup-compatibility/2006" xmlns:mv="urn:schemas-microsoft-com:mac:vml" xmlns:p="http://schemas.openxmlformats.org/presentationml/2006/main" xmlns:c="http://schemas.openxmlformats.org/drawingml/2006/chart" xmlns:dgm="http://schemas.openxmlformats.org/drawingml/2006/diagram" xmlns:o="urn:schemas-microsoft-com:office:office" xmlns:v="urn:schemas-microsoft-com:vml" xmlns:pvml="urn:schemas-microsoft-com:office:powerpoint" xmlns:com="http://schemas.openxmlformats.org/drawingml/2006/compatibility" xmlns:p14="http://schemas.microsoft.com/office/powerpoint/2010/main" xmlns:p15="http://schemas.microsoft.com/office/powerpoint/2012/main" xmlns:ahyp="http://schemas.microsoft.com/office/drawing/2018/hyperlinkcolor">
   <p:cSld>
     <p:spTree>
       <p:nvGrpSpPr>
-        <p:cNvPr id="270" name="Shape 270"/>
+        <p:cNvPr id="264" name="Shape 264"/>
         <p:cNvGrpSpPr/>
         <p:nvPr/>
       </p:nvGrpSpPr>
@@ -17968,7 +17632,7 @@
       </p:grpSpPr>
       <p:sp>
         <p:nvSpPr>
-          <p:cNvPr id="271" name="Google Shape;271;p37"/>
+          <p:cNvPr id="265" name="Google Shape;265;p36"/>
           <p:cNvSpPr txBox="1"/>
           <p:nvPr>
             <p:ph type="title"/>
@@ -18008,7 +17672,7 @@
       </p:sp>
       <p:sp>
         <p:nvSpPr>
-          <p:cNvPr id="272" name="Google Shape;272;p37"/>
+          <p:cNvPr id="266" name="Google Shape;266;p36"/>
           <p:cNvSpPr txBox="1"/>
           <p:nvPr>
             <p:ph idx="1" type="body"/>
@@ -18053,7 +17717,7 @@
       </p:sp>
       <p:pic>
         <p:nvPicPr>
-          <p:cNvPr id="273" name="Google Shape;273;p37"/>
+          <p:cNvPr id="267" name="Google Shape;267;p36"/>
           <p:cNvPicPr preferRelativeResize="0"/>
           <p:nvPr/>
         </p:nvPicPr>
@@ -18079,6 +17743,184 @@
           </a:ln>
         </p:spPr>
       </p:pic>
+    </p:spTree>
+  </p:cSld>
+  <p:clrMapOvr>
+    <a:masterClrMapping/>
+  </p:clrMapOvr>
+</p:sld>
+</file>
+
+<file path=ppt/slides/slide24.xml><?xml version="1.0" encoding="utf-8"?>
+<p:sld xmlns:a="http://schemas.openxmlformats.org/drawingml/2006/main" xmlns:r="http://schemas.openxmlformats.org/officeDocument/2006/relationships" xmlns:mc="http://schemas.openxmlformats.org/markup-compatibility/2006" xmlns:mv="urn:schemas-microsoft-com:mac:vml" xmlns:p="http://schemas.openxmlformats.org/presentationml/2006/main" xmlns:c="http://schemas.openxmlformats.org/drawingml/2006/chart" xmlns:dgm="http://schemas.openxmlformats.org/drawingml/2006/diagram" xmlns:o="urn:schemas-microsoft-com:office:office" xmlns:v="urn:schemas-microsoft-com:vml" xmlns:pvml="urn:schemas-microsoft-com:office:powerpoint" xmlns:com="http://schemas.openxmlformats.org/drawingml/2006/compatibility" xmlns:p14="http://schemas.microsoft.com/office/powerpoint/2010/main" xmlns:p15="http://schemas.microsoft.com/office/powerpoint/2012/main" xmlns:ahyp="http://schemas.microsoft.com/office/drawing/2018/hyperlinkcolor">
+  <p:cSld>
+    <p:spTree>
+      <p:nvGrpSpPr>
+        <p:cNvPr id="271" name="Shape 271"/>
+        <p:cNvGrpSpPr/>
+        <p:nvPr/>
+      </p:nvGrpSpPr>
+      <p:grpSpPr>
+        <a:xfrm>
+          <a:off x="0" y="0"/>
+          <a:ext cx="0" cy="0"/>
+          <a:chOff x="0" y="0"/>
+          <a:chExt cx="0" cy="0"/>
+        </a:xfrm>
+      </p:grpSpPr>
+      <p:sp>
+        <p:nvSpPr>
+          <p:cNvPr id="272" name="Google Shape;272;p37"/>
+          <p:cNvSpPr txBox="1"/>
+          <p:nvPr>
+            <p:ph type="title"/>
+          </p:nvPr>
+        </p:nvSpPr>
+        <p:spPr>
+          <a:xfrm>
+            <a:off x="228600" y="137325"/>
+            <a:ext cx="8195700" cy="571500"/>
+          </a:xfrm>
+          <a:prstGeom prst="rect">
+            <a:avLst/>
+          </a:prstGeom>
+        </p:spPr>
+        <p:txBody>
+          <a:bodyPr anchorCtr="0" anchor="ctr" bIns="22850" lIns="45725" spcFirstLastPara="1" rIns="45725" wrap="square" tIns="22850">
+            <a:normAutofit/>
+          </a:bodyPr>
+          <a:lstStyle/>
+          <a:p>
+            <a:pPr indent="0" lvl="0" marL="0" rtl="0" algn="ctr">
+              <a:spcBef>
+                <a:spcPts val="0"/>
+              </a:spcBef>
+              <a:spcAft>
+                <a:spcPts val="0"/>
+              </a:spcAft>
+              <a:buNone/>
+            </a:pPr>
+            <a:r>
+              <a:rPr lang="en"/>
+              <a:t>Accelerometer</a:t>
+            </a:r>
+            <a:r>
+              <a:rPr lang="en"/>
+              <a:t> going forward</a:t>
+            </a:r>
+            <a:endParaRPr/>
+          </a:p>
+        </p:txBody>
+      </p:sp>
+      <p:sp>
+        <p:nvSpPr>
+          <p:cNvPr id="273" name="Google Shape;273;p37"/>
+          <p:cNvSpPr txBox="1"/>
+          <p:nvPr>
+            <p:ph idx="1" type="body"/>
+          </p:nvPr>
+        </p:nvSpPr>
+        <p:spPr>
+          <a:xfrm>
+            <a:off x="346795" y="844932"/>
+            <a:ext cx="8281500" cy="3895200"/>
+          </a:xfrm>
+          <a:prstGeom prst="rect">
+            <a:avLst/>
+          </a:prstGeom>
+        </p:spPr>
+        <p:txBody>
+          <a:bodyPr anchorCtr="0" anchor="t" bIns="22850" lIns="45725" spcFirstLastPara="1" rIns="45725" wrap="square" tIns="22850">
+            <a:normAutofit/>
+          </a:bodyPr>
+          <a:lstStyle/>
+          <a:p>
+            <a:pPr indent="-285750" lvl="0" marL="457200" rtl="0" algn="l">
+              <a:spcBef>
+                <a:spcPts val="200"/>
+              </a:spcBef>
+              <a:spcAft>
+                <a:spcPts val="0"/>
+              </a:spcAft>
+              <a:buSzPts val="900"/>
+              <a:buChar char="-"/>
+            </a:pPr>
+            <a:r>
+              <a:rPr lang="en"/>
+              <a:t>get tilts to work (debouncer</a:t>
+            </a:r>
+            <a:r>
+              <a:rPr lang="en"/>
+              <a:t> module for tilts)</a:t>
+            </a:r>
+            <a:endParaRPr/>
+          </a:p>
+          <a:p>
+            <a:pPr indent="0" lvl="0" marL="0" rtl="0" algn="l">
+              <a:spcBef>
+                <a:spcPts val="200"/>
+              </a:spcBef>
+              <a:spcAft>
+                <a:spcPts val="0"/>
+              </a:spcAft>
+              <a:buNone/>
+            </a:pPr>
+            <a:r>
+              <a:t/>
+            </a:r>
+            <a:endParaRPr/>
+          </a:p>
+          <a:p>
+            <a:pPr indent="-285750" lvl="0" marL="457200" rtl="0" algn="l">
+              <a:spcBef>
+                <a:spcPts val="200"/>
+              </a:spcBef>
+              <a:spcAft>
+                <a:spcPts val="0"/>
+              </a:spcAft>
+              <a:buSzPts val="900"/>
+              <a:buChar char="-"/>
+            </a:pPr>
+            <a:r>
+              <a:rPr lang="en"/>
+              <a:t>Connect tilt to button (forward tilt = front button)</a:t>
+            </a:r>
+            <a:endParaRPr/>
+          </a:p>
+          <a:p>
+            <a:pPr indent="0" lvl="0" marL="0" rtl="0" algn="l">
+              <a:spcBef>
+                <a:spcPts val="200"/>
+              </a:spcBef>
+              <a:spcAft>
+                <a:spcPts val="0"/>
+              </a:spcAft>
+              <a:buNone/>
+            </a:pPr>
+            <a:r>
+              <a:t/>
+            </a:r>
+            <a:endParaRPr/>
+          </a:p>
+          <a:p>
+            <a:pPr indent="-285750" lvl="0" marL="457200" rtl="0" algn="l">
+              <a:spcBef>
+                <a:spcPts val="200"/>
+              </a:spcBef>
+              <a:spcAft>
+                <a:spcPts val="0"/>
+              </a:spcAft>
+              <a:buSzPts val="900"/>
+              <a:buChar char="-"/>
+            </a:pPr>
+            <a:r>
+              <a:rPr lang="en"/>
+              <a:t>When all is done, Not show xyz values on 7segment display (used for testing)</a:t>
+            </a:r>
+            <a:endParaRPr/>
+          </a:p>
+        </p:txBody>
+      </p:sp>
     </p:spTree>
   </p:cSld>
   <p:clrMapOvr>
@@ -18109,184 +17951,6 @@
           <p:cNvPr id="278" name="Google Shape;278;p38"/>
           <p:cNvSpPr txBox="1"/>
           <p:nvPr>
-            <p:ph type="title"/>
-          </p:nvPr>
-        </p:nvSpPr>
-        <p:spPr>
-          <a:xfrm>
-            <a:off x="228600" y="137325"/>
-            <a:ext cx="8195700" cy="571500"/>
-          </a:xfrm>
-          <a:prstGeom prst="rect">
-            <a:avLst/>
-          </a:prstGeom>
-        </p:spPr>
-        <p:txBody>
-          <a:bodyPr anchorCtr="0" anchor="ctr" bIns="22850" lIns="45725" spcFirstLastPara="1" rIns="45725" wrap="square" tIns="22850">
-            <a:normAutofit/>
-          </a:bodyPr>
-          <a:lstStyle/>
-          <a:p>
-            <a:pPr indent="0" lvl="0" marL="0" rtl="0" algn="ctr">
-              <a:spcBef>
-                <a:spcPts val="0"/>
-              </a:spcBef>
-              <a:spcAft>
-                <a:spcPts val="0"/>
-              </a:spcAft>
-              <a:buNone/>
-            </a:pPr>
-            <a:r>
-              <a:rPr lang="en"/>
-              <a:t>Accelerometer</a:t>
-            </a:r>
-            <a:r>
-              <a:rPr lang="en"/>
-              <a:t> going forward</a:t>
-            </a:r>
-            <a:endParaRPr/>
-          </a:p>
-        </p:txBody>
-      </p:sp>
-      <p:sp>
-        <p:nvSpPr>
-          <p:cNvPr id="279" name="Google Shape;279;p38"/>
-          <p:cNvSpPr txBox="1"/>
-          <p:nvPr>
-            <p:ph idx="1" type="body"/>
-          </p:nvPr>
-        </p:nvSpPr>
-        <p:spPr>
-          <a:xfrm>
-            <a:off x="346795" y="844932"/>
-            <a:ext cx="8281500" cy="3895200"/>
-          </a:xfrm>
-          <a:prstGeom prst="rect">
-            <a:avLst/>
-          </a:prstGeom>
-        </p:spPr>
-        <p:txBody>
-          <a:bodyPr anchorCtr="0" anchor="t" bIns="22850" lIns="45725" spcFirstLastPara="1" rIns="45725" wrap="square" tIns="22850">
-            <a:normAutofit/>
-          </a:bodyPr>
-          <a:lstStyle/>
-          <a:p>
-            <a:pPr indent="-285750" lvl="0" marL="457200" rtl="0" algn="l">
-              <a:spcBef>
-                <a:spcPts val="200"/>
-              </a:spcBef>
-              <a:spcAft>
-                <a:spcPts val="0"/>
-              </a:spcAft>
-              <a:buSzPts val="900"/>
-              <a:buChar char="-"/>
-            </a:pPr>
-            <a:r>
-              <a:rPr lang="en"/>
-              <a:t>get tilts to work (debouncer</a:t>
-            </a:r>
-            <a:r>
-              <a:rPr lang="en"/>
-              <a:t> module for tilts)</a:t>
-            </a:r>
-            <a:endParaRPr/>
-          </a:p>
-          <a:p>
-            <a:pPr indent="0" lvl="0" marL="0" rtl="0" algn="l">
-              <a:spcBef>
-                <a:spcPts val="200"/>
-              </a:spcBef>
-              <a:spcAft>
-                <a:spcPts val="0"/>
-              </a:spcAft>
-              <a:buNone/>
-            </a:pPr>
-            <a:r>
-              <a:t/>
-            </a:r>
-            <a:endParaRPr/>
-          </a:p>
-          <a:p>
-            <a:pPr indent="-285750" lvl="0" marL="457200" rtl="0" algn="l">
-              <a:spcBef>
-                <a:spcPts val="200"/>
-              </a:spcBef>
-              <a:spcAft>
-                <a:spcPts val="0"/>
-              </a:spcAft>
-              <a:buSzPts val="900"/>
-              <a:buChar char="-"/>
-            </a:pPr>
-            <a:r>
-              <a:rPr lang="en"/>
-              <a:t>Connect tilt to button (forward tilt = front button)</a:t>
-            </a:r>
-            <a:endParaRPr/>
-          </a:p>
-          <a:p>
-            <a:pPr indent="0" lvl="0" marL="0" rtl="0" algn="l">
-              <a:spcBef>
-                <a:spcPts val="200"/>
-              </a:spcBef>
-              <a:spcAft>
-                <a:spcPts val="0"/>
-              </a:spcAft>
-              <a:buNone/>
-            </a:pPr>
-            <a:r>
-              <a:t/>
-            </a:r>
-            <a:endParaRPr/>
-          </a:p>
-          <a:p>
-            <a:pPr indent="-285750" lvl="0" marL="457200" rtl="0" algn="l">
-              <a:spcBef>
-                <a:spcPts val="200"/>
-              </a:spcBef>
-              <a:spcAft>
-                <a:spcPts val="0"/>
-              </a:spcAft>
-              <a:buSzPts val="900"/>
-              <a:buChar char="-"/>
-            </a:pPr>
-            <a:r>
-              <a:rPr lang="en"/>
-              <a:t>When all is done, Not show xyz values on 7segment display (used for testing)</a:t>
-            </a:r>
-            <a:endParaRPr/>
-          </a:p>
-        </p:txBody>
-      </p:sp>
-    </p:spTree>
-  </p:cSld>
-  <p:clrMapOvr>
-    <a:masterClrMapping/>
-  </p:clrMapOvr>
-</p:sld>
-</file>
-
-<file path=ppt/slides/slide26.xml><?xml version="1.0" encoding="utf-8"?>
-<p:sld xmlns:a="http://schemas.openxmlformats.org/drawingml/2006/main" xmlns:r="http://schemas.openxmlformats.org/officeDocument/2006/relationships" xmlns:mc="http://schemas.openxmlformats.org/markup-compatibility/2006" xmlns:mv="urn:schemas-microsoft-com:mac:vml" xmlns:p="http://schemas.openxmlformats.org/presentationml/2006/main" xmlns:c="http://schemas.openxmlformats.org/drawingml/2006/chart" xmlns:dgm="http://schemas.openxmlformats.org/drawingml/2006/diagram" xmlns:o="urn:schemas-microsoft-com:office:office" xmlns:v="urn:schemas-microsoft-com:vml" xmlns:pvml="urn:schemas-microsoft-com:office:powerpoint" xmlns:com="http://schemas.openxmlformats.org/drawingml/2006/compatibility" xmlns:p14="http://schemas.microsoft.com/office/powerpoint/2010/main" xmlns:p15="http://schemas.microsoft.com/office/powerpoint/2012/main" xmlns:ahyp="http://schemas.microsoft.com/office/drawing/2018/hyperlinkcolor">
-  <p:cSld>
-    <p:spTree>
-      <p:nvGrpSpPr>
-        <p:cNvPr id="283" name="Shape 283"/>
-        <p:cNvGrpSpPr/>
-        <p:nvPr/>
-      </p:nvGrpSpPr>
-      <p:grpSpPr>
-        <a:xfrm>
-          <a:off x="0" y="0"/>
-          <a:ext cx="0" cy="0"/>
-          <a:chOff x="0" y="0"/>
-          <a:chExt cx="0" cy="0"/>
-        </a:xfrm>
-      </p:grpSpPr>
-      <p:sp>
-        <p:nvSpPr>
-          <p:cNvPr id="284" name="Google Shape;284;p39"/>
-          <p:cNvSpPr txBox="1"/>
-          <p:nvPr>
             <p:ph idx="1" type="body"/>
           </p:nvPr>
         </p:nvSpPr>
@@ -18330,12 +17994,12 @@
 </p:sld>
 </file>
 
-<file path=ppt/slides/slide27.xml><?xml version="1.0" encoding="utf-8"?>
+<file path=ppt/slides/slide26.xml><?xml version="1.0" encoding="utf-8"?>
 <p:sld xmlns:a="http://schemas.openxmlformats.org/drawingml/2006/main" xmlns:r="http://schemas.openxmlformats.org/officeDocument/2006/relationships" xmlns:mc="http://schemas.openxmlformats.org/markup-compatibility/2006" xmlns:mv="urn:schemas-microsoft-com:mac:vml" xmlns:p="http://schemas.openxmlformats.org/presentationml/2006/main" xmlns:c="http://schemas.openxmlformats.org/drawingml/2006/chart" xmlns:dgm="http://schemas.openxmlformats.org/drawingml/2006/diagram" xmlns:o="urn:schemas-microsoft-com:office:office" xmlns:v="urn:schemas-microsoft-com:vml" xmlns:pvml="urn:schemas-microsoft-com:office:powerpoint" xmlns:com="http://schemas.openxmlformats.org/drawingml/2006/compatibility" xmlns:p14="http://schemas.microsoft.com/office/powerpoint/2010/main" xmlns:p15="http://schemas.microsoft.com/office/powerpoint/2012/main" xmlns:ahyp="http://schemas.microsoft.com/office/drawing/2018/hyperlinkcolor">
   <p:cSld>
     <p:spTree>
       <p:nvGrpSpPr>
-        <p:cNvPr id="288" name="Shape 288"/>
+        <p:cNvPr id="282" name="Shape 282"/>
         <p:cNvGrpSpPr/>
         <p:nvPr/>
       </p:nvGrpSpPr>
@@ -18349,7 +18013,7 @@
       </p:grpSpPr>
       <p:sp>
         <p:nvSpPr>
-          <p:cNvPr id="289" name="Google Shape;289;p40"/>
+          <p:cNvPr id="283" name="Google Shape;283;p39"/>
           <p:cNvSpPr txBox="1"/>
           <p:nvPr>
             <p:ph idx="1" type="body"/>
@@ -18456,7 +18120,7 @@
       </p:sp>
       <p:pic>
         <p:nvPicPr>
-          <p:cNvPr id="290" name="Google Shape;290;p40"/>
+          <p:cNvPr id="284" name="Google Shape;284;p39"/>
           <p:cNvPicPr preferRelativeResize="0"/>
           <p:nvPr/>
         </p:nvPicPr>
@@ -18483,7 +18147,7 @@
       </p:pic>
       <p:pic>
         <p:nvPicPr>
-          <p:cNvPr id="291" name="Google Shape;291;p40" title="EC311_demo1.mov">
+          <p:cNvPr id="285" name="Google Shape;285;p39" title="EC311_demo1.mov">
             <a:hlinkClick r:id="rId4"/>
           </p:cNvPr>
           <p:cNvPicPr preferRelativeResize="0"/>
@@ -18550,7 +18214,7 @@
                                           </p:stCondLst>
                                         </p:cTn>
                                         <p:tgtEl>
-                                          <p:spTgt spid="291"/>
+                                          <p:spTgt spid="285"/>
                                         </p:tgtEl>
                                         <p:attrNameLst>
                                           <p:attrName>style.visibility</p:attrName>
@@ -18564,7 +18228,7 @@
                                       <p:cBhvr>
                                         <p:cTn dur="1000"/>
                                         <p:tgtEl>
-                                          <p:spTgt spid="291"/>
+                                          <p:spTgt spid="285"/>
                                         </p:tgtEl>
                                       </p:cBhvr>
                                     </p:animEffect>
@@ -18602,12 +18266,12 @@
 </p:sld>
 </file>
 
-<file path=ppt/slides/slide28.xml><?xml version="1.0" encoding="utf-8"?>
+<file path=ppt/slides/slide27.xml><?xml version="1.0" encoding="utf-8"?>
 <p:sld xmlns:a="http://schemas.openxmlformats.org/drawingml/2006/main" xmlns:r="http://schemas.openxmlformats.org/officeDocument/2006/relationships" xmlns:mc="http://schemas.openxmlformats.org/markup-compatibility/2006" xmlns:mv="urn:schemas-microsoft-com:mac:vml" xmlns:p="http://schemas.openxmlformats.org/presentationml/2006/main" xmlns:c="http://schemas.openxmlformats.org/drawingml/2006/chart" xmlns:dgm="http://schemas.openxmlformats.org/drawingml/2006/diagram" xmlns:o="urn:schemas-microsoft-com:office:office" xmlns:v="urn:schemas-microsoft-com:vml" xmlns:pvml="urn:schemas-microsoft-com:office:powerpoint" xmlns:com="http://schemas.openxmlformats.org/drawingml/2006/compatibility" xmlns:p14="http://schemas.microsoft.com/office/powerpoint/2010/main" xmlns:p15="http://schemas.microsoft.com/office/powerpoint/2012/main" xmlns:ahyp="http://schemas.microsoft.com/office/drawing/2018/hyperlinkcolor">
   <p:cSld>
     <p:spTree>
       <p:nvGrpSpPr>
-        <p:cNvPr id="295" name="Shape 295"/>
+        <p:cNvPr id="289" name="Shape 289"/>
         <p:cNvGrpSpPr/>
         <p:nvPr/>
       </p:nvGrpSpPr>
@@ -18621,7 +18285,7 @@
       </p:grpSpPr>
       <p:sp>
         <p:nvSpPr>
-          <p:cNvPr id="296" name="Google Shape;296;p41"/>
+          <p:cNvPr id="290" name="Google Shape;290;p40"/>
           <p:cNvSpPr txBox="1"/>
           <p:nvPr>
             <p:ph idx="1" type="body"/>
@@ -18660,6 +18324,219 @@
               <a:t>?</a:t>
             </a:r>
             <a:endParaRPr b="1" sz="4600"/>
+          </a:p>
+        </p:txBody>
+      </p:sp>
+    </p:spTree>
+  </p:cSld>
+  <p:clrMapOvr>
+    <a:masterClrMapping/>
+  </p:clrMapOvr>
+</p:sld>
+</file>
+
+<file path=ppt/slides/slide28.xml><?xml version="1.0" encoding="utf-8"?>
+<p:sld xmlns:a="http://schemas.openxmlformats.org/drawingml/2006/main" xmlns:r="http://schemas.openxmlformats.org/officeDocument/2006/relationships" xmlns:mc="http://schemas.openxmlformats.org/markup-compatibility/2006" xmlns:mv="urn:schemas-microsoft-com:mac:vml" xmlns:p="http://schemas.openxmlformats.org/presentationml/2006/main" xmlns:c="http://schemas.openxmlformats.org/drawingml/2006/chart" xmlns:dgm="http://schemas.openxmlformats.org/drawingml/2006/diagram" xmlns:o="urn:schemas-microsoft-com:office:office" xmlns:v="urn:schemas-microsoft-com:vml" xmlns:pvml="urn:schemas-microsoft-com:office:powerpoint" xmlns:com="http://schemas.openxmlformats.org/drawingml/2006/compatibility" xmlns:p14="http://schemas.microsoft.com/office/powerpoint/2010/main" xmlns:p15="http://schemas.microsoft.com/office/powerpoint/2012/main" xmlns:ahyp="http://schemas.microsoft.com/office/drawing/2018/hyperlinkcolor">
+  <p:cSld>
+    <p:spTree>
+      <p:nvGrpSpPr>
+        <p:cNvPr id="294" name="Shape 294"/>
+        <p:cNvGrpSpPr/>
+        <p:nvPr/>
+      </p:nvGrpSpPr>
+      <p:grpSpPr>
+        <a:xfrm>
+          <a:off x="0" y="0"/>
+          <a:ext cx="0" cy="0"/>
+          <a:chOff x="0" y="0"/>
+          <a:chExt cx="0" cy="0"/>
+        </a:xfrm>
+      </p:grpSpPr>
+      <p:sp>
+        <p:nvSpPr>
+          <p:cNvPr id="295" name="Google Shape;295;p41"/>
+          <p:cNvSpPr txBox="1"/>
+          <p:nvPr>
+            <p:ph type="title"/>
+          </p:nvPr>
+        </p:nvSpPr>
+        <p:spPr>
+          <a:xfrm>
+            <a:off x="311700" y="445025"/>
+            <a:ext cx="8520600" cy="572700"/>
+          </a:xfrm>
+          <a:prstGeom prst="rect">
+            <a:avLst/>
+          </a:prstGeom>
+        </p:spPr>
+        <p:txBody>
+          <a:bodyPr anchorCtr="0" anchor="ctr" bIns="22850" lIns="45725" spcFirstLastPara="1" rIns="45725" wrap="square" tIns="22850">
+            <a:normAutofit/>
+          </a:bodyPr>
+          <a:lstStyle/>
+          <a:p>
+            <a:pPr indent="0" lvl="0" marL="0" rtl="0" algn="ctr">
+              <a:spcBef>
+                <a:spcPts val="0"/>
+              </a:spcBef>
+              <a:spcAft>
+                <a:spcPts val="0"/>
+              </a:spcAft>
+              <a:buNone/>
+            </a:pPr>
+            <a:r>
+              <a:rPr lang="en" sz="3000">
+                <a:solidFill>
+                  <a:schemeClr val="dk2"/>
+                </a:solidFill>
+              </a:rPr>
+              <a:t>Next Steps…</a:t>
+            </a:r>
+            <a:endParaRPr/>
+          </a:p>
+        </p:txBody>
+      </p:sp>
+      <p:sp>
+        <p:nvSpPr>
+          <p:cNvPr id="296" name="Google Shape;296;p41"/>
+          <p:cNvSpPr txBox="1"/>
+          <p:nvPr>
+            <p:ph idx="1" type="body"/>
+          </p:nvPr>
+        </p:nvSpPr>
+        <p:spPr>
+          <a:xfrm>
+            <a:off x="311700" y="1152475"/>
+            <a:ext cx="8520600" cy="3416400"/>
+          </a:xfrm>
+          <a:prstGeom prst="rect">
+            <a:avLst/>
+          </a:prstGeom>
+        </p:spPr>
+        <p:txBody>
+          <a:bodyPr anchorCtr="0" anchor="t" bIns="22850" lIns="45725" spcFirstLastPara="1" rIns="45725" wrap="square" tIns="22850">
+            <a:noAutofit/>
+          </a:bodyPr>
+          <a:lstStyle/>
+          <a:p>
+            <a:pPr indent="-374650" lvl="0" marL="457200" rtl="0" algn="l">
+              <a:lnSpc>
+                <a:spcPct val="150000"/>
+              </a:lnSpc>
+              <a:spcBef>
+                <a:spcPts val="300"/>
+              </a:spcBef>
+              <a:spcAft>
+                <a:spcPts val="0"/>
+              </a:spcAft>
+              <a:buSzPts val="2300"/>
+              <a:buChar char="•"/>
+            </a:pPr>
+            <a:r>
+              <a:rPr lang="en" sz="2300"/>
+              <a:t>Expanding Core Game Logic → playing with more than one mole</a:t>
+            </a:r>
+            <a:endParaRPr sz="2300"/>
+          </a:p>
+          <a:p>
+            <a:pPr indent="-374650" lvl="0" marL="457200" rtl="0" algn="l">
+              <a:lnSpc>
+                <a:spcPct val="150000"/>
+              </a:lnSpc>
+              <a:spcBef>
+                <a:spcPts val="0"/>
+              </a:spcBef>
+              <a:spcAft>
+                <a:spcPts val="0"/>
+              </a:spcAft>
+              <a:buSzPts val="2300"/>
+              <a:buChar char="•"/>
+            </a:pPr>
+            <a:r>
+              <a:rPr lang="en" sz="2300"/>
+              <a:t>Tying the separate modules together: </a:t>
+            </a:r>
+            <a:endParaRPr sz="2300"/>
+          </a:p>
+          <a:p>
+            <a:pPr indent="-374650" lvl="1" marL="914400" rtl="0" algn="l">
+              <a:lnSpc>
+                <a:spcPct val="150000"/>
+              </a:lnSpc>
+              <a:spcBef>
+                <a:spcPts val="0"/>
+              </a:spcBef>
+              <a:spcAft>
+                <a:spcPts val="0"/>
+              </a:spcAft>
+              <a:buSzPts val="2300"/>
+              <a:buChar char="–"/>
+            </a:pPr>
+            <a:r>
+              <a:rPr lang="en" sz="2300"/>
+              <a:t>Connecting the </a:t>
+            </a:r>
+            <a:r>
+              <a:rPr b="1" lang="en" sz="2300"/>
+              <a:t>Accelerometer</a:t>
+            </a:r>
+            <a:r>
+              <a:rPr lang="en" sz="2300"/>
+              <a:t> as an alternative input</a:t>
+            </a:r>
+            <a:endParaRPr sz="2300"/>
+          </a:p>
+          <a:p>
+            <a:pPr indent="-374650" lvl="1" marL="914400" rtl="0" algn="l">
+              <a:lnSpc>
+                <a:spcPct val="150000"/>
+              </a:lnSpc>
+              <a:spcBef>
+                <a:spcPts val="0"/>
+              </a:spcBef>
+              <a:spcAft>
+                <a:spcPts val="0"/>
+              </a:spcAft>
+              <a:buSzPts val="2300"/>
+              <a:buChar char="–"/>
+            </a:pPr>
+            <a:r>
+              <a:rPr lang="en" sz="2300"/>
+              <a:t>Implementing </a:t>
+            </a:r>
+            <a:r>
+              <a:rPr b="1" lang="en" sz="2300"/>
+              <a:t>Random Number Generators </a:t>
+            </a:r>
+            <a:endParaRPr b="1" sz="2300"/>
+          </a:p>
+          <a:p>
+            <a:pPr indent="-374650" lvl="1" marL="914400" rtl="0" algn="l">
+              <a:lnSpc>
+                <a:spcPct val="150000"/>
+              </a:lnSpc>
+              <a:spcBef>
+                <a:spcPts val="0"/>
+              </a:spcBef>
+              <a:spcAft>
+                <a:spcPts val="0"/>
+              </a:spcAft>
+              <a:buSzPts val="2300"/>
+              <a:buChar char="–"/>
+            </a:pPr>
+            <a:r>
+              <a:rPr lang="en" sz="2300"/>
+              <a:t>Creating </a:t>
+            </a:r>
+            <a:r>
+              <a:rPr b="1" lang="en" sz="2300"/>
+              <a:t>VGA Modules </a:t>
+            </a:r>
+            <a:r>
+              <a:rPr lang="en" sz="2300"/>
+              <a:t>to load and display bitmap data</a:t>
+            </a:r>
+            <a:endParaRPr sz="2300"/>
           </a:p>
         </p:txBody>
       </p:sp>
@@ -18693,339 +18570,6 @@
           <p:cNvPr id="301" name="Google Shape;301;p42"/>
           <p:cNvSpPr txBox="1"/>
           <p:nvPr>
-            <p:ph type="title"/>
-          </p:nvPr>
-        </p:nvSpPr>
-        <p:spPr>
-          <a:xfrm>
-            <a:off x="311700" y="445025"/>
-            <a:ext cx="8520600" cy="572700"/>
-          </a:xfrm>
-          <a:prstGeom prst="rect">
-            <a:avLst/>
-          </a:prstGeom>
-        </p:spPr>
-        <p:txBody>
-          <a:bodyPr anchorCtr="0" anchor="ctr" bIns="22850" lIns="45725" spcFirstLastPara="1" rIns="45725" wrap="square" tIns="22850">
-            <a:normAutofit/>
-          </a:bodyPr>
-          <a:lstStyle/>
-          <a:p>
-            <a:pPr indent="0" lvl="0" marL="0" rtl="0" algn="ctr">
-              <a:spcBef>
-                <a:spcPts val="0"/>
-              </a:spcBef>
-              <a:spcAft>
-                <a:spcPts val="0"/>
-              </a:spcAft>
-              <a:buNone/>
-            </a:pPr>
-            <a:r>
-              <a:rPr lang="en" sz="3000">
-                <a:solidFill>
-                  <a:schemeClr val="dk2"/>
-                </a:solidFill>
-              </a:rPr>
-              <a:t>Next Steps…</a:t>
-            </a:r>
-            <a:endParaRPr/>
-          </a:p>
-        </p:txBody>
-      </p:sp>
-      <p:sp>
-        <p:nvSpPr>
-          <p:cNvPr id="302" name="Google Shape;302;p42"/>
-          <p:cNvSpPr txBox="1"/>
-          <p:nvPr>
-            <p:ph idx="1" type="body"/>
-          </p:nvPr>
-        </p:nvSpPr>
-        <p:spPr>
-          <a:xfrm>
-            <a:off x="311700" y="1152475"/>
-            <a:ext cx="8520600" cy="3416400"/>
-          </a:xfrm>
-          <a:prstGeom prst="rect">
-            <a:avLst/>
-          </a:prstGeom>
-        </p:spPr>
-        <p:txBody>
-          <a:bodyPr anchorCtr="0" anchor="t" bIns="22850" lIns="45725" spcFirstLastPara="1" rIns="45725" wrap="square" tIns="22850">
-            <a:noAutofit/>
-          </a:bodyPr>
-          <a:lstStyle/>
-          <a:p>
-            <a:pPr indent="-374650" lvl="0" marL="457200" rtl="0" algn="l">
-              <a:lnSpc>
-                <a:spcPct val="150000"/>
-              </a:lnSpc>
-              <a:spcBef>
-                <a:spcPts val="300"/>
-              </a:spcBef>
-              <a:spcAft>
-                <a:spcPts val="0"/>
-              </a:spcAft>
-              <a:buSzPts val="2300"/>
-              <a:buChar char="•"/>
-            </a:pPr>
-            <a:r>
-              <a:rPr lang="en" sz="2300"/>
-              <a:t>Expanding Core Game Logic → playing with more than one mole</a:t>
-            </a:r>
-            <a:endParaRPr sz="2300"/>
-          </a:p>
-          <a:p>
-            <a:pPr indent="-374650" lvl="0" marL="457200" rtl="0" algn="l">
-              <a:lnSpc>
-                <a:spcPct val="150000"/>
-              </a:lnSpc>
-              <a:spcBef>
-                <a:spcPts val="0"/>
-              </a:spcBef>
-              <a:spcAft>
-                <a:spcPts val="0"/>
-              </a:spcAft>
-              <a:buSzPts val="2300"/>
-              <a:buChar char="•"/>
-            </a:pPr>
-            <a:r>
-              <a:rPr lang="en" sz="2300"/>
-              <a:t>Tying the separate modules together: </a:t>
-            </a:r>
-            <a:endParaRPr sz="2300"/>
-          </a:p>
-          <a:p>
-            <a:pPr indent="-374650" lvl="1" marL="914400" rtl="0" algn="l">
-              <a:lnSpc>
-                <a:spcPct val="150000"/>
-              </a:lnSpc>
-              <a:spcBef>
-                <a:spcPts val="0"/>
-              </a:spcBef>
-              <a:spcAft>
-                <a:spcPts val="0"/>
-              </a:spcAft>
-              <a:buSzPts val="2300"/>
-              <a:buChar char="–"/>
-            </a:pPr>
-            <a:r>
-              <a:rPr lang="en" sz="2300"/>
-              <a:t>Connecting the </a:t>
-            </a:r>
-            <a:r>
-              <a:rPr b="1" lang="en" sz="2300"/>
-              <a:t>Accelerometer</a:t>
-            </a:r>
-            <a:r>
-              <a:rPr lang="en" sz="2300"/>
-              <a:t> as an alternative input</a:t>
-            </a:r>
-            <a:endParaRPr sz="2300"/>
-          </a:p>
-          <a:p>
-            <a:pPr indent="-374650" lvl="1" marL="914400" rtl="0" algn="l">
-              <a:lnSpc>
-                <a:spcPct val="150000"/>
-              </a:lnSpc>
-              <a:spcBef>
-                <a:spcPts val="0"/>
-              </a:spcBef>
-              <a:spcAft>
-                <a:spcPts val="0"/>
-              </a:spcAft>
-              <a:buSzPts val="2300"/>
-              <a:buChar char="–"/>
-            </a:pPr>
-            <a:r>
-              <a:rPr lang="en" sz="2300"/>
-              <a:t>Implementing </a:t>
-            </a:r>
-            <a:r>
-              <a:rPr b="1" lang="en" sz="2300"/>
-              <a:t>Random Number Generators </a:t>
-            </a:r>
-            <a:endParaRPr b="1" sz="2300"/>
-          </a:p>
-          <a:p>
-            <a:pPr indent="-374650" lvl="1" marL="914400" rtl="0" algn="l">
-              <a:lnSpc>
-                <a:spcPct val="150000"/>
-              </a:lnSpc>
-              <a:spcBef>
-                <a:spcPts val="0"/>
-              </a:spcBef>
-              <a:spcAft>
-                <a:spcPts val="0"/>
-              </a:spcAft>
-              <a:buSzPts val="2300"/>
-              <a:buChar char="–"/>
-            </a:pPr>
-            <a:r>
-              <a:rPr lang="en" sz="2300"/>
-              <a:t>Creating </a:t>
-            </a:r>
-            <a:r>
-              <a:rPr b="1" lang="en" sz="2300"/>
-              <a:t>VGA Modules </a:t>
-            </a:r>
-            <a:r>
-              <a:rPr lang="en" sz="2300"/>
-              <a:t>to load and display bitmap data</a:t>
-            </a:r>
-            <a:endParaRPr sz="2300"/>
-          </a:p>
-        </p:txBody>
-      </p:sp>
-    </p:spTree>
-  </p:cSld>
-  <p:clrMapOvr>
-    <a:masterClrMapping/>
-  </p:clrMapOvr>
-</p:sld>
-</file>
-
-<file path=ppt/slides/slide3.xml><?xml version="1.0" encoding="utf-8"?>
-<p:sld xmlns:a="http://schemas.openxmlformats.org/drawingml/2006/main" xmlns:r="http://schemas.openxmlformats.org/officeDocument/2006/relationships" xmlns:mc="http://schemas.openxmlformats.org/markup-compatibility/2006" xmlns:mv="urn:schemas-microsoft-com:mac:vml" xmlns:p="http://schemas.openxmlformats.org/presentationml/2006/main" xmlns:c="http://schemas.openxmlformats.org/drawingml/2006/chart" xmlns:dgm="http://schemas.openxmlformats.org/drawingml/2006/diagram" xmlns:o="urn:schemas-microsoft-com:office:office" xmlns:v="urn:schemas-microsoft-com:vml" xmlns:pvml="urn:schemas-microsoft-com:office:powerpoint" xmlns:com="http://schemas.openxmlformats.org/drawingml/2006/compatibility" xmlns:p14="http://schemas.microsoft.com/office/powerpoint/2010/main" xmlns:p15="http://schemas.microsoft.com/office/powerpoint/2012/main" xmlns:ahyp="http://schemas.microsoft.com/office/drawing/2018/hyperlinkcolor">
-  <p:cSld>
-    <p:spTree>
-      <p:nvGrpSpPr>
-        <p:cNvPr id="100" name="Shape 100"/>
-        <p:cNvGrpSpPr/>
-        <p:nvPr/>
-      </p:nvGrpSpPr>
-      <p:grpSpPr>
-        <a:xfrm>
-          <a:off x="0" y="0"/>
-          <a:ext cx="0" cy="0"/>
-          <a:chOff x="0" y="0"/>
-          <a:chExt cx="0" cy="0"/>
-        </a:xfrm>
-      </p:grpSpPr>
-      <p:sp>
-        <p:nvSpPr>
-          <p:cNvPr id="101" name="Google Shape;101;p16"/>
-          <p:cNvSpPr txBox="1"/>
-          <p:nvPr>
-            <p:ph idx="1" type="body"/>
-          </p:nvPr>
-        </p:nvSpPr>
-        <p:spPr>
-          <a:xfrm>
-            <a:off x="311700" y="276175"/>
-            <a:ext cx="8520600" cy="3416400"/>
-          </a:xfrm>
-          <a:prstGeom prst="rect">
-            <a:avLst/>
-          </a:prstGeom>
-        </p:spPr>
-        <p:txBody>
-          <a:bodyPr anchorCtr="0" anchor="t" bIns="22850" lIns="45725" spcFirstLastPara="1" rIns="45725" wrap="square" tIns="22850">
-            <a:normAutofit/>
-          </a:bodyPr>
-          <a:lstStyle/>
-          <a:p>
-            <a:pPr indent="0" lvl="0" marL="0" rtl="0" algn="ctr">
-              <a:spcBef>
-                <a:spcPts val="300"/>
-              </a:spcBef>
-              <a:spcAft>
-                <a:spcPts val="0"/>
-              </a:spcAft>
-              <a:buNone/>
-            </a:pPr>
-            <a:r>
-              <a:rPr b="1" lang="en" sz="3000"/>
-              <a:t>We made Whack-a-Mole on an FPGA. Someone could use this as entertainment…</a:t>
-            </a:r>
-            <a:endParaRPr b="1" sz="3000"/>
-          </a:p>
-        </p:txBody>
-      </p:sp>
-      <p:pic>
-        <p:nvPicPr>
-          <p:cNvPr id="102" name="Google Shape;102;p16"/>
-          <p:cNvPicPr preferRelativeResize="0"/>
-          <p:nvPr/>
-        </p:nvPicPr>
-        <p:blipFill>
-          <a:blip r:embed="rId3">
-            <a:alphaModFix/>
-          </a:blip>
-          <a:stretch>
-            <a:fillRect/>
-          </a:stretch>
-        </p:blipFill>
-        <p:spPr>
-          <a:xfrm>
-            <a:off x="311700" y="1773025"/>
-            <a:ext cx="4914900" cy="2894225"/>
-          </a:xfrm>
-          <a:prstGeom prst="rect">
-            <a:avLst/>
-          </a:prstGeom>
-          <a:noFill/>
-          <a:ln>
-            <a:noFill/>
-          </a:ln>
-        </p:spPr>
-      </p:pic>
-      <p:pic>
-        <p:nvPicPr>
-          <p:cNvPr id="103" name="Google Shape;103;p16"/>
-          <p:cNvPicPr preferRelativeResize="0"/>
-          <p:nvPr/>
-        </p:nvPicPr>
-        <p:blipFill rotWithShape="1">
-          <a:blip r:embed="rId4">
-            <a:alphaModFix/>
-          </a:blip>
-          <a:srcRect b="0" l="2453" r="2444" t="0"/>
-          <a:stretch/>
-        </p:blipFill>
-        <p:spPr>
-          <a:xfrm>
-            <a:off x="5486425" y="1676400"/>
-            <a:ext cx="3224250" cy="1898650"/>
-          </a:xfrm>
-          <a:prstGeom prst="rect">
-            <a:avLst/>
-          </a:prstGeom>
-          <a:noFill/>
-          <a:ln>
-            <a:noFill/>
-          </a:ln>
-        </p:spPr>
-      </p:pic>
-    </p:spTree>
-  </p:cSld>
-  <p:clrMapOvr>
-    <a:masterClrMapping/>
-  </p:clrMapOvr>
-</p:sld>
-</file>
-
-<file path=ppt/slides/slide30.xml><?xml version="1.0" encoding="utf-8"?>
-<p:sld xmlns:a="http://schemas.openxmlformats.org/drawingml/2006/main" xmlns:r="http://schemas.openxmlformats.org/officeDocument/2006/relationships" xmlns:mc="http://schemas.openxmlformats.org/markup-compatibility/2006" xmlns:mv="urn:schemas-microsoft-com:mac:vml" xmlns:p="http://schemas.openxmlformats.org/presentationml/2006/main" xmlns:c="http://schemas.openxmlformats.org/drawingml/2006/chart" xmlns:dgm="http://schemas.openxmlformats.org/drawingml/2006/diagram" xmlns:o="urn:schemas-microsoft-com:office:office" xmlns:v="urn:schemas-microsoft-com:vml" xmlns:pvml="urn:schemas-microsoft-com:office:powerpoint" xmlns:com="http://schemas.openxmlformats.org/drawingml/2006/compatibility" xmlns:p14="http://schemas.microsoft.com/office/powerpoint/2010/main" xmlns:p15="http://schemas.microsoft.com/office/powerpoint/2012/main" xmlns:ahyp="http://schemas.microsoft.com/office/drawing/2018/hyperlinkcolor">
-  <p:cSld>
-    <p:spTree>
-      <p:nvGrpSpPr>
-        <p:cNvPr id="306" name="Shape 306"/>
-        <p:cNvGrpSpPr/>
-        <p:nvPr/>
-      </p:nvGrpSpPr>
-      <p:grpSpPr>
-        <a:xfrm>
-          <a:off x="0" y="0"/>
-          <a:ext cx="0" cy="0"/>
-          <a:chOff x="0" y="0"/>
-          <a:chExt cx="0" cy="0"/>
-        </a:xfrm>
-      </p:grpSpPr>
-      <p:sp>
-        <p:nvSpPr>
-          <p:cNvPr id="307" name="Google Shape;307;p43"/>
-          <p:cNvSpPr txBox="1"/>
-          <p:nvPr>
             <p:ph idx="1" type="body"/>
           </p:nvPr>
         </p:nvSpPr>
@@ -19100,12 +18644,12 @@
 </p:sld>
 </file>
 
-<file path=ppt/slides/slide4.xml><?xml version="1.0" encoding="utf-8"?>
+<file path=ppt/slides/slide3.xml><?xml version="1.0" encoding="utf-8"?>
 <p:sld xmlns:a="http://schemas.openxmlformats.org/drawingml/2006/main" xmlns:r="http://schemas.openxmlformats.org/officeDocument/2006/relationships" xmlns:mc="http://schemas.openxmlformats.org/markup-compatibility/2006" xmlns:mv="urn:schemas-microsoft-com:mac:vml" xmlns:p="http://schemas.openxmlformats.org/presentationml/2006/main" xmlns:c="http://schemas.openxmlformats.org/drawingml/2006/chart" xmlns:dgm="http://schemas.openxmlformats.org/drawingml/2006/diagram" xmlns:o="urn:schemas-microsoft-com:office:office" xmlns:v="urn:schemas-microsoft-com:vml" xmlns:pvml="urn:schemas-microsoft-com:office:powerpoint" xmlns:com="http://schemas.openxmlformats.org/drawingml/2006/compatibility" xmlns:p14="http://schemas.microsoft.com/office/powerpoint/2010/main" xmlns:p15="http://schemas.microsoft.com/office/powerpoint/2012/main" xmlns:ahyp="http://schemas.microsoft.com/office/drawing/2018/hyperlinkcolor">
   <p:cSld>
     <p:spTree>
       <p:nvGrpSpPr>
-        <p:cNvPr id="107" name="Shape 107"/>
+        <p:cNvPr id="101" name="Shape 101"/>
         <p:cNvGrpSpPr/>
         <p:nvPr/>
       </p:nvGrpSpPr>
@@ -19119,7 +18663,7 @@
       </p:grpSpPr>
       <p:sp>
         <p:nvSpPr>
-          <p:cNvPr id="108" name="Google Shape;108;p17"/>
+          <p:cNvPr id="102" name="Google Shape;102;p16"/>
           <p:cNvSpPr txBox="1"/>
           <p:nvPr>
             <p:ph idx="1" type="body"/>
@@ -19174,7 +18718,7 @@
       </p:sp>
       <p:pic>
         <p:nvPicPr>
-          <p:cNvPr id="109" name="Google Shape;109;p17"/>
+          <p:cNvPr id="103" name="Google Shape;103;p16"/>
           <p:cNvPicPr preferRelativeResize="0"/>
           <p:nvPr/>
         </p:nvPicPr>
@@ -19202,7 +18746,7 @@
       </p:pic>
       <p:pic>
         <p:nvPicPr>
-          <p:cNvPr id="110" name="Google Shape;110;p17"/>
+          <p:cNvPr id="104" name="Google Shape;104;p16"/>
           <p:cNvPicPr preferRelativeResize="0"/>
           <p:nvPr/>
         </p:nvPicPr>
@@ -19236,12 +18780,12 @@
 </p:sld>
 </file>
 
-<file path=ppt/slides/slide5.xml><?xml version="1.0" encoding="utf-8"?>
+<file path=ppt/slides/slide4.xml><?xml version="1.0" encoding="utf-8"?>
 <p:sld xmlns:a="http://schemas.openxmlformats.org/drawingml/2006/main" xmlns:r="http://schemas.openxmlformats.org/officeDocument/2006/relationships" xmlns:mc="http://schemas.openxmlformats.org/markup-compatibility/2006" xmlns:mv="urn:schemas-microsoft-com:mac:vml" xmlns:p="http://schemas.openxmlformats.org/presentationml/2006/main" xmlns:c="http://schemas.openxmlformats.org/drawingml/2006/chart" xmlns:dgm="http://schemas.openxmlformats.org/drawingml/2006/diagram" xmlns:o="urn:schemas-microsoft-com:office:office" xmlns:v="urn:schemas-microsoft-com:vml" xmlns:pvml="urn:schemas-microsoft-com:office:powerpoint" xmlns:com="http://schemas.openxmlformats.org/drawingml/2006/compatibility" xmlns:p14="http://schemas.microsoft.com/office/powerpoint/2010/main" xmlns:p15="http://schemas.microsoft.com/office/powerpoint/2012/main" xmlns:ahyp="http://schemas.microsoft.com/office/drawing/2018/hyperlinkcolor">
   <p:cSld>
     <p:spTree>
       <p:nvGrpSpPr>
-        <p:cNvPr id="114" name="Shape 114"/>
+        <p:cNvPr id="108" name="Shape 108"/>
         <p:cNvGrpSpPr/>
         <p:nvPr/>
       </p:nvGrpSpPr>
@@ -19255,7 +18799,7 @@
       </p:grpSpPr>
       <p:sp>
         <p:nvSpPr>
-          <p:cNvPr id="115" name="Google Shape;115;p18"/>
+          <p:cNvPr id="109" name="Google Shape;109;p17"/>
           <p:cNvSpPr txBox="1"/>
           <p:nvPr>
             <p:ph idx="1" type="body"/>
@@ -19317,7 +18861,7 @@
 </p:sld>
 </file>
 
-<file path=ppt/slides/slide6.xml><?xml version="1.0" encoding="utf-8"?>
+<file path=ppt/slides/slide5.xml><?xml version="1.0" encoding="utf-8"?>
 <p:sld xmlns:a="http://schemas.openxmlformats.org/drawingml/2006/main" xmlns:r="http://schemas.openxmlformats.org/officeDocument/2006/relationships" xmlns:mc="http://schemas.openxmlformats.org/markup-compatibility/2006" xmlns:mv="urn:schemas-microsoft-com:mac:vml" xmlns:p="http://schemas.openxmlformats.org/presentationml/2006/main" xmlns:c="http://schemas.openxmlformats.org/drawingml/2006/chart" xmlns:dgm="http://schemas.openxmlformats.org/drawingml/2006/diagram" xmlns:o="urn:schemas-microsoft-com:office:office" xmlns:v="urn:schemas-microsoft-com:vml" xmlns:pvml="urn:schemas-microsoft-com:office:powerpoint" xmlns:com="http://schemas.openxmlformats.org/drawingml/2006/compatibility" xmlns:p14="http://schemas.microsoft.com/office/powerpoint/2010/main" xmlns:p15="http://schemas.microsoft.com/office/powerpoint/2012/main" xmlns:ahyp="http://schemas.microsoft.com/office/drawing/2018/hyperlinkcolor">
   <p:cSld>
     <p:bg>
@@ -19329,7 +18873,7 @@
     </p:bg>
     <p:spTree>
       <p:nvGrpSpPr>
-        <p:cNvPr id="119" name="Shape 119"/>
+        <p:cNvPr id="113" name="Shape 113"/>
         <p:cNvGrpSpPr/>
         <p:nvPr/>
       </p:nvGrpSpPr>
@@ -19343,7 +18887,7 @@
       </p:grpSpPr>
       <p:pic>
         <p:nvPicPr>
-          <p:cNvPr id="120" name="Google Shape;120;p19"/>
+          <p:cNvPr id="114" name="Google Shape;114;p18"/>
           <p:cNvPicPr preferRelativeResize="0"/>
           <p:nvPr/>
         </p:nvPicPr>
@@ -19369,6 +18913,71 @@
           </a:ln>
         </p:spPr>
       </p:pic>
+    </p:spTree>
+  </p:cSld>
+  <p:clrMapOvr>
+    <a:masterClrMapping/>
+  </p:clrMapOvr>
+</p:sld>
+</file>
+
+<file path=ppt/slides/slide6.xml><?xml version="1.0" encoding="utf-8"?>
+<p:sld xmlns:a="http://schemas.openxmlformats.org/drawingml/2006/main" xmlns:r="http://schemas.openxmlformats.org/officeDocument/2006/relationships" xmlns:mc="http://schemas.openxmlformats.org/markup-compatibility/2006" xmlns:mv="urn:schemas-microsoft-com:mac:vml" xmlns:p="http://schemas.openxmlformats.org/presentationml/2006/main" xmlns:c="http://schemas.openxmlformats.org/drawingml/2006/chart" xmlns:dgm="http://schemas.openxmlformats.org/drawingml/2006/diagram" xmlns:o="urn:schemas-microsoft-com:office:office" xmlns:v="urn:schemas-microsoft-com:vml" xmlns:pvml="urn:schemas-microsoft-com:office:powerpoint" xmlns:com="http://schemas.openxmlformats.org/drawingml/2006/compatibility" xmlns:p14="http://schemas.microsoft.com/office/powerpoint/2010/main" xmlns:p15="http://schemas.microsoft.com/office/powerpoint/2012/main" xmlns:ahyp="http://schemas.microsoft.com/office/drawing/2018/hyperlinkcolor">
+  <p:cSld>
+    <p:spTree>
+      <p:nvGrpSpPr>
+        <p:cNvPr id="118" name="Shape 118"/>
+        <p:cNvGrpSpPr/>
+        <p:nvPr/>
+      </p:nvGrpSpPr>
+      <p:grpSpPr>
+        <a:xfrm>
+          <a:off x="0" y="0"/>
+          <a:ext cx="0" cy="0"/>
+          <a:chOff x="0" y="0"/>
+          <a:chExt cx="0" cy="0"/>
+        </a:xfrm>
+      </p:grpSpPr>
+      <p:sp>
+        <p:nvSpPr>
+          <p:cNvPr id="119" name="Google Shape;119;p19"/>
+          <p:cNvSpPr txBox="1"/>
+          <p:nvPr>
+            <p:ph idx="1" type="body"/>
+          </p:nvPr>
+        </p:nvSpPr>
+        <p:spPr>
+          <a:xfrm>
+            <a:off x="311700" y="2146950"/>
+            <a:ext cx="8520600" cy="849600"/>
+          </a:xfrm>
+          <a:prstGeom prst="rect">
+            <a:avLst/>
+          </a:prstGeom>
+        </p:spPr>
+        <p:txBody>
+          <a:bodyPr anchorCtr="0" anchor="t" bIns="22850" lIns="45725" spcFirstLastPara="1" rIns="45725" wrap="square" tIns="22850">
+            <a:normAutofit/>
+          </a:bodyPr>
+          <a:lstStyle/>
+          <a:p>
+            <a:pPr indent="0" lvl="0" marL="0" rtl="0" algn="ctr">
+              <a:spcBef>
+                <a:spcPts val="300"/>
+              </a:spcBef>
+              <a:spcAft>
+                <a:spcPts val="0"/>
+              </a:spcAft>
+              <a:buNone/>
+            </a:pPr>
+            <a:r>
+              <a:rPr lang="en" sz="4600"/>
+              <a:t>Also, some box-art…</a:t>
+            </a:r>
+            <a:endParaRPr b="1" sz="4600"/>
+          </a:p>
+        </p:txBody>
+      </p:sp>
     </p:spTree>
   </p:cSld>
   <p:clrMapOvr>
@@ -19382,7 +18991,7 @@
   <p:cSld>
     <p:spTree>
       <p:nvGrpSpPr>
-        <p:cNvPr id="124" name="Shape 124"/>
+        <p:cNvPr id="123" name="Shape 123"/>
         <p:cNvGrpSpPr/>
         <p:nvPr/>
       </p:nvGrpSpPr>
@@ -19394,46 +19003,61 @@
           <a:chExt cx="0" cy="0"/>
         </a:xfrm>
       </p:grpSpPr>
-      <p:sp>
-        <p:nvSpPr>
-          <p:cNvPr id="125" name="Google Shape;125;p20"/>
-          <p:cNvSpPr txBox="1"/>
-          <p:nvPr>
-            <p:ph idx="1" type="body"/>
-          </p:nvPr>
-        </p:nvSpPr>
-        <p:spPr>
-          <a:xfrm>
-            <a:off x="311700" y="2146950"/>
-            <a:ext cx="8520600" cy="849600"/>
+      <p:pic>
+        <p:nvPicPr>
+          <p:cNvPr id="124" name="Google Shape;124;p20"/>
+          <p:cNvPicPr preferRelativeResize="0"/>
+          <p:nvPr/>
+        </p:nvPicPr>
+        <p:blipFill>
+          <a:blip r:embed="rId3">
+            <a:alphaModFix/>
+          </a:blip>
+          <a:stretch>
+            <a:fillRect/>
+          </a:stretch>
+        </p:blipFill>
+        <p:spPr>
+          <a:xfrm>
+            <a:off x="381000" y="886875"/>
+            <a:ext cx="3891075" cy="3369750"/>
           </a:xfrm>
           <a:prstGeom prst="rect">
             <a:avLst/>
           </a:prstGeom>
-        </p:spPr>
-        <p:txBody>
-          <a:bodyPr anchorCtr="0" anchor="t" bIns="22850" lIns="45725" spcFirstLastPara="1" rIns="45725" wrap="square" tIns="22850">
-            <a:normAutofit/>
-          </a:bodyPr>
-          <a:lstStyle/>
-          <a:p>
-            <a:pPr indent="0" lvl="0" marL="0" rtl="0" algn="ctr">
-              <a:spcBef>
-                <a:spcPts val="300"/>
-              </a:spcBef>
-              <a:spcAft>
-                <a:spcPts val="0"/>
-              </a:spcAft>
-              <a:buNone/>
-            </a:pPr>
-            <a:r>
-              <a:rPr lang="en" sz="4600"/>
-              <a:t>Also, some box-art…</a:t>
-            </a:r>
-            <a:endParaRPr b="1" sz="4600"/>
-          </a:p>
-        </p:txBody>
-      </p:sp>
+          <a:noFill/>
+          <a:ln>
+            <a:noFill/>
+          </a:ln>
+        </p:spPr>
+      </p:pic>
+      <p:pic>
+        <p:nvPicPr>
+          <p:cNvPr id="125" name="Google Shape;125;p20"/>
+          <p:cNvPicPr preferRelativeResize="0"/>
+          <p:nvPr/>
+        </p:nvPicPr>
+        <p:blipFill rotWithShape="1">
+          <a:blip r:embed="rId4">
+            <a:alphaModFix/>
+          </a:blip>
+          <a:srcRect b="0" l="0" r="0" t="0"/>
+          <a:stretch/>
+        </p:blipFill>
+        <p:spPr>
+          <a:xfrm>
+            <a:off x="4934525" y="886875"/>
+            <a:ext cx="3891078" cy="3369750"/>
+          </a:xfrm>
+          <a:prstGeom prst="rect">
+            <a:avLst/>
+          </a:prstGeom>
+          <a:noFill/>
+          <a:ln>
+            <a:noFill/>
+          </a:ln>
+        </p:spPr>
+      </p:pic>
     </p:spTree>
   </p:cSld>
   <p:clrMapOvr>
@@ -19459,61 +19083,186 @@
           <a:chExt cx="0" cy="0"/>
         </a:xfrm>
       </p:grpSpPr>
-      <p:pic>
-        <p:nvPicPr>
+      <p:sp>
+        <p:nvSpPr>
           <p:cNvPr id="130" name="Google Shape;130;p21"/>
-          <p:cNvPicPr preferRelativeResize="0"/>
-          <p:nvPr/>
-        </p:nvPicPr>
-        <p:blipFill>
-          <a:blip r:embed="rId3">
-            <a:alphaModFix/>
-          </a:blip>
-          <a:stretch>
-            <a:fillRect/>
-          </a:stretch>
-        </p:blipFill>
-        <p:spPr>
-          <a:xfrm>
-            <a:off x="381000" y="886875"/>
-            <a:ext cx="3891075" cy="3369750"/>
+          <p:cNvSpPr txBox="1"/>
+          <p:nvPr>
+            <p:ph type="title"/>
+          </p:nvPr>
+        </p:nvSpPr>
+        <p:spPr>
+          <a:xfrm>
+            <a:off x="311700" y="445025"/>
+            <a:ext cx="8520600" cy="572700"/>
           </a:xfrm>
           <a:prstGeom prst="rect">
             <a:avLst/>
           </a:prstGeom>
-          <a:noFill/>
-          <a:ln>
-            <a:noFill/>
-          </a:ln>
-        </p:spPr>
-      </p:pic>
-      <p:pic>
-        <p:nvPicPr>
+        </p:spPr>
+        <p:txBody>
+          <a:bodyPr anchorCtr="0" anchor="ctr" bIns="22850" lIns="45725" spcFirstLastPara="1" rIns="45725" wrap="square" tIns="22850">
+            <a:noAutofit/>
+          </a:bodyPr>
+          <a:lstStyle/>
+          <a:p>
+            <a:pPr indent="0" lvl="0" marL="0" rtl="0" algn="ctr">
+              <a:spcBef>
+                <a:spcPts val="0"/>
+              </a:spcBef>
+              <a:spcAft>
+                <a:spcPts val="0"/>
+              </a:spcAft>
+              <a:buNone/>
+            </a:pPr>
+            <a:r>
+              <a:rPr lang="en" sz="3000"/>
+              <a:t>Specifications:</a:t>
+            </a:r>
+            <a:endParaRPr sz="3000"/>
+          </a:p>
+          <a:p>
+            <a:pPr indent="0" lvl="0" marL="0" rtl="0" algn="ctr">
+              <a:spcBef>
+                <a:spcPts val="0"/>
+              </a:spcBef>
+              <a:spcAft>
+                <a:spcPts val="0"/>
+              </a:spcAft>
+              <a:buNone/>
+            </a:pPr>
+            <a:r>
+              <a:rPr b="1" lang="en" sz="3000"/>
+              <a:t>Requirements and Constraints</a:t>
+            </a:r>
+            <a:endParaRPr b="1" sz="3000"/>
+          </a:p>
+        </p:txBody>
+      </p:sp>
+      <p:sp>
+        <p:nvSpPr>
           <p:cNvPr id="131" name="Google Shape;131;p21"/>
-          <p:cNvPicPr preferRelativeResize="0"/>
-          <p:nvPr/>
-        </p:nvPicPr>
-        <p:blipFill rotWithShape="1">
-          <a:blip r:embed="rId4">
-            <a:alphaModFix/>
-          </a:blip>
-          <a:srcRect b="0" l="0" r="0" t="0"/>
-          <a:stretch/>
-        </p:blipFill>
-        <p:spPr>
-          <a:xfrm>
-            <a:off x="4934525" y="886875"/>
-            <a:ext cx="3891078" cy="3369750"/>
+          <p:cNvSpPr txBox="1"/>
+          <p:nvPr>
+            <p:ph idx="1" type="body"/>
+          </p:nvPr>
+        </p:nvSpPr>
+        <p:spPr>
+          <a:xfrm>
+            <a:off x="311700" y="1656075"/>
+            <a:ext cx="8520600" cy="2912700"/>
           </a:xfrm>
           <a:prstGeom prst="rect">
             <a:avLst/>
           </a:prstGeom>
-          <a:noFill/>
-          <a:ln>
-            <a:noFill/>
-          </a:ln>
-        </p:spPr>
-      </p:pic>
+        </p:spPr>
+        <p:txBody>
+          <a:bodyPr anchorCtr="0" anchor="t" bIns="22850" lIns="45725" spcFirstLastPara="1" rIns="45725" wrap="square" tIns="22850">
+            <a:normAutofit/>
+          </a:bodyPr>
+          <a:lstStyle/>
+          <a:p>
+            <a:pPr indent="-342900" lvl="0" marL="457200" rtl="0" algn="l">
+              <a:lnSpc>
+                <a:spcPct val="200000"/>
+              </a:lnSpc>
+              <a:spcBef>
+                <a:spcPts val="300"/>
+              </a:spcBef>
+              <a:spcAft>
+                <a:spcPts val="0"/>
+              </a:spcAft>
+              <a:buSzPts val="1800"/>
+              <a:buChar char="•"/>
+            </a:pPr>
+            <a:r>
+              <a:rPr lang="en" sz="1800"/>
+              <a:t>Implement a </a:t>
+            </a:r>
+            <a:r>
+              <a:rPr b="1" lang="en" sz="1800"/>
+              <a:t>Random Number Generator</a:t>
+            </a:r>
+            <a:r>
+              <a:rPr lang="en" sz="1800"/>
+              <a:t> to set t</a:t>
+            </a:r>
+            <a:r>
+              <a:rPr lang="en" sz="1800"/>
+              <a:t>ime between mole appearances between 1-3 seconds with variability</a:t>
+            </a:r>
+            <a:endParaRPr sz="1800"/>
+          </a:p>
+          <a:p>
+            <a:pPr indent="-342900" lvl="0" marL="457200" rtl="0" algn="l">
+              <a:lnSpc>
+                <a:spcPct val="200000"/>
+              </a:lnSpc>
+              <a:spcBef>
+                <a:spcPts val="0"/>
+              </a:spcBef>
+              <a:spcAft>
+                <a:spcPts val="0"/>
+              </a:spcAft>
+              <a:buSzPts val="1800"/>
+              <a:buChar char="•"/>
+            </a:pPr>
+            <a:r>
+              <a:rPr lang="en" sz="1800"/>
+              <a:t>1 second window to hit mole for points, </a:t>
+            </a:r>
+            <a:r>
+              <a:rPr b="1" lang="en" sz="1800"/>
+              <a:t>decreasing </a:t>
+            </a:r>
+            <a:r>
+              <a:rPr lang="en" sz="1800"/>
+              <a:t>with score</a:t>
+            </a:r>
+            <a:endParaRPr sz="1800"/>
+          </a:p>
+          <a:p>
+            <a:pPr indent="-342900" lvl="0" marL="457200" rtl="0" algn="l">
+              <a:lnSpc>
+                <a:spcPct val="200000"/>
+              </a:lnSpc>
+              <a:spcBef>
+                <a:spcPts val="0"/>
+              </a:spcBef>
+              <a:spcAft>
+                <a:spcPts val="0"/>
+              </a:spcAft>
+              <a:buSzPts val="1800"/>
+              <a:buChar char="•"/>
+            </a:pPr>
+            <a:r>
+              <a:rPr lang="en" sz="1800"/>
+              <a:t>1:1 “whack” (via button/motion) per mole</a:t>
+            </a:r>
+            <a:endParaRPr sz="1800"/>
+          </a:p>
+          <a:p>
+            <a:pPr indent="-342900" lvl="0" marL="457200" rtl="0" algn="l">
+              <a:lnSpc>
+                <a:spcPct val="200000"/>
+              </a:lnSpc>
+              <a:spcBef>
+                <a:spcPts val="0"/>
+              </a:spcBef>
+              <a:spcAft>
+                <a:spcPts val="0"/>
+              </a:spcAft>
+              <a:buSzPts val="1800"/>
+              <a:buChar char="•"/>
+            </a:pPr>
+            <a:r>
+              <a:rPr lang="en" sz="1800"/>
+              <a:t>Reset Switch for resetting statistics (e.g. lives, score)</a:t>
+            </a:r>
+            <a:endParaRPr sz="1800"/>
+          </a:p>
+        </p:txBody>
+      </p:sp>
     </p:spTree>
   </p:cSld>
   <p:clrMapOvr>
@@ -19544,69 +19293,13 @@
           <p:cNvPr id="136" name="Google Shape;136;p22"/>
           <p:cNvSpPr txBox="1"/>
           <p:nvPr>
-            <p:ph type="title"/>
-          </p:nvPr>
-        </p:nvSpPr>
-        <p:spPr>
-          <a:xfrm>
-            <a:off x="311700" y="445025"/>
-            <a:ext cx="8520600" cy="572700"/>
-          </a:xfrm>
-          <a:prstGeom prst="rect">
-            <a:avLst/>
-          </a:prstGeom>
-        </p:spPr>
-        <p:txBody>
-          <a:bodyPr anchorCtr="0" anchor="ctr" bIns="22850" lIns="45725" spcFirstLastPara="1" rIns="45725" wrap="square" tIns="22850">
-            <a:noAutofit/>
-          </a:bodyPr>
-          <a:lstStyle/>
-          <a:p>
-            <a:pPr indent="0" lvl="0" marL="0" rtl="0" algn="ctr">
-              <a:spcBef>
-                <a:spcPts val="0"/>
-              </a:spcBef>
-              <a:spcAft>
-                <a:spcPts val="0"/>
-              </a:spcAft>
-              <a:buNone/>
-            </a:pPr>
-            <a:r>
-              <a:rPr lang="en" sz="3000"/>
-              <a:t>Specifications:</a:t>
-            </a:r>
-            <a:endParaRPr sz="3000"/>
-          </a:p>
-          <a:p>
-            <a:pPr indent="0" lvl="0" marL="0" rtl="0" algn="ctr">
-              <a:spcBef>
-                <a:spcPts val="0"/>
-              </a:spcBef>
-              <a:spcAft>
-                <a:spcPts val="0"/>
-              </a:spcAft>
-              <a:buNone/>
-            </a:pPr>
-            <a:r>
-              <a:rPr b="1" lang="en" sz="3000"/>
-              <a:t>Requirements and Constraints</a:t>
-            </a:r>
-            <a:endParaRPr b="1" sz="3000"/>
-          </a:p>
-        </p:txBody>
-      </p:sp>
-      <p:sp>
-        <p:nvSpPr>
-          <p:cNvPr id="137" name="Google Shape;137;p22"/>
-          <p:cNvSpPr txBox="1"/>
-          <p:nvPr>
             <p:ph idx="1" type="body"/>
           </p:nvPr>
         </p:nvSpPr>
         <p:spPr>
           <a:xfrm>
-            <a:off x="311700" y="1656075"/>
-            <a:ext cx="8520600" cy="2912700"/>
+            <a:off x="311700" y="2142150"/>
+            <a:ext cx="8520600" cy="859200"/>
           </a:xfrm>
           <a:prstGeom prst="rect">
             <a:avLst/>
@@ -19618,104 +19311,20 @@
           </a:bodyPr>
           <a:lstStyle/>
           <a:p>
-            <a:pPr indent="-342900" lvl="0" marL="457200" rtl="0" algn="l">
-              <a:lnSpc>
-                <a:spcPct val="200000"/>
-              </a:lnSpc>
+            <a:pPr indent="0" lvl="0" marL="0" rtl="0" algn="ctr">
               <a:spcBef>
                 <a:spcPts val="300"/>
               </a:spcBef>
               <a:spcAft>
                 <a:spcPts val="0"/>
               </a:spcAft>
-              <a:buSzPts val="1800"/>
-              <a:buChar char="•"/>
+              <a:buNone/>
             </a:pPr>
             <a:r>
-              <a:rPr lang="en" sz="1800"/>
-              <a:t>Implement a </a:t>
+              <a:rPr lang="en" sz="4600"/>
+              <a:t>Block Diagram &amp; Game Logic</a:t>
             </a:r>
-            <a:r>
-              <a:rPr b="1" lang="en" sz="1800"/>
-              <a:t>Random Number Generator</a:t>
-            </a:r>
-            <a:r>
-              <a:rPr lang="en" sz="1800"/>
-              <a:t> to set t</a:t>
-            </a:r>
-            <a:r>
-              <a:rPr lang="en" sz="1800"/>
-              <a:t>ime between mole appearances between 1-3 seconds with variability</a:t>
-            </a:r>
-            <a:endParaRPr sz="1800"/>
-          </a:p>
-          <a:p>
-            <a:pPr indent="-342900" lvl="0" marL="457200" rtl="0" algn="l">
-              <a:lnSpc>
-                <a:spcPct val="200000"/>
-              </a:lnSpc>
-              <a:spcBef>
-                <a:spcPts val="0"/>
-              </a:spcBef>
-              <a:spcAft>
-                <a:spcPts val="0"/>
-              </a:spcAft>
-              <a:buSzPts val="1800"/>
-              <a:buChar char="•"/>
-            </a:pPr>
-            <a:r>
-              <a:rPr lang="en" sz="1800"/>
-              <a:t>1 second window to hit mole for points, </a:t>
-            </a:r>
-            <a:r>
-              <a:rPr b="1" lang="en" sz="1800"/>
-              <a:t>decreasing </a:t>
-            </a:r>
-            <a:r>
-              <a:rPr lang="en" sz="1800"/>
-              <a:t>with score</a:t>
-            </a:r>
-            <a:endParaRPr sz="1800"/>
-          </a:p>
-          <a:p>
-            <a:pPr indent="-342900" lvl="0" marL="457200" rtl="0" algn="l">
-              <a:lnSpc>
-                <a:spcPct val="200000"/>
-              </a:lnSpc>
-              <a:spcBef>
-                <a:spcPts val="0"/>
-              </a:spcBef>
-              <a:spcAft>
-                <a:spcPts val="0"/>
-              </a:spcAft>
-              <a:buSzPts val="1800"/>
-              <a:buChar char="•"/>
-            </a:pPr>
-            <a:r>
-              <a:rPr lang="en" sz="1800"/>
-              <a:t>1:1 “whack” (via button/motion) per mole</a:t>
-            </a:r>
-            <a:endParaRPr sz="1800"/>
-          </a:p>
-          <a:p>
-            <a:pPr indent="-342900" lvl="0" marL="457200" rtl="0" algn="l">
-              <a:lnSpc>
-                <a:spcPct val="200000"/>
-              </a:lnSpc>
-              <a:spcBef>
-                <a:spcPts val="0"/>
-              </a:spcBef>
-              <a:spcAft>
-                <a:spcPts val="0"/>
-              </a:spcAft>
-              <a:buSzPts val="1800"/>
-              <a:buChar char="•"/>
-            </a:pPr>
-            <a:r>
-              <a:rPr lang="en" sz="1800"/>
-              <a:t>Reset Switch for resetting statistics (e.g. lives, score)</a:t>
-            </a:r>
-            <a:endParaRPr sz="1800"/>
+            <a:endParaRPr b="1" sz="4600"/>
           </a:p>
         </p:txBody>
       </p:sp>

--- a/EC311 Final Project Presentation.pptx
+++ b/EC311 Final Project Presentation.pptx
@@ -16432,7 +16432,7 @@
             </a:pPr>
             <a:r>
               <a:rPr lang="en" sz="4600"/>
-              <a:t>Two Notable Design Features</a:t>
+              <a:t>Three Notable Design Features</a:t>
             </a:r>
             <a:endParaRPr b="1" sz="4600"/>
           </a:p>
@@ -19337,6 +19337,285 @@
 </file>
 
 <file path=ppt/theme/theme1.xml><?xml version="1.0" encoding="utf-8"?>
+<a:theme xmlns:a="http://schemas.openxmlformats.org/drawingml/2006/main" xmlns:r="http://schemas.openxmlformats.org/officeDocument/2006/relationships" name="Office Theme">
+  <a:themeElements>
+    <a:clrScheme name="Office">
+      <a:dk1>
+        <a:srgbClr val="000000"/>
+      </a:dk1>
+      <a:lt1>
+        <a:srgbClr val="FFFFFF"/>
+      </a:lt1>
+      <a:dk2>
+        <a:srgbClr val="1F497D"/>
+      </a:dk2>
+      <a:lt2>
+        <a:srgbClr val="EEECE1"/>
+      </a:lt2>
+      <a:accent1>
+        <a:srgbClr val="4F81BD"/>
+      </a:accent1>
+      <a:accent2>
+        <a:srgbClr val="C0504D"/>
+      </a:accent2>
+      <a:accent3>
+        <a:srgbClr val="9BBB59"/>
+      </a:accent3>
+      <a:accent4>
+        <a:srgbClr val="8064A2"/>
+      </a:accent4>
+      <a:accent5>
+        <a:srgbClr val="4BACC6"/>
+      </a:accent5>
+      <a:accent6>
+        <a:srgbClr val="F79646"/>
+      </a:accent6>
+      <a:hlink>
+        <a:srgbClr val="0000FF"/>
+      </a:hlink>
+      <a:folHlink>
+        <a:srgbClr val="800080"/>
+      </a:folHlink>
+    </a:clrScheme>
+    <a:fontScheme name="Office">
+      <a:majorFont>
+        <a:latin typeface="Arial"/>
+        <a:ea typeface=""/>
+        <a:cs typeface=""/>
+        <a:font script="Jpan" typeface="ＭＳ Ｐゴシック"/>
+        <a:font script="Hang" typeface="맑은 고딕"/>
+        <a:font script="Hans" typeface="宋体"/>
+        <a:font script="Hant" typeface="新細明體"/>
+        <a:font script="Arab" typeface="Times New Roman"/>
+        <a:font script="Hebr" typeface="Times New Roman"/>
+        <a:font script="Thai" typeface="Angsana New"/>
+        <a:font script="Ethi" typeface="Nyala"/>
+        <a:font script="Beng" typeface="Vrinda"/>
+        <a:font script="Gujr" typeface="Shruti"/>
+        <a:font script="Khmr" typeface="MoolBoran"/>
+        <a:font script="Knda" typeface="Tunga"/>
+        <a:font script="Guru" typeface="Raavi"/>
+        <a:font script="Cans" typeface="Euphemia"/>
+        <a:font script="Cher" typeface="Plantagenet Cherokee"/>
+        <a:font script="Yiii" typeface="Microsoft Yi Baiti"/>
+        <a:font script="Tibt" typeface="Microsoft Himalaya"/>
+        <a:font script="Thaa" typeface="MV Boli"/>
+        <a:font script="Deva" typeface="Mangal"/>
+        <a:font script="Telu" typeface="Gautami"/>
+        <a:font script="Taml" typeface="Latha"/>
+        <a:font script="Syrc" typeface="Estrangelo Edessa"/>
+        <a:font script="Orya" typeface="Kalinga"/>
+        <a:font script="Mlym" typeface="Kartika"/>
+        <a:font script="Laoo" typeface="DokChampa"/>
+        <a:font script="Sinh" typeface="Iskoola Pota"/>
+        <a:font script="Mong" typeface="Mongolian Baiti"/>
+        <a:font script="Viet" typeface="Times New Roman"/>
+        <a:font script="Uigh" typeface="Microsoft Uighur"/>
+        <a:font script="Geor" typeface="Sylfaen"/>
+      </a:majorFont>
+      <a:minorFont>
+        <a:latin typeface="Arial"/>
+        <a:ea typeface=""/>
+        <a:cs typeface=""/>
+        <a:font script="Jpan" typeface="ＭＳ Ｐゴシック"/>
+        <a:font script="Hang" typeface="맑은 고딕"/>
+        <a:font script="Hans" typeface="宋体"/>
+        <a:font script="Hant" typeface="新細明體"/>
+        <a:font script="Arab" typeface="Arial"/>
+        <a:font script="Hebr" typeface="Arial"/>
+        <a:font script="Thai" typeface="Cordia New"/>
+        <a:font script="Ethi" typeface="Nyala"/>
+        <a:font script="Beng" typeface="Vrinda"/>
+        <a:font script="Gujr" typeface="Shruti"/>
+        <a:font script="Khmr" typeface="DaunPenh"/>
+        <a:font script="Knda" typeface="Tunga"/>
+        <a:font script="Guru" typeface="Raavi"/>
+        <a:font script="Cans" typeface="Euphemia"/>
+        <a:font script="Cher" typeface="Plantagenet Cherokee"/>
+        <a:font script="Yiii" typeface="Microsoft Yi Baiti"/>
+        <a:font script="Tibt" typeface="Microsoft Himalaya"/>
+        <a:font script="Thaa" typeface="MV Boli"/>
+        <a:font script="Deva" typeface="Mangal"/>
+        <a:font script="Telu" typeface="Gautami"/>
+        <a:font script="Taml" typeface="Latha"/>
+        <a:font script="Syrc" typeface="Estrangelo Edessa"/>
+        <a:font script="Orya" typeface="Kalinga"/>
+        <a:font script="Mlym" typeface="Kartika"/>
+        <a:font script="Laoo" typeface="DokChampa"/>
+        <a:font script="Sinh" typeface="Iskoola Pota"/>
+        <a:font script="Mong" typeface="Mongolian Baiti"/>
+        <a:font script="Viet" typeface="Arial"/>
+        <a:font script="Uigh" typeface="Microsoft Uighur"/>
+        <a:font script="Geor" typeface="Sylfaen"/>
+      </a:minorFont>
+    </a:fontScheme>
+    <a:fmtScheme name="Office">
+      <a:fillStyleLst>
+        <a:solidFill>
+          <a:schemeClr val="phClr"/>
+        </a:solidFill>
+        <a:gradFill rotWithShape="1">
+          <a:gsLst>
+            <a:gs pos="0">
+              <a:schemeClr val="phClr">
+                <a:tint val="50000"/>
+                <a:satMod val="300000"/>
+              </a:schemeClr>
+            </a:gs>
+            <a:gs pos="35000">
+              <a:schemeClr val="phClr">
+                <a:tint val="37000"/>
+                <a:satMod val="300000"/>
+              </a:schemeClr>
+            </a:gs>
+            <a:gs pos="100000">
+              <a:schemeClr val="phClr">
+                <a:tint val="15000"/>
+                <a:satMod val="350000"/>
+              </a:schemeClr>
+            </a:gs>
+          </a:gsLst>
+          <a:lin ang="16200000" scaled="1"/>
+        </a:gradFill>
+        <a:gradFill rotWithShape="1">
+          <a:gsLst>
+            <a:gs pos="0">
+              <a:schemeClr val="phClr">
+                <a:tint val="100000"/>
+                <a:shade val="100000"/>
+                <a:satMod val="130000"/>
+              </a:schemeClr>
+            </a:gs>
+            <a:gs pos="100000">
+              <a:schemeClr val="phClr">
+                <a:tint val="50000"/>
+                <a:shade val="100000"/>
+                <a:satMod val="350000"/>
+              </a:schemeClr>
+            </a:gs>
+          </a:gsLst>
+          <a:lin ang="16200000" scaled="0"/>
+        </a:gradFill>
+      </a:fillStyleLst>
+      <a:lnStyleLst>
+        <a:ln w="9525" cap="flat" cmpd="sng" algn="ctr">
+          <a:solidFill>
+            <a:schemeClr val="phClr">
+              <a:shade val="95000"/>
+              <a:satMod val="105000"/>
+            </a:schemeClr>
+          </a:solidFill>
+          <a:prstDash val="solid"/>
+        </a:ln>
+        <a:ln w="25400" cap="flat" cmpd="sng" algn="ctr">
+          <a:solidFill>
+            <a:schemeClr val="phClr"/>
+          </a:solidFill>
+          <a:prstDash val="solid"/>
+        </a:ln>
+        <a:ln w="38100" cap="flat" cmpd="sng" algn="ctr">
+          <a:solidFill>
+            <a:schemeClr val="phClr"/>
+          </a:solidFill>
+          <a:prstDash val="solid"/>
+        </a:ln>
+      </a:lnStyleLst>
+      <a:effectStyleLst>
+        <a:effectStyle>
+          <a:effectLst>
+            <a:outerShdw blurRad="40000" dist="20000" dir="5400000" rotWithShape="0">
+              <a:srgbClr val="000000">
+                <a:alpha val="38000"/>
+              </a:srgbClr>
+            </a:outerShdw>
+          </a:effectLst>
+        </a:effectStyle>
+        <a:effectStyle>
+          <a:effectLst>
+            <a:outerShdw blurRad="40000" dist="23000" dir="5400000" rotWithShape="0">
+              <a:srgbClr val="000000">
+                <a:alpha val="35000"/>
+              </a:srgbClr>
+            </a:outerShdw>
+          </a:effectLst>
+        </a:effectStyle>
+        <a:effectStyle>
+          <a:effectLst>
+            <a:outerShdw blurRad="40000" dist="23000" dir="5400000" rotWithShape="0">
+              <a:srgbClr val="000000">
+                <a:alpha val="35000"/>
+              </a:srgbClr>
+            </a:outerShdw>
+          </a:effectLst>
+          <a:scene3d>
+            <a:camera prst="orthographicFront">
+              <a:rot lat="0" lon="0" rev="0"/>
+            </a:camera>
+            <a:lightRig rig="threePt" dir="t">
+              <a:rot lat="0" lon="0" rev="1200000"/>
+            </a:lightRig>
+          </a:scene3d>
+          <a:sp3d>
+            <a:bevelT w="63500" h="25400"/>
+          </a:sp3d>
+        </a:effectStyle>
+      </a:effectStyleLst>
+      <a:bgFillStyleLst>
+        <a:solidFill>
+          <a:schemeClr val="phClr"/>
+        </a:solidFill>
+        <a:gradFill rotWithShape="1">
+          <a:gsLst>
+            <a:gs pos="0">
+              <a:schemeClr val="phClr">
+                <a:tint val="40000"/>
+                <a:satMod val="350000"/>
+              </a:schemeClr>
+            </a:gs>
+            <a:gs pos="40000">
+              <a:schemeClr val="phClr">
+                <a:tint val="45000"/>
+                <a:shade val="99000"/>
+                <a:satMod val="350000"/>
+              </a:schemeClr>
+            </a:gs>
+            <a:gs pos="100000">
+              <a:schemeClr val="phClr">
+                <a:shade val="20000"/>
+                <a:satMod val="255000"/>
+              </a:schemeClr>
+            </a:gs>
+          </a:gsLst>
+          <a:path path="circle">
+            <a:fillToRect l="50000" t="-80000" r="50000" b="180000"/>
+          </a:path>
+        </a:gradFill>
+        <a:gradFill rotWithShape="1">
+          <a:gsLst>
+            <a:gs pos="0">
+              <a:schemeClr val="phClr">
+                <a:tint val="80000"/>
+                <a:satMod val="300000"/>
+              </a:schemeClr>
+            </a:gs>
+            <a:gs pos="100000">
+              <a:schemeClr val="phClr">
+                <a:shade val="30000"/>
+                <a:satMod val="200000"/>
+              </a:schemeClr>
+            </a:gs>
+          </a:gsLst>
+          <a:path path="circle">
+            <a:fillToRect l="50000" t="50000" r="50000" b="50000"/>
+          </a:path>
+        </a:gradFill>
+      </a:bgFillStyleLst>
+    </a:fmtScheme>
+  </a:themeElements>
+</a:theme>
+</file>
+
+<file path=ppt/theme/theme2.xml><?xml version="1.0" encoding="utf-8"?>
 <a:theme xmlns:a="http://schemas.openxmlformats.org/drawingml/2006/main" xmlns:r="http://schemas.openxmlformats.org/officeDocument/2006/relationships">
   <a:themeElements>
     <a:clrScheme name="Default">
@@ -19613,283 +19892,4 @@
     </a:fmtScheme>
   </a:themeElements>
 </a:theme>
-</file>
-
-<file path=ppt/theme/theme2.xml><?xml version="1.0" encoding="utf-8"?>
-<a:theme xmlns:a="http://schemas.openxmlformats.org/drawingml/2006/main" xmlns:r="http://schemas.openxmlformats.org/officeDocument/2006/relationships" name="Office Theme">
-  <a:themeElements>
-    <a:clrScheme name="Office">
-      <a:dk1>
-        <a:srgbClr val="000000"/>
-      </a:dk1>
-      <a:lt1>
-        <a:srgbClr val="FFFFFF"/>
-      </a:lt1>
-      <a:dk2>
-        <a:srgbClr val="1F497D"/>
-      </a:dk2>
-      <a:lt2>
-        <a:srgbClr val="EEECE1"/>
-      </a:lt2>
-      <a:accent1>
-        <a:srgbClr val="4F81BD"/>
-      </a:accent1>
-      <a:accent2>
-        <a:srgbClr val="C0504D"/>
-      </a:accent2>
-      <a:accent3>
-        <a:srgbClr val="9BBB59"/>
-      </a:accent3>
-      <a:accent4>
-        <a:srgbClr val="8064A2"/>
-      </a:accent4>
-      <a:accent5>
-        <a:srgbClr val="4BACC6"/>
-      </a:accent5>
-      <a:accent6>
-        <a:srgbClr val="F79646"/>
-      </a:accent6>
-      <a:hlink>
-        <a:srgbClr val="0000FF"/>
-      </a:hlink>
-      <a:folHlink>
-        <a:srgbClr val="800080"/>
-      </a:folHlink>
-    </a:clrScheme>
-    <a:fontScheme name="Office">
-      <a:majorFont>
-        <a:latin typeface="Arial"/>
-        <a:ea typeface=""/>
-        <a:cs typeface=""/>
-        <a:font script="Jpan" typeface="ＭＳ Ｐゴシック"/>
-        <a:font script="Hang" typeface="맑은 고딕"/>
-        <a:font script="Hans" typeface="宋体"/>
-        <a:font script="Hant" typeface="新細明體"/>
-        <a:font script="Arab" typeface="Times New Roman"/>
-        <a:font script="Hebr" typeface="Times New Roman"/>
-        <a:font script="Thai" typeface="Angsana New"/>
-        <a:font script="Ethi" typeface="Nyala"/>
-        <a:font script="Beng" typeface="Vrinda"/>
-        <a:font script="Gujr" typeface="Shruti"/>
-        <a:font script="Khmr" typeface="MoolBoran"/>
-        <a:font script="Knda" typeface="Tunga"/>
-        <a:font script="Guru" typeface="Raavi"/>
-        <a:font script="Cans" typeface="Euphemia"/>
-        <a:font script="Cher" typeface="Plantagenet Cherokee"/>
-        <a:font script="Yiii" typeface="Microsoft Yi Baiti"/>
-        <a:font script="Tibt" typeface="Microsoft Himalaya"/>
-        <a:font script="Thaa" typeface="MV Boli"/>
-        <a:font script="Deva" typeface="Mangal"/>
-        <a:font script="Telu" typeface="Gautami"/>
-        <a:font script="Taml" typeface="Latha"/>
-        <a:font script="Syrc" typeface="Estrangelo Edessa"/>
-        <a:font script="Orya" typeface="Kalinga"/>
-        <a:font script="Mlym" typeface="Kartika"/>
-        <a:font script="Laoo" typeface="DokChampa"/>
-        <a:font script="Sinh" typeface="Iskoola Pota"/>
-        <a:font script="Mong" typeface="Mongolian Baiti"/>
-        <a:font script="Viet" typeface="Times New Roman"/>
-        <a:font script="Uigh" typeface="Microsoft Uighur"/>
-        <a:font script="Geor" typeface="Sylfaen"/>
-      </a:majorFont>
-      <a:minorFont>
-        <a:latin typeface="Arial"/>
-        <a:ea typeface=""/>
-        <a:cs typeface=""/>
-        <a:font script="Jpan" typeface="ＭＳ Ｐゴシック"/>
-        <a:font script="Hang" typeface="맑은 고딕"/>
-        <a:font script="Hans" typeface="宋体"/>
-        <a:font script="Hant" typeface="新細明體"/>
-        <a:font script="Arab" typeface="Arial"/>
-        <a:font script="Hebr" typeface="Arial"/>
-        <a:font script="Thai" typeface="Cordia New"/>
-        <a:font script="Ethi" typeface="Nyala"/>
-        <a:font script="Beng" typeface="Vrinda"/>
-        <a:font script="Gujr" typeface="Shruti"/>
-        <a:font script="Khmr" typeface="DaunPenh"/>
-        <a:font script="Knda" typeface="Tunga"/>
-        <a:font script="Guru" typeface="Raavi"/>
-        <a:font script="Cans" typeface="Euphemia"/>
-        <a:font script="Cher" typeface="Plantagenet Cherokee"/>
-        <a:font script="Yiii" typeface="Microsoft Yi Baiti"/>
-        <a:font script="Tibt" typeface="Microsoft Himalaya"/>
-        <a:font script="Thaa" typeface="MV Boli"/>
-        <a:font script="Deva" typeface="Mangal"/>
-        <a:font script="Telu" typeface="Gautami"/>
-        <a:font script="Taml" typeface="Latha"/>
-        <a:font script="Syrc" typeface="Estrangelo Edessa"/>
-        <a:font script="Orya" typeface="Kalinga"/>
-        <a:font script="Mlym" typeface="Kartika"/>
-        <a:font script="Laoo" typeface="DokChampa"/>
-        <a:font script="Sinh" typeface="Iskoola Pota"/>
-        <a:font script="Mong" typeface="Mongolian Baiti"/>
-        <a:font script="Viet" typeface="Arial"/>
-        <a:font script="Uigh" typeface="Microsoft Uighur"/>
-        <a:font script="Geor" typeface="Sylfaen"/>
-      </a:minorFont>
-    </a:fontScheme>
-    <a:fmtScheme name="Office">
-      <a:fillStyleLst>
-        <a:solidFill>
-          <a:schemeClr val="phClr"/>
-        </a:solidFill>
-        <a:gradFill rotWithShape="1">
-          <a:gsLst>
-            <a:gs pos="0">
-              <a:schemeClr val="phClr">
-                <a:tint val="50000"/>
-                <a:satMod val="300000"/>
-              </a:schemeClr>
-            </a:gs>
-            <a:gs pos="35000">
-              <a:schemeClr val="phClr">
-                <a:tint val="37000"/>
-                <a:satMod val="300000"/>
-              </a:schemeClr>
-            </a:gs>
-            <a:gs pos="100000">
-              <a:schemeClr val="phClr">
-                <a:tint val="15000"/>
-                <a:satMod val="350000"/>
-              </a:schemeClr>
-            </a:gs>
-          </a:gsLst>
-          <a:lin ang="16200000" scaled="1"/>
-        </a:gradFill>
-        <a:gradFill rotWithShape="1">
-          <a:gsLst>
-            <a:gs pos="0">
-              <a:schemeClr val="phClr">
-                <a:tint val="100000"/>
-                <a:shade val="100000"/>
-                <a:satMod val="130000"/>
-              </a:schemeClr>
-            </a:gs>
-            <a:gs pos="100000">
-              <a:schemeClr val="phClr">
-                <a:tint val="50000"/>
-                <a:shade val="100000"/>
-                <a:satMod val="350000"/>
-              </a:schemeClr>
-            </a:gs>
-          </a:gsLst>
-          <a:lin ang="16200000" scaled="0"/>
-        </a:gradFill>
-      </a:fillStyleLst>
-      <a:lnStyleLst>
-        <a:ln w="9525" cap="flat" cmpd="sng" algn="ctr">
-          <a:solidFill>
-            <a:schemeClr val="phClr">
-              <a:shade val="95000"/>
-              <a:satMod val="105000"/>
-            </a:schemeClr>
-          </a:solidFill>
-          <a:prstDash val="solid"/>
-        </a:ln>
-        <a:ln w="25400" cap="flat" cmpd="sng" algn="ctr">
-          <a:solidFill>
-            <a:schemeClr val="phClr"/>
-          </a:solidFill>
-          <a:prstDash val="solid"/>
-        </a:ln>
-        <a:ln w="38100" cap="flat" cmpd="sng" algn="ctr">
-          <a:solidFill>
-            <a:schemeClr val="phClr"/>
-          </a:solidFill>
-          <a:prstDash val="solid"/>
-        </a:ln>
-      </a:lnStyleLst>
-      <a:effectStyleLst>
-        <a:effectStyle>
-          <a:effectLst>
-            <a:outerShdw blurRad="40000" dist="20000" dir="5400000" rotWithShape="0">
-              <a:srgbClr val="000000">
-                <a:alpha val="38000"/>
-              </a:srgbClr>
-            </a:outerShdw>
-          </a:effectLst>
-        </a:effectStyle>
-        <a:effectStyle>
-          <a:effectLst>
-            <a:outerShdw blurRad="40000" dist="23000" dir="5400000" rotWithShape="0">
-              <a:srgbClr val="000000">
-                <a:alpha val="35000"/>
-              </a:srgbClr>
-            </a:outerShdw>
-          </a:effectLst>
-        </a:effectStyle>
-        <a:effectStyle>
-          <a:effectLst>
-            <a:outerShdw blurRad="40000" dist="23000" dir="5400000" rotWithShape="0">
-              <a:srgbClr val="000000">
-                <a:alpha val="35000"/>
-              </a:srgbClr>
-            </a:outerShdw>
-          </a:effectLst>
-          <a:scene3d>
-            <a:camera prst="orthographicFront">
-              <a:rot lat="0" lon="0" rev="0"/>
-            </a:camera>
-            <a:lightRig rig="threePt" dir="t">
-              <a:rot lat="0" lon="0" rev="1200000"/>
-            </a:lightRig>
-          </a:scene3d>
-          <a:sp3d>
-            <a:bevelT w="63500" h="25400"/>
-          </a:sp3d>
-        </a:effectStyle>
-      </a:effectStyleLst>
-      <a:bgFillStyleLst>
-        <a:solidFill>
-          <a:schemeClr val="phClr"/>
-        </a:solidFill>
-        <a:gradFill rotWithShape="1">
-          <a:gsLst>
-            <a:gs pos="0">
-              <a:schemeClr val="phClr">
-                <a:tint val="40000"/>
-                <a:satMod val="350000"/>
-              </a:schemeClr>
-            </a:gs>
-            <a:gs pos="40000">
-              <a:schemeClr val="phClr">
-                <a:tint val="45000"/>
-                <a:shade val="99000"/>
-                <a:satMod val="350000"/>
-              </a:schemeClr>
-            </a:gs>
-            <a:gs pos="100000">
-              <a:schemeClr val="phClr">
-                <a:shade val="20000"/>
-                <a:satMod val="255000"/>
-              </a:schemeClr>
-            </a:gs>
-          </a:gsLst>
-          <a:path path="circle">
-            <a:fillToRect l="50000" t="-80000" r="50000" b="180000"/>
-          </a:path>
-        </a:gradFill>
-        <a:gradFill rotWithShape="1">
-          <a:gsLst>
-            <a:gs pos="0">
-              <a:schemeClr val="phClr">
-                <a:tint val="80000"/>
-                <a:satMod val="300000"/>
-              </a:schemeClr>
-            </a:gs>
-            <a:gs pos="100000">
-              <a:schemeClr val="phClr">
-                <a:shade val="30000"/>
-                <a:satMod val="200000"/>
-              </a:schemeClr>
-            </a:gs>
-          </a:gsLst>
-          <a:path path="circle">
-            <a:fillToRect l="50000" t="50000" r="50000" b="50000"/>
-          </a:path>
-        </a:gradFill>
-      </a:bgFillStyleLst>
-    </a:fmtScheme>
-  </a:themeElements>
-</a:theme>
 </file>